--- a/SEM6/EthicsAndAcademicIntegrity/Intro/Introducere_dileme_etice.pptx
+++ b/SEM6/EthicsAndAcademicIntegrity/Intro/Introducere_dileme_etice.pptx
@@ -14,10 +14,13 @@
     <p:sldId id="282" r:id="rId11"/>
     <p:sldId id="283" r:id="rId12"/>
     <p:sldId id="286" r:id="rId13"/>
-    <p:sldId id="287" r:id="rId14"/>
-    <p:sldId id="288" r:id="rId15"/>
-    <p:sldId id="289" r:id="rId16"/>
-    <p:sldId id="290" r:id="rId17"/>
+    <p:sldId id="291" r:id="rId14"/>
+    <p:sldId id="324" r:id="rId15"/>
+    <p:sldId id="321" r:id="rId16"/>
+    <p:sldId id="327" r:id="rId17"/>
+    <p:sldId id="288" r:id="rId18"/>
+    <p:sldId id="289" r:id="rId19"/>
+    <p:sldId id="290" r:id="rId20"/>
   </p:sldIdLst>
   <p:sldSz cx="12192000" cy="6858000"/>
   <p:notesSz cx="6858000" cy="9144000"/>
@@ -116,6 +119,11 @@
       </a:defRPr>
     </a:lvl9pPr>
   </p:defaultTextStyle>
+  <p:extLst>
+    <p:ext uri="{EFAFB233-063F-42B5-8137-9DF3F51BA10A}">
+      <p15:sldGuideLst xmlns:p15="http://schemas.microsoft.com/office/powerpoint/2012/main"/>
+    </p:ext>
+  </p:extLst>
 </p:presentation>
 </file>
 
@@ -275,7 +283,7 @@
           <a:p>
             <a:fld id="{3391A759-BFF8-4B5B-9ECE-D93AC303B331}" type="datetime1">
               <a:rPr lang="en-US" smtClean="0"/>
-              <a:t>3/10/2025</a:t>
+              <a:t>3/11/2025</a:t>
             </a:fld>
             <a:endParaRPr lang="en-US"/>
           </a:p>
@@ -529,7 +537,7 @@
           <a:p>
             <a:fld id="{6DFDF398-5DA3-4937-BE3F-7CA1B9158252}" type="datetime1">
               <a:rPr lang="en-US" smtClean="0"/>
-              <a:t>3/10/2025</a:t>
+              <a:t>3/11/2025</a:t>
             </a:fld>
             <a:endParaRPr lang="en-US"/>
           </a:p>
@@ -739,7 +747,7 @@
           <a:p>
             <a:fld id="{8F191ED9-F929-4A92-90F9-3C9C84ABBE83}" type="datetime1">
               <a:rPr lang="en-US" smtClean="0"/>
-              <a:t>3/10/2025</a:t>
+              <a:t>3/11/2025</a:t>
             </a:fld>
             <a:endParaRPr lang="en-US"/>
           </a:p>
@@ -994,7 +1002,7 @@
           <a:p>
             <a:fld id="{EEBAB316-A2E6-49F2-825C-64AA951E4184}" type="datetime1">
               <a:rPr lang="en-US" smtClean="0"/>
-              <a:t>3/10/2025</a:t>
+              <a:t>3/11/2025</a:t>
             </a:fld>
             <a:endParaRPr lang="en-US"/>
           </a:p>
@@ -1272,7 +1280,7 @@
           <a:p>
             <a:fld id="{5AE9748B-ADD6-4C5A-8C2A-A39721276E74}" type="datetime1">
               <a:rPr lang="en-US" smtClean="0"/>
-              <a:t>3/10/2025</a:t>
+              <a:t>3/11/2025</a:t>
             </a:fld>
             <a:endParaRPr lang="en-US"/>
           </a:p>
@@ -1544,7 +1552,7 @@
           <a:p>
             <a:fld id="{7241FB0F-3C5C-4949-B933-9C7E511ED094}" type="datetime1">
               <a:rPr lang="en-US" smtClean="0"/>
-              <a:t>3/10/2025</a:t>
+              <a:t>3/11/2025</a:t>
             </a:fld>
             <a:endParaRPr lang="en-US"/>
           </a:p>
@@ -2032,7 +2040,7 @@
           <a:p>
             <a:fld id="{C2F01D58-E949-4BCB-829A-BBF80E38D59C}" type="datetime1">
               <a:rPr lang="en-US" smtClean="0"/>
-              <a:t>3/10/2025</a:t>
+              <a:t>3/11/2025</a:t>
             </a:fld>
             <a:endParaRPr lang="en-US"/>
           </a:p>
@@ -2174,7 +2182,7 @@
           <a:p>
             <a:fld id="{FF10A846-0DA4-4D92-9BF1-DE8C52C1F4DF}" type="datetime1">
               <a:rPr lang="en-US" smtClean="0"/>
-              <a:t>3/10/2025</a:t>
+              <a:t>3/11/2025</a:t>
             </a:fld>
             <a:endParaRPr lang="en-US"/>
           </a:p>
@@ -2287,7 +2295,7 @@
           <a:p>
             <a:fld id="{E9412331-4A9C-472F-A7FA-968157338839}" type="datetime1">
               <a:rPr lang="en-US" smtClean="0"/>
-              <a:t>3/10/2025</a:t>
+              <a:t>3/11/2025</a:t>
             </a:fld>
             <a:endParaRPr lang="en-US"/>
           </a:p>
@@ -2606,7 +2614,7 @@
           <a:p>
             <a:fld id="{A2197F3D-ED52-43FD-A26D-318B71534485}" type="datetime1">
               <a:rPr lang="en-US" smtClean="0"/>
-              <a:t>3/10/2025</a:t>
+              <a:t>3/11/2025</a:t>
             </a:fld>
             <a:endParaRPr lang="en-US"/>
           </a:p>
@@ -2903,7 +2911,7 @@
           <a:p>
             <a:fld id="{3D291FA4-6264-4BB8-B3B5-77711EED2D82}" type="datetime1">
               <a:rPr lang="en-US" smtClean="0"/>
-              <a:t>3/10/2025</a:t>
+              <a:t>3/11/2025</a:t>
             </a:fld>
             <a:endParaRPr lang="en-US"/>
           </a:p>
@@ -3144,7 +3152,7 @@
           <a:p>
             <a:fld id="{E7F6A1D9-D323-4F4E-8655-25E2D32CE742}" type="datetime1">
               <a:rPr lang="en-US" smtClean="0"/>
-              <a:t>3/10/2025</a:t>
+              <a:t>3/11/2025</a:t>
             </a:fld>
             <a:endParaRPr lang="en-US"/>
           </a:p>
@@ -3897,7 +3905,7 @@
     </p:spTree>
     <p:extLst>
       <p:ext uri="{BB962C8B-B14F-4D97-AF65-F5344CB8AC3E}">
-        <p14:creationId xmlns:p14="http://schemas.microsoft.com/office/powerpoint/2010/main" val="1006996287"/>
+        <p14:creationId xmlns:p14="http://schemas.microsoft.com/office/powerpoint/2010/main" val="1213308222"/>
       </p:ext>
     </p:extLst>
   </p:cSld>
@@ -3908,6 +3916,5898 @@
 </file>
 
 <file path=ppt/slides/slide11.xml><?xml version="1.0" encoding="utf-8"?>
+<p:sld xmlns:a="http://schemas.openxmlformats.org/drawingml/2006/main" xmlns:r="http://schemas.openxmlformats.org/officeDocument/2006/relationships" xmlns:p="http://schemas.openxmlformats.org/presentationml/2006/main">
+  <p:cSld>
+    <p:spTree>
+      <p:nvGrpSpPr>
+        <p:cNvPr id="1" name="">
+          <a:extLst>
+            <a:ext uri="{FF2B5EF4-FFF2-40B4-BE49-F238E27FC236}">
+              <a16:creationId xmlns:a16="http://schemas.microsoft.com/office/drawing/2014/main" id="{B70D12C4-D8F2-630A-308E-69AB507A32EA}"/>
+            </a:ext>
+          </a:extLst>
+        </p:cNvPr>
+        <p:cNvGrpSpPr/>
+        <p:nvPr/>
+      </p:nvGrpSpPr>
+      <p:grpSpPr>
+        <a:xfrm>
+          <a:off x="0" y="0"/>
+          <a:ext cx="0" cy="0"/>
+          <a:chOff x="0" y="0"/>
+          <a:chExt cx="0" cy="0"/>
+        </a:xfrm>
+      </p:grpSpPr>
+      <p:grpSp>
+        <p:nvGrpSpPr>
+          <p:cNvPr id="6" name="Group 6">
+            <a:extLst>
+              <a:ext uri="{FF2B5EF4-FFF2-40B4-BE49-F238E27FC236}">
+                <a16:creationId xmlns:a16="http://schemas.microsoft.com/office/drawing/2014/main" id="{70867712-5F34-E526-DF24-AAE011A21E33}"/>
+              </a:ext>
+            </a:extLst>
+          </p:cNvPr>
+          <p:cNvGrpSpPr/>
+          <p:nvPr/>
+        </p:nvGrpSpPr>
+        <p:grpSpPr>
+          <a:xfrm rot="10800000">
+            <a:off x="54105" y="6172199"/>
+            <a:ext cx="8971999" cy="2176254"/>
+            <a:chOff x="0" y="0"/>
+            <a:chExt cx="17943995" cy="4352506"/>
+          </a:xfrm>
+        </p:grpSpPr>
+        <p:sp>
+          <p:nvSpPr>
+            <p:cNvPr id="7" name="Freeform 7">
+              <a:extLst>
+                <a:ext uri="{FF2B5EF4-FFF2-40B4-BE49-F238E27FC236}">
+                  <a16:creationId xmlns:a16="http://schemas.microsoft.com/office/drawing/2014/main" id="{08DE9054-8CAF-305A-0B0A-E39D9C11D563}"/>
+                </a:ext>
+              </a:extLst>
+            </p:cNvPr>
+            <p:cNvSpPr/>
+            <p:nvPr/>
+          </p:nvSpPr>
+          <p:spPr>
+            <a:xfrm>
+              <a:off x="0" y="0"/>
+              <a:ext cx="4149650" cy="4149650"/>
+            </a:xfrm>
+            <a:custGeom>
+              <a:avLst/>
+              <a:gdLst/>
+              <a:ahLst/>
+              <a:cxnLst/>
+              <a:rect l="l" t="t" r="r" b="b"/>
+              <a:pathLst>
+                <a:path w="4149650" h="4149650">
+                  <a:moveTo>
+                    <a:pt x="0" y="0"/>
+                  </a:moveTo>
+                  <a:lnTo>
+                    <a:pt x="4149650" y="0"/>
+                  </a:lnTo>
+                  <a:lnTo>
+                    <a:pt x="4149650" y="4149650"/>
+                  </a:lnTo>
+                  <a:lnTo>
+                    <a:pt x="0" y="4149650"/>
+                  </a:lnTo>
+                  <a:lnTo>
+                    <a:pt x="0" y="0"/>
+                  </a:lnTo>
+                  <a:close/>
+                </a:path>
+              </a:pathLst>
+            </a:custGeom>
+            <a:blipFill>
+              <a:blip r:embed="rId2">
+                <a:extLst>
+                  <a:ext uri="{96DAC541-7B7A-43D3-8B79-37D633B846F1}">
+                    <asvg:svgBlip xmlns:asvg="http://schemas.microsoft.com/office/drawing/2016/SVG/main" r:embed="rId3"/>
+                  </a:ext>
+                </a:extLst>
+              </a:blip>
+              <a:stretch>
+                <a:fillRect/>
+              </a:stretch>
+            </a:blipFill>
+          </p:spPr>
+          <p:txBody>
+            <a:bodyPr/>
+            <a:lstStyle>
+              <a:defPPr>
+                <a:defRPr lang="en-US"/>
+              </a:defPPr>
+              <a:lvl1pPr marL="0" algn="l" defTabSz="609539" rtl="0" eaLnBrk="1" latinLnBrk="0" hangingPunct="1">
+                <a:defRPr sz="1200" kern="1200">
+                  <a:solidFill>
+                    <a:schemeClr val="tx1"/>
+                  </a:solidFill>
+                  <a:latin typeface="+mn-lt"/>
+                  <a:ea typeface="+mn-ea"/>
+                  <a:cs typeface="+mn-cs"/>
+                </a:defRPr>
+              </a:lvl1pPr>
+              <a:lvl2pPr marL="304770" algn="l" defTabSz="609539" rtl="0" eaLnBrk="1" latinLnBrk="0" hangingPunct="1">
+                <a:defRPr sz="1200" kern="1200">
+                  <a:solidFill>
+                    <a:schemeClr val="tx1"/>
+                  </a:solidFill>
+                  <a:latin typeface="+mn-lt"/>
+                  <a:ea typeface="+mn-ea"/>
+                  <a:cs typeface="+mn-cs"/>
+                </a:defRPr>
+              </a:lvl2pPr>
+              <a:lvl3pPr marL="609539" algn="l" defTabSz="609539" rtl="0" eaLnBrk="1" latinLnBrk="0" hangingPunct="1">
+                <a:defRPr sz="1200" kern="1200">
+                  <a:solidFill>
+                    <a:schemeClr val="tx1"/>
+                  </a:solidFill>
+                  <a:latin typeface="+mn-lt"/>
+                  <a:ea typeface="+mn-ea"/>
+                  <a:cs typeface="+mn-cs"/>
+                </a:defRPr>
+              </a:lvl3pPr>
+              <a:lvl4pPr marL="914309" algn="l" defTabSz="609539" rtl="0" eaLnBrk="1" latinLnBrk="0" hangingPunct="1">
+                <a:defRPr sz="1200" kern="1200">
+                  <a:solidFill>
+                    <a:schemeClr val="tx1"/>
+                  </a:solidFill>
+                  <a:latin typeface="+mn-lt"/>
+                  <a:ea typeface="+mn-ea"/>
+                  <a:cs typeface="+mn-cs"/>
+                </a:defRPr>
+              </a:lvl4pPr>
+              <a:lvl5pPr marL="1219078" algn="l" defTabSz="609539" rtl="0" eaLnBrk="1" latinLnBrk="0" hangingPunct="1">
+                <a:defRPr sz="1200" kern="1200">
+                  <a:solidFill>
+                    <a:schemeClr val="tx1"/>
+                  </a:solidFill>
+                  <a:latin typeface="+mn-lt"/>
+                  <a:ea typeface="+mn-ea"/>
+                  <a:cs typeface="+mn-cs"/>
+                </a:defRPr>
+              </a:lvl5pPr>
+              <a:lvl6pPr marL="1523848" algn="l" defTabSz="609539" rtl="0" eaLnBrk="1" latinLnBrk="0" hangingPunct="1">
+                <a:defRPr sz="1200" kern="1200">
+                  <a:solidFill>
+                    <a:schemeClr val="tx1"/>
+                  </a:solidFill>
+                  <a:latin typeface="+mn-lt"/>
+                  <a:ea typeface="+mn-ea"/>
+                  <a:cs typeface="+mn-cs"/>
+                </a:defRPr>
+              </a:lvl6pPr>
+              <a:lvl7pPr marL="1828617" algn="l" defTabSz="609539" rtl="0" eaLnBrk="1" latinLnBrk="0" hangingPunct="1">
+                <a:defRPr sz="1200" kern="1200">
+                  <a:solidFill>
+                    <a:schemeClr val="tx1"/>
+                  </a:solidFill>
+                  <a:latin typeface="+mn-lt"/>
+                  <a:ea typeface="+mn-ea"/>
+                  <a:cs typeface="+mn-cs"/>
+                </a:defRPr>
+              </a:lvl7pPr>
+              <a:lvl8pPr marL="2133387" algn="l" defTabSz="609539" rtl="0" eaLnBrk="1" latinLnBrk="0" hangingPunct="1">
+                <a:defRPr sz="1200" kern="1200">
+                  <a:solidFill>
+                    <a:schemeClr val="tx1"/>
+                  </a:solidFill>
+                  <a:latin typeface="+mn-lt"/>
+                  <a:ea typeface="+mn-ea"/>
+                  <a:cs typeface="+mn-cs"/>
+                </a:defRPr>
+              </a:lvl8pPr>
+              <a:lvl9pPr marL="2438156" algn="l" defTabSz="609539" rtl="0" eaLnBrk="1" latinLnBrk="0" hangingPunct="1">
+                <a:defRPr sz="1200" kern="1200">
+                  <a:solidFill>
+                    <a:schemeClr val="tx1"/>
+                  </a:solidFill>
+                  <a:latin typeface="+mn-lt"/>
+                  <a:ea typeface="+mn-ea"/>
+                  <a:cs typeface="+mn-cs"/>
+                </a:defRPr>
+              </a:lvl9pPr>
+            </a:lstStyle>
+            <a:p>
+              <a:endParaRPr lang="ro-RO" sz="800"/>
+            </a:p>
+          </p:txBody>
+        </p:sp>
+        <p:sp>
+          <p:nvSpPr>
+            <p:cNvPr id="8" name="Freeform 8">
+              <a:extLst>
+                <a:ext uri="{FF2B5EF4-FFF2-40B4-BE49-F238E27FC236}">
+                  <a16:creationId xmlns:a16="http://schemas.microsoft.com/office/drawing/2014/main" id="{36EAE661-101F-06A0-979E-41F067037135}"/>
+                </a:ext>
+              </a:extLst>
+            </p:cNvPr>
+            <p:cNvSpPr/>
+            <p:nvPr/>
+          </p:nvSpPr>
+          <p:spPr>
+            <a:xfrm>
+              <a:off x="4600097" y="861572"/>
+              <a:ext cx="4149650" cy="3288079"/>
+            </a:xfrm>
+            <a:custGeom>
+              <a:avLst/>
+              <a:gdLst/>
+              <a:ahLst/>
+              <a:cxnLst/>
+              <a:rect l="l" t="t" r="r" b="b"/>
+              <a:pathLst>
+                <a:path w="4149650" h="3288079">
+                  <a:moveTo>
+                    <a:pt x="0" y="0"/>
+                  </a:moveTo>
+                  <a:lnTo>
+                    <a:pt x="4149651" y="0"/>
+                  </a:lnTo>
+                  <a:lnTo>
+                    <a:pt x="4149651" y="3288078"/>
+                  </a:lnTo>
+                  <a:lnTo>
+                    <a:pt x="0" y="3288078"/>
+                  </a:lnTo>
+                  <a:lnTo>
+                    <a:pt x="0" y="0"/>
+                  </a:lnTo>
+                  <a:close/>
+                </a:path>
+              </a:pathLst>
+            </a:custGeom>
+            <a:blipFill>
+              <a:blip r:embed="rId2">
+                <a:extLst>
+                  <a:ext uri="{96DAC541-7B7A-43D3-8B79-37D633B846F1}">
+                    <asvg:svgBlip xmlns:asvg="http://schemas.microsoft.com/office/drawing/2016/SVG/main" r:embed="rId3"/>
+                  </a:ext>
+                </a:extLst>
+              </a:blip>
+              <a:stretch>
+                <a:fillRect b="-26202"/>
+              </a:stretch>
+            </a:blipFill>
+          </p:spPr>
+          <p:txBody>
+            <a:bodyPr/>
+            <a:lstStyle>
+              <a:defPPr>
+                <a:defRPr lang="en-US"/>
+              </a:defPPr>
+              <a:lvl1pPr marL="0" algn="l" defTabSz="609539" rtl="0" eaLnBrk="1" latinLnBrk="0" hangingPunct="1">
+                <a:defRPr sz="1200" kern="1200">
+                  <a:solidFill>
+                    <a:schemeClr val="tx1"/>
+                  </a:solidFill>
+                  <a:latin typeface="+mn-lt"/>
+                  <a:ea typeface="+mn-ea"/>
+                  <a:cs typeface="+mn-cs"/>
+                </a:defRPr>
+              </a:lvl1pPr>
+              <a:lvl2pPr marL="304770" algn="l" defTabSz="609539" rtl="0" eaLnBrk="1" latinLnBrk="0" hangingPunct="1">
+                <a:defRPr sz="1200" kern="1200">
+                  <a:solidFill>
+                    <a:schemeClr val="tx1"/>
+                  </a:solidFill>
+                  <a:latin typeface="+mn-lt"/>
+                  <a:ea typeface="+mn-ea"/>
+                  <a:cs typeface="+mn-cs"/>
+                </a:defRPr>
+              </a:lvl2pPr>
+              <a:lvl3pPr marL="609539" algn="l" defTabSz="609539" rtl="0" eaLnBrk="1" latinLnBrk="0" hangingPunct="1">
+                <a:defRPr sz="1200" kern="1200">
+                  <a:solidFill>
+                    <a:schemeClr val="tx1"/>
+                  </a:solidFill>
+                  <a:latin typeface="+mn-lt"/>
+                  <a:ea typeface="+mn-ea"/>
+                  <a:cs typeface="+mn-cs"/>
+                </a:defRPr>
+              </a:lvl3pPr>
+              <a:lvl4pPr marL="914309" algn="l" defTabSz="609539" rtl="0" eaLnBrk="1" latinLnBrk="0" hangingPunct="1">
+                <a:defRPr sz="1200" kern="1200">
+                  <a:solidFill>
+                    <a:schemeClr val="tx1"/>
+                  </a:solidFill>
+                  <a:latin typeface="+mn-lt"/>
+                  <a:ea typeface="+mn-ea"/>
+                  <a:cs typeface="+mn-cs"/>
+                </a:defRPr>
+              </a:lvl4pPr>
+              <a:lvl5pPr marL="1219078" algn="l" defTabSz="609539" rtl="0" eaLnBrk="1" latinLnBrk="0" hangingPunct="1">
+                <a:defRPr sz="1200" kern="1200">
+                  <a:solidFill>
+                    <a:schemeClr val="tx1"/>
+                  </a:solidFill>
+                  <a:latin typeface="+mn-lt"/>
+                  <a:ea typeface="+mn-ea"/>
+                  <a:cs typeface="+mn-cs"/>
+                </a:defRPr>
+              </a:lvl5pPr>
+              <a:lvl6pPr marL="1523848" algn="l" defTabSz="609539" rtl="0" eaLnBrk="1" latinLnBrk="0" hangingPunct="1">
+                <a:defRPr sz="1200" kern="1200">
+                  <a:solidFill>
+                    <a:schemeClr val="tx1"/>
+                  </a:solidFill>
+                  <a:latin typeface="+mn-lt"/>
+                  <a:ea typeface="+mn-ea"/>
+                  <a:cs typeface="+mn-cs"/>
+                </a:defRPr>
+              </a:lvl6pPr>
+              <a:lvl7pPr marL="1828617" algn="l" defTabSz="609539" rtl="0" eaLnBrk="1" latinLnBrk="0" hangingPunct="1">
+                <a:defRPr sz="1200" kern="1200">
+                  <a:solidFill>
+                    <a:schemeClr val="tx1"/>
+                  </a:solidFill>
+                  <a:latin typeface="+mn-lt"/>
+                  <a:ea typeface="+mn-ea"/>
+                  <a:cs typeface="+mn-cs"/>
+                </a:defRPr>
+              </a:lvl7pPr>
+              <a:lvl8pPr marL="2133387" algn="l" defTabSz="609539" rtl="0" eaLnBrk="1" latinLnBrk="0" hangingPunct="1">
+                <a:defRPr sz="1200" kern="1200">
+                  <a:solidFill>
+                    <a:schemeClr val="tx1"/>
+                  </a:solidFill>
+                  <a:latin typeface="+mn-lt"/>
+                  <a:ea typeface="+mn-ea"/>
+                  <a:cs typeface="+mn-cs"/>
+                </a:defRPr>
+              </a:lvl8pPr>
+              <a:lvl9pPr marL="2438156" algn="l" defTabSz="609539" rtl="0" eaLnBrk="1" latinLnBrk="0" hangingPunct="1">
+                <a:defRPr sz="1200" kern="1200">
+                  <a:solidFill>
+                    <a:schemeClr val="tx1"/>
+                  </a:solidFill>
+                  <a:latin typeface="+mn-lt"/>
+                  <a:ea typeface="+mn-ea"/>
+                  <a:cs typeface="+mn-cs"/>
+                </a:defRPr>
+              </a:lvl9pPr>
+            </a:lstStyle>
+            <a:p>
+              <a:endParaRPr lang="ro-RO" sz="800"/>
+            </a:p>
+          </p:txBody>
+        </p:sp>
+        <p:sp>
+          <p:nvSpPr>
+            <p:cNvPr id="9" name="Freeform 9">
+              <a:extLst>
+                <a:ext uri="{FF2B5EF4-FFF2-40B4-BE49-F238E27FC236}">
+                  <a16:creationId xmlns:a16="http://schemas.microsoft.com/office/drawing/2014/main" id="{428E3538-8480-AB43-28C5-DBE6B3DA549D}"/>
+                </a:ext>
+              </a:extLst>
+            </p:cNvPr>
+            <p:cNvSpPr/>
+            <p:nvPr/>
+          </p:nvSpPr>
+          <p:spPr>
+            <a:xfrm>
+              <a:off x="9194248" y="202855"/>
+              <a:ext cx="4149650" cy="4149650"/>
+            </a:xfrm>
+            <a:custGeom>
+              <a:avLst/>
+              <a:gdLst/>
+              <a:ahLst/>
+              <a:cxnLst/>
+              <a:rect l="l" t="t" r="r" b="b"/>
+              <a:pathLst>
+                <a:path w="4149650" h="4149650">
+                  <a:moveTo>
+                    <a:pt x="0" y="0"/>
+                  </a:moveTo>
+                  <a:lnTo>
+                    <a:pt x="4149650" y="0"/>
+                  </a:lnTo>
+                  <a:lnTo>
+                    <a:pt x="4149650" y="4149651"/>
+                  </a:lnTo>
+                  <a:lnTo>
+                    <a:pt x="0" y="4149651"/>
+                  </a:lnTo>
+                  <a:lnTo>
+                    <a:pt x="0" y="0"/>
+                  </a:lnTo>
+                  <a:close/>
+                </a:path>
+              </a:pathLst>
+            </a:custGeom>
+            <a:blipFill>
+              <a:blip r:embed="rId2">
+                <a:extLst>
+                  <a:ext uri="{96DAC541-7B7A-43D3-8B79-37D633B846F1}">
+                    <asvg:svgBlip xmlns:asvg="http://schemas.microsoft.com/office/drawing/2016/SVG/main" r:embed="rId3"/>
+                  </a:ext>
+                </a:extLst>
+              </a:blip>
+              <a:stretch>
+                <a:fillRect/>
+              </a:stretch>
+            </a:blipFill>
+          </p:spPr>
+          <p:txBody>
+            <a:bodyPr/>
+            <a:lstStyle>
+              <a:defPPr>
+                <a:defRPr lang="en-US"/>
+              </a:defPPr>
+              <a:lvl1pPr marL="0" algn="l" defTabSz="609539" rtl="0" eaLnBrk="1" latinLnBrk="0" hangingPunct="1">
+                <a:defRPr sz="1200" kern="1200">
+                  <a:solidFill>
+                    <a:schemeClr val="tx1"/>
+                  </a:solidFill>
+                  <a:latin typeface="+mn-lt"/>
+                  <a:ea typeface="+mn-ea"/>
+                  <a:cs typeface="+mn-cs"/>
+                </a:defRPr>
+              </a:lvl1pPr>
+              <a:lvl2pPr marL="304770" algn="l" defTabSz="609539" rtl="0" eaLnBrk="1" latinLnBrk="0" hangingPunct="1">
+                <a:defRPr sz="1200" kern="1200">
+                  <a:solidFill>
+                    <a:schemeClr val="tx1"/>
+                  </a:solidFill>
+                  <a:latin typeface="+mn-lt"/>
+                  <a:ea typeface="+mn-ea"/>
+                  <a:cs typeface="+mn-cs"/>
+                </a:defRPr>
+              </a:lvl2pPr>
+              <a:lvl3pPr marL="609539" algn="l" defTabSz="609539" rtl="0" eaLnBrk="1" latinLnBrk="0" hangingPunct="1">
+                <a:defRPr sz="1200" kern="1200">
+                  <a:solidFill>
+                    <a:schemeClr val="tx1"/>
+                  </a:solidFill>
+                  <a:latin typeface="+mn-lt"/>
+                  <a:ea typeface="+mn-ea"/>
+                  <a:cs typeface="+mn-cs"/>
+                </a:defRPr>
+              </a:lvl3pPr>
+              <a:lvl4pPr marL="914309" algn="l" defTabSz="609539" rtl="0" eaLnBrk="1" latinLnBrk="0" hangingPunct="1">
+                <a:defRPr sz="1200" kern="1200">
+                  <a:solidFill>
+                    <a:schemeClr val="tx1"/>
+                  </a:solidFill>
+                  <a:latin typeface="+mn-lt"/>
+                  <a:ea typeface="+mn-ea"/>
+                  <a:cs typeface="+mn-cs"/>
+                </a:defRPr>
+              </a:lvl4pPr>
+              <a:lvl5pPr marL="1219078" algn="l" defTabSz="609539" rtl="0" eaLnBrk="1" latinLnBrk="0" hangingPunct="1">
+                <a:defRPr sz="1200" kern="1200">
+                  <a:solidFill>
+                    <a:schemeClr val="tx1"/>
+                  </a:solidFill>
+                  <a:latin typeface="+mn-lt"/>
+                  <a:ea typeface="+mn-ea"/>
+                  <a:cs typeface="+mn-cs"/>
+                </a:defRPr>
+              </a:lvl5pPr>
+              <a:lvl6pPr marL="1523848" algn="l" defTabSz="609539" rtl="0" eaLnBrk="1" latinLnBrk="0" hangingPunct="1">
+                <a:defRPr sz="1200" kern="1200">
+                  <a:solidFill>
+                    <a:schemeClr val="tx1"/>
+                  </a:solidFill>
+                  <a:latin typeface="+mn-lt"/>
+                  <a:ea typeface="+mn-ea"/>
+                  <a:cs typeface="+mn-cs"/>
+                </a:defRPr>
+              </a:lvl6pPr>
+              <a:lvl7pPr marL="1828617" algn="l" defTabSz="609539" rtl="0" eaLnBrk="1" latinLnBrk="0" hangingPunct="1">
+                <a:defRPr sz="1200" kern="1200">
+                  <a:solidFill>
+                    <a:schemeClr val="tx1"/>
+                  </a:solidFill>
+                  <a:latin typeface="+mn-lt"/>
+                  <a:ea typeface="+mn-ea"/>
+                  <a:cs typeface="+mn-cs"/>
+                </a:defRPr>
+              </a:lvl7pPr>
+              <a:lvl8pPr marL="2133387" algn="l" defTabSz="609539" rtl="0" eaLnBrk="1" latinLnBrk="0" hangingPunct="1">
+                <a:defRPr sz="1200" kern="1200">
+                  <a:solidFill>
+                    <a:schemeClr val="tx1"/>
+                  </a:solidFill>
+                  <a:latin typeface="+mn-lt"/>
+                  <a:ea typeface="+mn-ea"/>
+                  <a:cs typeface="+mn-cs"/>
+                </a:defRPr>
+              </a:lvl8pPr>
+              <a:lvl9pPr marL="2438156" algn="l" defTabSz="609539" rtl="0" eaLnBrk="1" latinLnBrk="0" hangingPunct="1">
+                <a:defRPr sz="1200" kern="1200">
+                  <a:solidFill>
+                    <a:schemeClr val="tx1"/>
+                  </a:solidFill>
+                  <a:latin typeface="+mn-lt"/>
+                  <a:ea typeface="+mn-ea"/>
+                  <a:cs typeface="+mn-cs"/>
+                </a:defRPr>
+              </a:lvl9pPr>
+            </a:lstStyle>
+            <a:p>
+              <a:endParaRPr lang="ro-RO" sz="800"/>
+            </a:p>
+          </p:txBody>
+        </p:sp>
+        <p:sp>
+          <p:nvSpPr>
+            <p:cNvPr id="10" name="Freeform 10">
+              <a:extLst>
+                <a:ext uri="{FF2B5EF4-FFF2-40B4-BE49-F238E27FC236}">
+                  <a16:creationId xmlns:a16="http://schemas.microsoft.com/office/drawing/2014/main" id="{46E9B7FA-6029-0620-2DA3-A01721866D7D}"/>
+                </a:ext>
+              </a:extLst>
+            </p:cNvPr>
+            <p:cNvSpPr/>
+            <p:nvPr/>
+          </p:nvSpPr>
+          <p:spPr>
+            <a:xfrm>
+              <a:off x="13794345" y="1064427"/>
+              <a:ext cx="4149650" cy="3288079"/>
+            </a:xfrm>
+            <a:custGeom>
+              <a:avLst/>
+              <a:gdLst/>
+              <a:ahLst/>
+              <a:cxnLst/>
+              <a:rect l="l" t="t" r="r" b="b"/>
+              <a:pathLst>
+                <a:path w="4149650" h="3288079">
+                  <a:moveTo>
+                    <a:pt x="0" y="0"/>
+                  </a:moveTo>
+                  <a:lnTo>
+                    <a:pt x="4149650" y="0"/>
+                  </a:lnTo>
+                  <a:lnTo>
+                    <a:pt x="4149650" y="3288079"/>
+                  </a:lnTo>
+                  <a:lnTo>
+                    <a:pt x="0" y="3288079"/>
+                  </a:lnTo>
+                  <a:lnTo>
+                    <a:pt x="0" y="0"/>
+                  </a:lnTo>
+                  <a:close/>
+                </a:path>
+              </a:pathLst>
+            </a:custGeom>
+            <a:blipFill>
+              <a:blip r:embed="rId2">
+                <a:extLst>
+                  <a:ext uri="{96DAC541-7B7A-43D3-8B79-37D633B846F1}">
+                    <asvg:svgBlip xmlns:asvg="http://schemas.microsoft.com/office/drawing/2016/SVG/main" r:embed="rId3"/>
+                  </a:ext>
+                </a:extLst>
+              </a:blip>
+              <a:stretch>
+                <a:fillRect b="-26202"/>
+              </a:stretch>
+            </a:blipFill>
+          </p:spPr>
+          <p:txBody>
+            <a:bodyPr/>
+            <a:lstStyle>
+              <a:defPPr>
+                <a:defRPr lang="en-US"/>
+              </a:defPPr>
+              <a:lvl1pPr marL="0" algn="l" defTabSz="609539" rtl="0" eaLnBrk="1" latinLnBrk="0" hangingPunct="1">
+                <a:defRPr sz="1200" kern="1200">
+                  <a:solidFill>
+                    <a:schemeClr val="tx1"/>
+                  </a:solidFill>
+                  <a:latin typeface="+mn-lt"/>
+                  <a:ea typeface="+mn-ea"/>
+                  <a:cs typeface="+mn-cs"/>
+                </a:defRPr>
+              </a:lvl1pPr>
+              <a:lvl2pPr marL="304770" algn="l" defTabSz="609539" rtl="0" eaLnBrk="1" latinLnBrk="0" hangingPunct="1">
+                <a:defRPr sz="1200" kern="1200">
+                  <a:solidFill>
+                    <a:schemeClr val="tx1"/>
+                  </a:solidFill>
+                  <a:latin typeface="+mn-lt"/>
+                  <a:ea typeface="+mn-ea"/>
+                  <a:cs typeface="+mn-cs"/>
+                </a:defRPr>
+              </a:lvl2pPr>
+              <a:lvl3pPr marL="609539" algn="l" defTabSz="609539" rtl="0" eaLnBrk="1" latinLnBrk="0" hangingPunct="1">
+                <a:defRPr sz="1200" kern="1200">
+                  <a:solidFill>
+                    <a:schemeClr val="tx1"/>
+                  </a:solidFill>
+                  <a:latin typeface="+mn-lt"/>
+                  <a:ea typeface="+mn-ea"/>
+                  <a:cs typeface="+mn-cs"/>
+                </a:defRPr>
+              </a:lvl3pPr>
+              <a:lvl4pPr marL="914309" algn="l" defTabSz="609539" rtl="0" eaLnBrk="1" latinLnBrk="0" hangingPunct="1">
+                <a:defRPr sz="1200" kern="1200">
+                  <a:solidFill>
+                    <a:schemeClr val="tx1"/>
+                  </a:solidFill>
+                  <a:latin typeface="+mn-lt"/>
+                  <a:ea typeface="+mn-ea"/>
+                  <a:cs typeface="+mn-cs"/>
+                </a:defRPr>
+              </a:lvl4pPr>
+              <a:lvl5pPr marL="1219078" algn="l" defTabSz="609539" rtl="0" eaLnBrk="1" latinLnBrk="0" hangingPunct="1">
+                <a:defRPr sz="1200" kern="1200">
+                  <a:solidFill>
+                    <a:schemeClr val="tx1"/>
+                  </a:solidFill>
+                  <a:latin typeface="+mn-lt"/>
+                  <a:ea typeface="+mn-ea"/>
+                  <a:cs typeface="+mn-cs"/>
+                </a:defRPr>
+              </a:lvl5pPr>
+              <a:lvl6pPr marL="1523848" algn="l" defTabSz="609539" rtl="0" eaLnBrk="1" latinLnBrk="0" hangingPunct="1">
+                <a:defRPr sz="1200" kern="1200">
+                  <a:solidFill>
+                    <a:schemeClr val="tx1"/>
+                  </a:solidFill>
+                  <a:latin typeface="+mn-lt"/>
+                  <a:ea typeface="+mn-ea"/>
+                  <a:cs typeface="+mn-cs"/>
+                </a:defRPr>
+              </a:lvl6pPr>
+              <a:lvl7pPr marL="1828617" algn="l" defTabSz="609539" rtl="0" eaLnBrk="1" latinLnBrk="0" hangingPunct="1">
+                <a:defRPr sz="1200" kern="1200">
+                  <a:solidFill>
+                    <a:schemeClr val="tx1"/>
+                  </a:solidFill>
+                  <a:latin typeface="+mn-lt"/>
+                  <a:ea typeface="+mn-ea"/>
+                  <a:cs typeface="+mn-cs"/>
+                </a:defRPr>
+              </a:lvl7pPr>
+              <a:lvl8pPr marL="2133387" algn="l" defTabSz="609539" rtl="0" eaLnBrk="1" latinLnBrk="0" hangingPunct="1">
+                <a:defRPr sz="1200" kern="1200">
+                  <a:solidFill>
+                    <a:schemeClr val="tx1"/>
+                  </a:solidFill>
+                  <a:latin typeface="+mn-lt"/>
+                  <a:ea typeface="+mn-ea"/>
+                  <a:cs typeface="+mn-cs"/>
+                </a:defRPr>
+              </a:lvl8pPr>
+              <a:lvl9pPr marL="2438156" algn="l" defTabSz="609539" rtl="0" eaLnBrk="1" latinLnBrk="0" hangingPunct="1">
+                <a:defRPr sz="1200" kern="1200">
+                  <a:solidFill>
+                    <a:schemeClr val="tx1"/>
+                  </a:solidFill>
+                  <a:latin typeface="+mn-lt"/>
+                  <a:ea typeface="+mn-ea"/>
+                  <a:cs typeface="+mn-cs"/>
+                </a:defRPr>
+              </a:lvl9pPr>
+            </a:lstStyle>
+            <a:p>
+              <a:endParaRPr lang="ro-RO" sz="800"/>
+            </a:p>
+          </p:txBody>
+        </p:sp>
+      </p:grpSp>
+      <p:sp>
+        <p:nvSpPr>
+          <p:cNvPr id="11" name="Freeform 11">
+            <a:extLst>
+              <a:ext uri="{FF2B5EF4-FFF2-40B4-BE49-F238E27FC236}">
+                <a16:creationId xmlns:a16="http://schemas.microsoft.com/office/drawing/2014/main" id="{1705088E-EFB7-B6EF-940E-CC0512F6D927}"/>
+              </a:ext>
+            </a:extLst>
+          </p:cNvPr>
+          <p:cNvSpPr/>
+          <p:nvPr/>
+        </p:nvSpPr>
+        <p:spPr>
+          <a:xfrm rot="6150721">
+            <a:off x="4053955" y="3053030"/>
+            <a:ext cx="9029868" cy="751941"/>
+          </a:xfrm>
+          <a:custGeom>
+            <a:avLst/>
+            <a:gdLst/>
+            <a:ahLst/>
+            <a:cxnLst/>
+            <a:rect l="l" t="t" r="r" b="b"/>
+            <a:pathLst>
+              <a:path w="13544802" h="1127911">
+                <a:moveTo>
+                  <a:pt x="0" y="0"/>
+                </a:moveTo>
+                <a:lnTo>
+                  <a:pt x="13544801" y="0"/>
+                </a:lnTo>
+                <a:lnTo>
+                  <a:pt x="13544801" y="1127912"/>
+                </a:lnTo>
+                <a:lnTo>
+                  <a:pt x="0" y="1127912"/>
+                </a:lnTo>
+                <a:lnTo>
+                  <a:pt x="0" y="0"/>
+                </a:lnTo>
+                <a:close/>
+              </a:path>
+            </a:pathLst>
+          </a:custGeom>
+          <a:blipFill>
+            <a:blip r:embed="rId4"/>
+            <a:stretch>
+              <a:fillRect t="-137172"/>
+            </a:stretch>
+          </a:blipFill>
+        </p:spPr>
+        <p:txBody>
+          <a:bodyPr/>
+          <a:lstStyle>
+            <a:defPPr>
+              <a:defRPr lang="en-US"/>
+            </a:defPPr>
+            <a:lvl1pPr marL="0" algn="l" defTabSz="609539" rtl="0" eaLnBrk="1" latinLnBrk="0" hangingPunct="1">
+              <a:defRPr sz="1200" kern="1200">
+                <a:solidFill>
+                  <a:schemeClr val="tx1"/>
+                </a:solidFill>
+                <a:latin typeface="+mn-lt"/>
+                <a:ea typeface="+mn-ea"/>
+                <a:cs typeface="+mn-cs"/>
+              </a:defRPr>
+            </a:lvl1pPr>
+            <a:lvl2pPr marL="304770" algn="l" defTabSz="609539" rtl="0" eaLnBrk="1" latinLnBrk="0" hangingPunct="1">
+              <a:defRPr sz="1200" kern="1200">
+                <a:solidFill>
+                  <a:schemeClr val="tx1"/>
+                </a:solidFill>
+                <a:latin typeface="+mn-lt"/>
+                <a:ea typeface="+mn-ea"/>
+                <a:cs typeface="+mn-cs"/>
+              </a:defRPr>
+            </a:lvl2pPr>
+            <a:lvl3pPr marL="609539" algn="l" defTabSz="609539" rtl="0" eaLnBrk="1" latinLnBrk="0" hangingPunct="1">
+              <a:defRPr sz="1200" kern="1200">
+                <a:solidFill>
+                  <a:schemeClr val="tx1"/>
+                </a:solidFill>
+                <a:latin typeface="+mn-lt"/>
+                <a:ea typeface="+mn-ea"/>
+                <a:cs typeface="+mn-cs"/>
+              </a:defRPr>
+            </a:lvl3pPr>
+            <a:lvl4pPr marL="914309" algn="l" defTabSz="609539" rtl="0" eaLnBrk="1" latinLnBrk="0" hangingPunct="1">
+              <a:defRPr sz="1200" kern="1200">
+                <a:solidFill>
+                  <a:schemeClr val="tx1"/>
+                </a:solidFill>
+                <a:latin typeface="+mn-lt"/>
+                <a:ea typeface="+mn-ea"/>
+                <a:cs typeface="+mn-cs"/>
+              </a:defRPr>
+            </a:lvl4pPr>
+            <a:lvl5pPr marL="1219078" algn="l" defTabSz="609539" rtl="0" eaLnBrk="1" latinLnBrk="0" hangingPunct="1">
+              <a:defRPr sz="1200" kern="1200">
+                <a:solidFill>
+                  <a:schemeClr val="tx1"/>
+                </a:solidFill>
+                <a:latin typeface="+mn-lt"/>
+                <a:ea typeface="+mn-ea"/>
+                <a:cs typeface="+mn-cs"/>
+              </a:defRPr>
+            </a:lvl5pPr>
+            <a:lvl6pPr marL="1523848" algn="l" defTabSz="609539" rtl="0" eaLnBrk="1" latinLnBrk="0" hangingPunct="1">
+              <a:defRPr sz="1200" kern="1200">
+                <a:solidFill>
+                  <a:schemeClr val="tx1"/>
+                </a:solidFill>
+                <a:latin typeface="+mn-lt"/>
+                <a:ea typeface="+mn-ea"/>
+                <a:cs typeface="+mn-cs"/>
+              </a:defRPr>
+            </a:lvl6pPr>
+            <a:lvl7pPr marL="1828617" algn="l" defTabSz="609539" rtl="0" eaLnBrk="1" latinLnBrk="0" hangingPunct="1">
+              <a:defRPr sz="1200" kern="1200">
+                <a:solidFill>
+                  <a:schemeClr val="tx1"/>
+                </a:solidFill>
+                <a:latin typeface="+mn-lt"/>
+                <a:ea typeface="+mn-ea"/>
+                <a:cs typeface="+mn-cs"/>
+              </a:defRPr>
+            </a:lvl7pPr>
+            <a:lvl8pPr marL="2133387" algn="l" defTabSz="609539" rtl="0" eaLnBrk="1" latinLnBrk="0" hangingPunct="1">
+              <a:defRPr sz="1200" kern="1200">
+                <a:solidFill>
+                  <a:schemeClr val="tx1"/>
+                </a:solidFill>
+                <a:latin typeface="+mn-lt"/>
+                <a:ea typeface="+mn-ea"/>
+                <a:cs typeface="+mn-cs"/>
+              </a:defRPr>
+            </a:lvl8pPr>
+            <a:lvl9pPr marL="2438156" algn="l" defTabSz="609539" rtl="0" eaLnBrk="1" latinLnBrk="0" hangingPunct="1">
+              <a:defRPr sz="1200" kern="1200">
+                <a:solidFill>
+                  <a:schemeClr val="tx1"/>
+                </a:solidFill>
+                <a:latin typeface="+mn-lt"/>
+                <a:ea typeface="+mn-ea"/>
+                <a:cs typeface="+mn-cs"/>
+              </a:defRPr>
+            </a:lvl9pPr>
+          </a:lstStyle>
+          <a:p>
+            <a:endParaRPr lang="ro-RO" sz="800"/>
+          </a:p>
+        </p:txBody>
+      </p:sp>
+      <p:sp>
+        <p:nvSpPr>
+          <p:cNvPr id="14" name="Freeform 14">
+            <a:extLst>
+              <a:ext uri="{FF2B5EF4-FFF2-40B4-BE49-F238E27FC236}">
+                <a16:creationId xmlns:a16="http://schemas.microsoft.com/office/drawing/2014/main" id="{A65AB8BC-7C9F-96AF-5612-F5F997DE7876}"/>
+              </a:ext>
+            </a:extLst>
+          </p:cNvPr>
+          <p:cNvSpPr/>
+          <p:nvPr/>
+        </p:nvSpPr>
+        <p:spPr>
+          <a:xfrm rot="16984456">
+            <a:off x="7007207" y="3361082"/>
+            <a:ext cx="9029868" cy="751941"/>
+          </a:xfrm>
+          <a:custGeom>
+            <a:avLst/>
+            <a:gdLst/>
+            <a:ahLst/>
+            <a:cxnLst/>
+            <a:rect l="l" t="t" r="r" b="b"/>
+            <a:pathLst>
+              <a:path w="13544802" h="1127911">
+                <a:moveTo>
+                  <a:pt x="0" y="0"/>
+                </a:moveTo>
+                <a:lnTo>
+                  <a:pt x="13544801" y="0"/>
+                </a:lnTo>
+                <a:lnTo>
+                  <a:pt x="13544801" y="1127912"/>
+                </a:lnTo>
+                <a:lnTo>
+                  <a:pt x="0" y="1127912"/>
+                </a:lnTo>
+                <a:lnTo>
+                  <a:pt x="0" y="0"/>
+                </a:lnTo>
+                <a:close/>
+              </a:path>
+            </a:pathLst>
+          </a:custGeom>
+          <a:blipFill>
+            <a:blip r:embed="rId4"/>
+            <a:stretch>
+              <a:fillRect t="-137172"/>
+            </a:stretch>
+          </a:blipFill>
+        </p:spPr>
+        <p:txBody>
+          <a:bodyPr/>
+          <a:lstStyle>
+            <a:defPPr>
+              <a:defRPr lang="en-US"/>
+            </a:defPPr>
+            <a:lvl1pPr marL="0" algn="l" defTabSz="609539" rtl="0" eaLnBrk="1" latinLnBrk="0" hangingPunct="1">
+              <a:defRPr sz="1200" kern="1200">
+                <a:solidFill>
+                  <a:schemeClr val="tx1"/>
+                </a:solidFill>
+                <a:latin typeface="+mn-lt"/>
+                <a:ea typeface="+mn-ea"/>
+                <a:cs typeface="+mn-cs"/>
+              </a:defRPr>
+            </a:lvl1pPr>
+            <a:lvl2pPr marL="304770" algn="l" defTabSz="609539" rtl="0" eaLnBrk="1" latinLnBrk="0" hangingPunct="1">
+              <a:defRPr sz="1200" kern="1200">
+                <a:solidFill>
+                  <a:schemeClr val="tx1"/>
+                </a:solidFill>
+                <a:latin typeface="+mn-lt"/>
+                <a:ea typeface="+mn-ea"/>
+                <a:cs typeface="+mn-cs"/>
+              </a:defRPr>
+            </a:lvl2pPr>
+            <a:lvl3pPr marL="609539" algn="l" defTabSz="609539" rtl="0" eaLnBrk="1" latinLnBrk="0" hangingPunct="1">
+              <a:defRPr sz="1200" kern="1200">
+                <a:solidFill>
+                  <a:schemeClr val="tx1"/>
+                </a:solidFill>
+                <a:latin typeface="+mn-lt"/>
+                <a:ea typeface="+mn-ea"/>
+                <a:cs typeface="+mn-cs"/>
+              </a:defRPr>
+            </a:lvl3pPr>
+            <a:lvl4pPr marL="914309" algn="l" defTabSz="609539" rtl="0" eaLnBrk="1" latinLnBrk="0" hangingPunct="1">
+              <a:defRPr sz="1200" kern="1200">
+                <a:solidFill>
+                  <a:schemeClr val="tx1"/>
+                </a:solidFill>
+                <a:latin typeface="+mn-lt"/>
+                <a:ea typeface="+mn-ea"/>
+                <a:cs typeface="+mn-cs"/>
+              </a:defRPr>
+            </a:lvl4pPr>
+            <a:lvl5pPr marL="1219078" algn="l" defTabSz="609539" rtl="0" eaLnBrk="1" latinLnBrk="0" hangingPunct="1">
+              <a:defRPr sz="1200" kern="1200">
+                <a:solidFill>
+                  <a:schemeClr val="tx1"/>
+                </a:solidFill>
+                <a:latin typeface="+mn-lt"/>
+                <a:ea typeface="+mn-ea"/>
+                <a:cs typeface="+mn-cs"/>
+              </a:defRPr>
+            </a:lvl5pPr>
+            <a:lvl6pPr marL="1523848" algn="l" defTabSz="609539" rtl="0" eaLnBrk="1" latinLnBrk="0" hangingPunct="1">
+              <a:defRPr sz="1200" kern="1200">
+                <a:solidFill>
+                  <a:schemeClr val="tx1"/>
+                </a:solidFill>
+                <a:latin typeface="+mn-lt"/>
+                <a:ea typeface="+mn-ea"/>
+                <a:cs typeface="+mn-cs"/>
+              </a:defRPr>
+            </a:lvl6pPr>
+            <a:lvl7pPr marL="1828617" algn="l" defTabSz="609539" rtl="0" eaLnBrk="1" latinLnBrk="0" hangingPunct="1">
+              <a:defRPr sz="1200" kern="1200">
+                <a:solidFill>
+                  <a:schemeClr val="tx1"/>
+                </a:solidFill>
+                <a:latin typeface="+mn-lt"/>
+                <a:ea typeface="+mn-ea"/>
+                <a:cs typeface="+mn-cs"/>
+              </a:defRPr>
+            </a:lvl7pPr>
+            <a:lvl8pPr marL="2133387" algn="l" defTabSz="609539" rtl="0" eaLnBrk="1" latinLnBrk="0" hangingPunct="1">
+              <a:defRPr sz="1200" kern="1200">
+                <a:solidFill>
+                  <a:schemeClr val="tx1"/>
+                </a:solidFill>
+                <a:latin typeface="+mn-lt"/>
+                <a:ea typeface="+mn-ea"/>
+                <a:cs typeface="+mn-cs"/>
+              </a:defRPr>
+            </a:lvl8pPr>
+            <a:lvl9pPr marL="2438156" algn="l" defTabSz="609539" rtl="0" eaLnBrk="1" latinLnBrk="0" hangingPunct="1">
+              <a:defRPr sz="1200" kern="1200">
+                <a:solidFill>
+                  <a:schemeClr val="tx1"/>
+                </a:solidFill>
+                <a:latin typeface="+mn-lt"/>
+                <a:ea typeface="+mn-ea"/>
+                <a:cs typeface="+mn-cs"/>
+              </a:defRPr>
+            </a:lvl9pPr>
+          </a:lstStyle>
+          <a:p>
+            <a:endParaRPr lang="ro-RO" sz="800"/>
+          </a:p>
+        </p:txBody>
+      </p:sp>
+      <p:grpSp>
+        <p:nvGrpSpPr>
+          <p:cNvPr id="15" name="Group 15">
+            <a:extLst>
+              <a:ext uri="{FF2B5EF4-FFF2-40B4-BE49-F238E27FC236}">
+                <a16:creationId xmlns:a16="http://schemas.microsoft.com/office/drawing/2014/main" id="{33D61FED-1DCF-3142-630A-6250A0DA2912}"/>
+              </a:ext>
+            </a:extLst>
+          </p:cNvPr>
+          <p:cNvGrpSpPr/>
+          <p:nvPr/>
+        </p:nvGrpSpPr>
+        <p:grpSpPr>
+          <a:xfrm rot="10800000">
+            <a:off x="10644262" y="6172199"/>
+            <a:ext cx="8971999" cy="2176254"/>
+            <a:chOff x="0" y="0"/>
+            <a:chExt cx="17943995" cy="4352506"/>
+          </a:xfrm>
+        </p:grpSpPr>
+        <p:sp>
+          <p:nvSpPr>
+            <p:cNvPr id="16" name="Freeform 16">
+              <a:extLst>
+                <a:ext uri="{FF2B5EF4-FFF2-40B4-BE49-F238E27FC236}">
+                  <a16:creationId xmlns:a16="http://schemas.microsoft.com/office/drawing/2014/main" id="{22ADB066-1AAF-0804-B956-A7C11A4B5E52}"/>
+                </a:ext>
+              </a:extLst>
+            </p:cNvPr>
+            <p:cNvSpPr/>
+            <p:nvPr/>
+          </p:nvSpPr>
+          <p:spPr>
+            <a:xfrm>
+              <a:off x="0" y="0"/>
+              <a:ext cx="4149650" cy="4149650"/>
+            </a:xfrm>
+            <a:custGeom>
+              <a:avLst/>
+              <a:gdLst/>
+              <a:ahLst/>
+              <a:cxnLst/>
+              <a:rect l="l" t="t" r="r" b="b"/>
+              <a:pathLst>
+                <a:path w="4149650" h="4149650">
+                  <a:moveTo>
+                    <a:pt x="0" y="0"/>
+                  </a:moveTo>
+                  <a:lnTo>
+                    <a:pt x="4149650" y="0"/>
+                  </a:lnTo>
+                  <a:lnTo>
+                    <a:pt x="4149650" y="4149650"/>
+                  </a:lnTo>
+                  <a:lnTo>
+                    <a:pt x="0" y="4149650"/>
+                  </a:lnTo>
+                  <a:lnTo>
+                    <a:pt x="0" y="0"/>
+                  </a:lnTo>
+                  <a:close/>
+                </a:path>
+              </a:pathLst>
+            </a:custGeom>
+            <a:blipFill>
+              <a:blip r:embed="rId2">
+                <a:extLst>
+                  <a:ext uri="{96DAC541-7B7A-43D3-8B79-37D633B846F1}">
+                    <asvg:svgBlip xmlns:asvg="http://schemas.microsoft.com/office/drawing/2016/SVG/main" r:embed="rId3"/>
+                  </a:ext>
+                </a:extLst>
+              </a:blip>
+              <a:stretch>
+                <a:fillRect/>
+              </a:stretch>
+            </a:blipFill>
+          </p:spPr>
+          <p:txBody>
+            <a:bodyPr/>
+            <a:lstStyle>
+              <a:defPPr>
+                <a:defRPr lang="en-US"/>
+              </a:defPPr>
+              <a:lvl1pPr marL="0" algn="l" defTabSz="609539" rtl="0" eaLnBrk="1" latinLnBrk="0" hangingPunct="1">
+                <a:defRPr sz="1200" kern="1200">
+                  <a:solidFill>
+                    <a:schemeClr val="tx1"/>
+                  </a:solidFill>
+                  <a:latin typeface="+mn-lt"/>
+                  <a:ea typeface="+mn-ea"/>
+                  <a:cs typeface="+mn-cs"/>
+                </a:defRPr>
+              </a:lvl1pPr>
+              <a:lvl2pPr marL="304770" algn="l" defTabSz="609539" rtl="0" eaLnBrk="1" latinLnBrk="0" hangingPunct="1">
+                <a:defRPr sz="1200" kern="1200">
+                  <a:solidFill>
+                    <a:schemeClr val="tx1"/>
+                  </a:solidFill>
+                  <a:latin typeface="+mn-lt"/>
+                  <a:ea typeface="+mn-ea"/>
+                  <a:cs typeface="+mn-cs"/>
+                </a:defRPr>
+              </a:lvl2pPr>
+              <a:lvl3pPr marL="609539" algn="l" defTabSz="609539" rtl="0" eaLnBrk="1" latinLnBrk="0" hangingPunct="1">
+                <a:defRPr sz="1200" kern="1200">
+                  <a:solidFill>
+                    <a:schemeClr val="tx1"/>
+                  </a:solidFill>
+                  <a:latin typeface="+mn-lt"/>
+                  <a:ea typeface="+mn-ea"/>
+                  <a:cs typeface="+mn-cs"/>
+                </a:defRPr>
+              </a:lvl3pPr>
+              <a:lvl4pPr marL="914309" algn="l" defTabSz="609539" rtl="0" eaLnBrk="1" latinLnBrk="0" hangingPunct="1">
+                <a:defRPr sz="1200" kern="1200">
+                  <a:solidFill>
+                    <a:schemeClr val="tx1"/>
+                  </a:solidFill>
+                  <a:latin typeface="+mn-lt"/>
+                  <a:ea typeface="+mn-ea"/>
+                  <a:cs typeface="+mn-cs"/>
+                </a:defRPr>
+              </a:lvl4pPr>
+              <a:lvl5pPr marL="1219078" algn="l" defTabSz="609539" rtl="0" eaLnBrk="1" latinLnBrk="0" hangingPunct="1">
+                <a:defRPr sz="1200" kern="1200">
+                  <a:solidFill>
+                    <a:schemeClr val="tx1"/>
+                  </a:solidFill>
+                  <a:latin typeface="+mn-lt"/>
+                  <a:ea typeface="+mn-ea"/>
+                  <a:cs typeface="+mn-cs"/>
+                </a:defRPr>
+              </a:lvl5pPr>
+              <a:lvl6pPr marL="1523848" algn="l" defTabSz="609539" rtl="0" eaLnBrk="1" latinLnBrk="0" hangingPunct="1">
+                <a:defRPr sz="1200" kern="1200">
+                  <a:solidFill>
+                    <a:schemeClr val="tx1"/>
+                  </a:solidFill>
+                  <a:latin typeface="+mn-lt"/>
+                  <a:ea typeface="+mn-ea"/>
+                  <a:cs typeface="+mn-cs"/>
+                </a:defRPr>
+              </a:lvl6pPr>
+              <a:lvl7pPr marL="1828617" algn="l" defTabSz="609539" rtl="0" eaLnBrk="1" latinLnBrk="0" hangingPunct="1">
+                <a:defRPr sz="1200" kern="1200">
+                  <a:solidFill>
+                    <a:schemeClr val="tx1"/>
+                  </a:solidFill>
+                  <a:latin typeface="+mn-lt"/>
+                  <a:ea typeface="+mn-ea"/>
+                  <a:cs typeface="+mn-cs"/>
+                </a:defRPr>
+              </a:lvl7pPr>
+              <a:lvl8pPr marL="2133387" algn="l" defTabSz="609539" rtl="0" eaLnBrk="1" latinLnBrk="0" hangingPunct="1">
+                <a:defRPr sz="1200" kern="1200">
+                  <a:solidFill>
+                    <a:schemeClr val="tx1"/>
+                  </a:solidFill>
+                  <a:latin typeface="+mn-lt"/>
+                  <a:ea typeface="+mn-ea"/>
+                  <a:cs typeface="+mn-cs"/>
+                </a:defRPr>
+              </a:lvl8pPr>
+              <a:lvl9pPr marL="2438156" algn="l" defTabSz="609539" rtl="0" eaLnBrk="1" latinLnBrk="0" hangingPunct="1">
+                <a:defRPr sz="1200" kern="1200">
+                  <a:solidFill>
+                    <a:schemeClr val="tx1"/>
+                  </a:solidFill>
+                  <a:latin typeface="+mn-lt"/>
+                  <a:ea typeface="+mn-ea"/>
+                  <a:cs typeface="+mn-cs"/>
+                </a:defRPr>
+              </a:lvl9pPr>
+            </a:lstStyle>
+            <a:p>
+              <a:endParaRPr lang="ro-RO" sz="800"/>
+            </a:p>
+          </p:txBody>
+        </p:sp>
+        <p:sp>
+          <p:nvSpPr>
+            <p:cNvPr id="17" name="Freeform 17">
+              <a:extLst>
+                <a:ext uri="{FF2B5EF4-FFF2-40B4-BE49-F238E27FC236}">
+                  <a16:creationId xmlns:a16="http://schemas.microsoft.com/office/drawing/2014/main" id="{88C54C23-AFE3-26D7-01B6-C822A85E2BE7}"/>
+                </a:ext>
+              </a:extLst>
+            </p:cNvPr>
+            <p:cNvSpPr/>
+            <p:nvPr/>
+          </p:nvSpPr>
+          <p:spPr>
+            <a:xfrm>
+              <a:off x="4600097" y="861572"/>
+              <a:ext cx="4149650" cy="3288079"/>
+            </a:xfrm>
+            <a:custGeom>
+              <a:avLst/>
+              <a:gdLst/>
+              <a:ahLst/>
+              <a:cxnLst/>
+              <a:rect l="l" t="t" r="r" b="b"/>
+              <a:pathLst>
+                <a:path w="4149650" h="3288079">
+                  <a:moveTo>
+                    <a:pt x="0" y="0"/>
+                  </a:moveTo>
+                  <a:lnTo>
+                    <a:pt x="4149651" y="0"/>
+                  </a:lnTo>
+                  <a:lnTo>
+                    <a:pt x="4149651" y="3288078"/>
+                  </a:lnTo>
+                  <a:lnTo>
+                    <a:pt x="0" y="3288078"/>
+                  </a:lnTo>
+                  <a:lnTo>
+                    <a:pt x="0" y="0"/>
+                  </a:lnTo>
+                  <a:close/>
+                </a:path>
+              </a:pathLst>
+            </a:custGeom>
+            <a:blipFill>
+              <a:blip r:embed="rId2">
+                <a:extLst>
+                  <a:ext uri="{96DAC541-7B7A-43D3-8B79-37D633B846F1}">
+                    <asvg:svgBlip xmlns:asvg="http://schemas.microsoft.com/office/drawing/2016/SVG/main" r:embed="rId3"/>
+                  </a:ext>
+                </a:extLst>
+              </a:blip>
+              <a:stretch>
+                <a:fillRect b="-26202"/>
+              </a:stretch>
+            </a:blipFill>
+          </p:spPr>
+          <p:txBody>
+            <a:bodyPr/>
+            <a:lstStyle>
+              <a:defPPr>
+                <a:defRPr lang="en-US"/>
+              </a:defPPr>
+              <a:lvl1pPr marL="0" algn="l" defTabSz="609539" rtl="0" eaLnBrk="1" latinLnBrk="0" hangingPunct="1">
+                <a:defRPr sz="1200" kern="1200">
+                  <a:solidFill>
+                    <a:schemeClr val="tx1"/>
+                  </a:solidFill>
+                  <a:latin typeface="+mn-lt"/>
+                  <a:ea typeface="+mn-ea"/>
+                  <a:cs typeface="+mn-cs"/>
+                </a:defRPr>
+              </a:lvl1pPr>
+              <a:lvl2pPr marL="304770" algn="l" defTabSz="609539" rtl="0" eaLnBrk="1" latinLnBrk="0" hangingPunct="1">
+                <a:defRPr sz="1200" kern="1200">
+                  <a:solidFill>
+                    <a:schemeClr val="tx1"/>
+                  </a:solidFill>
+                  <a:latin typeface="+mn-lt"/>
+                  <a:ea typeface="+mn-ea"/>
+                  <a:cs typeface="+mn-cs"/>
+                </a:defRPr>
+              </a:lvl2pPr>
+              <a:lvl3pPr marL="609539" algn="l" defTabSz="609539" rtl="0" eaLnBrk="1" latinLnBrk="0" hangingPunct="1">
+                <a:defRPr sz="1200" kern="1200">
+                  <a:solidFill>
+                    <a:schemeClr val="tx1"/>
+                  </a:solidFill>
+                  <a:latin typeface="+mn-lt"/>
+                  <a:ea typeface="+mn-ea"/>
+                  <a:cs typeface="+mn-cs"/>
+                </a:defRPr>
+              </a:lvl3pPr>
+              <a:lvl4pPr marL="914309" algn="l" defTabSz="609539" rtl="0" eaLnBrk="1" latinLnBrk="0" hangingPunct="1">
+                <a:defRPr sz="1200" kern="1200">
+                  <a:solidFill>
+                    <a:schemeClr val="tx1"/>
+                  </a:solidFill>
+                  <a:latin typeface="+mn-lt"/>
+                  <a:ea typeface="+mn-ea"/>
+                  <a:cs typeface="+mn-cs"/>
+                </a:defRPr>
+              </a:lvl4pPr>
+              <a:lvl5pPr marL="1219078" algn="l" defTabSz="609539" rtl="0" eaLnBrk="1" latinLnBrk="0" hangingPunct="1">
+                <a:defRPr sz="1200" kern="1200">
+                  <a:solidFill>
+                    <a:schemeClr val="tx1"/>
+                  </a:solidFill>
+                  <a:latin typeface="+mn-lt"/>
+                  <a:ea typeface="+mn-ea"/>
+                  <a:cs typeface="+mn-cs"/>
+                </a:defRPr>
+              </a:lvl5pPr>
+              <a:lvl6pPr marL="1523848" algn="l" defTabSz="609539" rtl="0" eaLnBrk="1" latinLnBrk="0" hangingPunct="1">
+                <a:defRPr sz="1200" kern="1200">
+                  <a:solidFill>
+                    <a:schemeClr val="tx1"/>
+                  </a:solidFill>
+                  <a:latin typeface="+mn-lt"/>
+                  <a:ea typeface="+mn-ea"/>
+                  <a:cs typeface="+mn-cs"/>
+                </a:defRPr>
+              </a:lvl6pPr>
+              <a:lvl7pPr marL="1828617" algn="l" defTabSz="609539" rtl="0" eaLnBrk="1" latinLnBrk="0" hangingPunct="1">
+                <a:defRPr sz="1200" kern="1200">
+                  <a:solidFill>
+                    <a:schemeClr val="tx1"/>
+                  </a:solidFill>
+                  <a:latin typeface="+mn-lt"/>
+                  <a:ea typeface="+mn-ea"/>
+                  <a:cs typeface="+mn-cs"/>
+                </a:defRPr>
+              </a:lvl7pPr>
+              <a:lvl8pPr marL="2133387" algn="l" defTabSz="609539" rtl="0" eaLnBrk="1" latinLnBrk="0" hangingPunct="1">
+                <a:defRPr sz="1200" kern="1200">
+                  <a:solidFill>
+                    <a:schemeClr val="tx1"/>
+                  </a:solidFill>
+                  <a:latin typeface="+mn-lt"/>
+                  <a:ea typeface="+mn-ea"/>
+                  <a:cs typeface="+mn-cs"/>
+                </a:defRPr>
+              </a:lvl8pPr>
+              <a:lvl9pPr marL="2438156" algn="l" defTabSz="609539" rtl="0" eaLnBrk="1" latinLnBrk="0" hangingPunct="1">
+                <a:defRPr sz="1200" kern="1200">
+                  <a:solidFill>
+                    <a:schemeClr val="tx1"/>
+                  </a:solidFill>
+                  <a:latin typeface="+mn-lt"/>
+                  <a:ea typeface="+mn-ea"/>
+                  <a:cs typeface="+mn-cs"/>
+                </a:defRPr>
+              </a:lvl9pPr>
+            </a:lstStyle>
+            <a:p>
+              <a:endParaRPr lang="ro-RO" sz="800"/>
+            </a:p>
+          </p:txBody>
+        </p:sp>
+        <p:sp>
+          <p:nvSpPr>
+            <p:cNvPr id="18" name="Freeform 18">
+              <a:extLst>
+                <a:ext uri="{FF2B5EF4-FFF2-40B4-BE49-F238E27FC236}">
+                  <a16:creationId xmlns:a16="http://schemas.microsoft.com/office/drawing/2014/main" id="{3D8DB60B-DA3E-8ADC-06BA-6C6876D8CF13}"/>
+                </a:ext>
+              </a:extLst>
+            </p:cNvPr>
+            <p:cNvSpPr/>
+            <p:nvPr/>
+          </p:nvSpPr>
+          <p:spPr>
+            <a:xfrm>
+              <a:off x="9194248" y="202855"/>
+              <a:ext cx="4149650" cy="4149650"/>
+            </a:xfrm>
+            <a:custGeom>
+              <a:avLst/>
+              <a:gdLst/>
+              <a:ahLst/>
+              <a:cxnLst/>
+              <a:rect l="l" t="t" r="r" b="b"/>
+              <a:pathLst>
+                <a:path w="4149650" h="4149650">
+                  <a:moveTo>
+                    <a:pt x="0" y="0"/>
+                  </a:moveTo>
+                  <a:lnTo>
+                    <a:pt x="4149650" y="0"/>
+                  </a:lnTo>
+                  <a:lnTo>
+                    <a:pt x="4149650" y="4149651"/>
+                  </a:lnTo>
+                  <a:lnTo>
+                    <a:pt x="0" y="4149651"/>
+                  </a:lnTo>
+                  <a:lnTo>
+                    <a:pt x="0" y="0"/>
+                  </a:lnTo>
+                  <a:close/>
+                </a:path>
+              </a:pathLst>
+            </a:custGeom>
+            <a:blipFill>
+              <a:blip r:embed="rId2">
+                <a:extLst>
+                  <a:ext uri="{96DAC541-7B7A-43D3-8B79-37D633B846F1}">
+                    <asvg:svgBlip xmlns:asvg="http://schemas.microsoft.com/office/drawing/2016/SVG/main" r:embed="rId3"/>
+                  </a:ext>
+                </a:extLst>
+              </a:blip>
+              <a:stretch>
+                <a:fillRect/>
+              </a:stretch>
+            </a:blipFill>
+          </p:spPr>
+          <p:txBody>
+            <a:bodyPr/>
+            <a:lstStyle>
+              <a:defPPr>
+                <a:defRPr lang="en-US"/>
+              </a:defPPr>
+              <a:lvl1pPr marL="0" algn="l" defTabSz="609539" rtl="0" eaLnBrk="1" latinLnBrk="0" hangingPunct="1">
+                <a:defRPr sz="1200" kern="1200">
+                  <a:solidFill>
+                    <a:schemeClr val="tx1"/>
+                  </a:solidFill>
+                  <a:latin typeface="+mn-lt"/>
+                  <a:ea typeface="+mn-ea"/>
+                  <a:cs typeface="+mn-cs"/>
+                </a:defRPr>
+              </a:lvl1pPr>
+              <a:lvl2pPr marL="304770" algn="l" defTabSz="609539" rtl="0" eaLnBrk="1" latinLnBrk="0" hangingPunct="1">
+                <a:defRPr sz="1200" kern="1200">
+                  <a:solidFill>
+                    <a:schemeClr val="tx1"/>
+                  </a:solidFill>
+                  <a:latin typeface="+mn-lt"/>
+                  <a:ea typeface="+mn-ea"/>
+                  <a:cs typeface="+mn-cs"/>
+                </a:defRPr>
+              </a:lvl2pPr>
+              <a:lvl3pPr marL="609539" algn="l" defTabSz="609539" rtl="0" eaLnBrk="1" latinLnBrk="0" hangingPunct="1">
+                <a:defRPr sz="1200" kern="1200">
+                  <a:solidFill>
+                    <a:schemeClr val="tx1"/>
+                  </a:solidFill>
+                  <a:latin typeface="+mn-lt"/>
+                  <a:ea typeface="+mn-ea"/>
+                  <a:cs typeface="+mn-cs"/>
+                </a:defRPr>
+              </a:lvl3pPr>
+              <a:lvl4pPr marL="914309" algn="l" defTabSz="609539" rtl="0" eaLnBrk="1" latinLnBrk="0" hangingPunct="1">
+                <a:defRPr sz="1200" kern="1200">
+                  <a:solidFill>
+                    <a:schemeClr val="tx1"/>
+                  </a:solidFill>
+                  <a:latin typeface="+mn-lt"/>
+                  <a:ea typeface="+mn-ea"/>
+                  <a:cs typeface="+mn-cs"/>
+                </a:defRPr>
+              </a:lvl4pPr>
+              <a:lvl5pPr marL="1219078" algn="l" defTabSz="609539" rtl="0" eaLnBrk="1" latinLnBrk="0" hangingPunct="1">
+                <a:defRPr sz="1200" kern="1200">
+                  <a:solidFill>
+                    <a:schemeClr val="tx1"/>
+                  </a:solidFill>
+                  <a:latin typeface="+mn-lt"/>
+                  <a:ea typeface="+mn-ea"/>
+                  <a:cs typeface="+mn-cs"/>
+                </a:defRPr>
+              </a:lvl5pPr>
+              <a:lvl6pPr marL="1523848" algn="l" defTabSz="609539" rtl="0" eaLnBrk="1" latinLnBrk="0" hangingPunct="1">
+                <a:defRPr sz="1200" kern="1200">
+                  <a:solidFill>
+                    <a:schemeClr val="tx1"/>
+                  </a:solidFill>
+                  <a:latin typeface="+mn-lt"/>
+                  <a:ea typeface="+mn-ea"/>
+                  <a:cs typeface="+mn-cs"/>
+                </a:defRPr>
+              </a:lvl6pPr>
+              <a:lvl7pPr marL="1828617" algn="l" defTabSz="609539" rtl="0" eaLnBrk="1" latinLnBrk="0" hangingPunct="1">
+                <a:defRPr sz="1200" kern="1200">
+                  <a:solidFill>
+                    <a:schemeClr val="tx1"/>
+                  </a:solidFill>
+                  <a:latin typeface="+mn-lt"/>
+                  <a:ea typeface="+mn-ea"/>
+                  <a:cs typeface="+mn-cs"/>
+                </a:defRPr>
+              </a:lvl7pPr>
+              <a:lvl8pPr marL="2133387" algn="l" defTabSz="609539" rtl="0" eaLnBrk="1" latinLnBrk="0" hangingPunct="1">
+                <a:defRPr sz="1200" kern="1200">
+                  <a:solidFill>
+                    <a:schemeClr val="tx1"/>
+                  </a:solidFill>
+                  <a:latin typeface="+mn-lt"/>
+                  <a:ea typeface="+mn-ea"/>
+                  <a:cs typeface="+mn-cs"/>
+                </a:defRPr>
+              </a:lvl8pPr>
+              <a:lvl9pPr marL="2438156" algn="l" defTabSz="609539" rtl="0" eaLnBrk="1" latinLnBrk="0" hangingPunct="1">
+                <a:defRPr sz="1200" kern="1200">
+                  <a:solidFill>
+                    <a:schemeClr val="tx1"/>
+                  </a:solidFill>
+                  <a:latin typeface="+mn-lt"/>
+                  <a:ea typeface="+mn-ea"/>
+                  <a:cs typeface="+mn-cs"/>
+                </a:defRPr>
+              </a:lvl9pPr>
+            </a:lstStyle>
+            <a:p>
+              <a:endParaRPr lang="ro-RO" sz="800"/>
+            </a:p>
+          </p:txBody>
+        </p:sp>
+        <p:sp>
+          <p:nvSpPr>
+            <p:cNvPr id="19" name="Freeform 19">
+              <a:extLst>
+                <a:ext uri="{FF2B5EF4-FFF2-40B4-BE49-F238E27FC236}">
+                  <a16:creationId xmlns:a16="http://schemas.microsoft.com/office/drawing/2014/main" id="{336148C4-646F-2E5D-DBA2-8248481EB6A7}"/>
+                </a:ext>
+              </a:extLst>
+            </p:cNvPr>
+            <p:cNvSpPr/>
+            <p:nvPr/>
+          </p:nvSpPr>
+          <p:spPr>
+            <a:xfrm>
+              <a:off x="13794345" y="1064427"/>
+              <a:ext cx="4149650" cy="3288079"/>
+            </a:xfrm>
+            <a:custGeom>
+              <a:avLst/>
+              <a:gdLst/>
+              <a:ahLst/>
+              <a:cxnLst/>
+              <a:rect l="l" t="t" r="r" b="b"/>
+              <a:pathLst>
+                <a:path w="4149650" h="3288079">
+                  <a:moveTo>
+                    <a:pt x="0" y="0"/>
+                  </a:moveTo>
+                  <a:lnTo>
+                    <a:pt x="4149650" y="0"/>
+                  </a:lnTo>
+                  <a:lnTo>
+                    <a:pt x="4149650" y="3288079"/>
+                  </a:lnTo>
+                  <a:lnTo>
+                    <a:pt x="0" y="3288079"/>
+                  </a:lnTo>
+                  <a:lnTo>
+                    <a:pt x="0" y="0"/>
+                  </a:lnTo>
+                  <a:close/>
+                </a:path>
+              </a:pathLst>
+            </a:custGeom>
+            <a:blipFill>
+              <a:blip r:embed="rId2">
+                <a:extLst>
+                  <a:ext uri="{96DAC541-7B7A-43D3-8B79-37D633B846F1}">
+                    <asvg:svgBlip xmlns:asvg="http://schemas.microsoft.com/office/drawing/2016/SVG/main" r:embed="rId3"/>
+                  </a:ext>
+                </a:extLst>
+              </a:blip>
+              <a:stretch>
+                <a:fillRect b="-26202"/>
+              </a:stretch>
+            </a:blipFill>
+          </p:spPr>
+          <p:txBody>
+            <a:bodyPr/>
+            <a:lstStyle>
+              <a:defPPr>
+                <a:defRPr lang="en-US"/>
+              </a:defPPr>
+              <a:lvl1pPr marL="0" algn="l" defTabSz="609539" rtl="0" eaLnBrk="1" latinLnBrk="0" hangingPunct="1">
+                <a:defRPr sz="1200" kern="1200">
+                  <a:solidFill>
+                    <a:schemeClr val="tx1"/>
+                  </a:solidFill>
+                  <a:latin typeface="+mn-lt"/>
+                  <a:ea typeface="+mn-ea"/>
+                  <a:cs typeface="+mn-cs"/>
+                </a:defRPr>
+              </a:lvl1pPr>
+              <a:lvl2pPr marL="304770" algn="l" defTabSz="609539" rtl="0" eaLnBrk="1" latinLnBrk="0" hangingPunct="1">
+                <a:defRPr sz="1200" kern="1200">
+                  <a:solidFill>
+                    <a:schemeClr val="tx1"/>
+                  </a:solidFill>
+                  <a:latin typeface="+mn-lt"/>
+                  <a:ea typeface="+mn-ea"/>
+                  <a:cs typeface="+mn-cs"/>
+                </a:defRPr>
+              </a:lvl2pPr>
+              <a:lvl3pPr marL="609539" algn="l" defTabSz="609539" rtl="0" eaLnBrk="1" latinLnBrk="0" hangingPunct="1">
+                <a:defRPr sz="1200" kern="1200">
+                  <a:solidFill>
+                    <a:schemeClr val="tx1"/>
+                  </a:solidFill>
+                  <a:latin typeface="+mn-lt"/>
+                  <a:ea typeface="+mn-ea"/>
+                  <a:cs typeface="+mn-cs"/>
+                </a:defRPr>
+              </a:lvl3pPr>
+              <a:lvl4pPr marL="914309" algn="l" defTabSz="609539" rtl="0" eaLnBrk="1" latinLnBrk="0" hangingPunct="1">
+                <a:defRPr sz="1200" kern="1200">
+                  <a:solidFill>
+                    <a:schemeClr val="tx1"/>
+                  </a:solidFill>
+                  <a:latin typeface="+mn-lt"/>
+                  <a:ea typeface="+mn-ea"/>
+                  <a:cs typeface="+mn-cs"/>
+                </a:defRPr>
+              </a:lvl4pPr>
+              <a:lvl5pPr marL="1219078" algn="l" defTabSz="609539" rtl="0" eaLnBrk="1" latinLnBrk="0" hangingPunct="1">
+                <a:defRPr sz="1200" kern="1200">
+                  <a:solidFill>
+                    <a:schemeClr val="tx1"/>
+                  </a:solidFill>
+                  <a:latin typeface="+mn-lt"/>
+                  <a:ea typeface="+mn-ea"/>
+                  <a:cs typeface="+mn-cs"/>
+                </a:defRPr>
+              </a:lvl5pPr>
+              <a:lvl6pPr marL="1523848" algn="l" defTabSz="609539" rtl="0" eaLnBrk="1" latinLnBrk="0" hangingPunct="1">
+                <a:defRPr sz="1200" kern="1200">
+                  <a:solidFill>
+                    <a:schemeClr val="tx1"/>
+                  </a:solidFill>
+                  <a:latin typeface="+mn-lt"/>
+                  <a:ea typeface="+mn-ea"/>
+                  <a:cs typeface="+mn-cs"/>
+                </a:defRPr>
+              </a:lvl6pPr>
+              <a:lvl7pPr marL="1828617" algn="l" defTabSz="609539" rtl="0" eaLnBrk="1" latinLnBrk="0" hangingPunct="1">
+                <a:defRPr sz="1200" kern="1200">
+                  <a:solidFill>
+                    <a:schemeClr val="tx1"/>
+                  </a:solidFill>
+                  <a:latin typeface="+mn-lt"/>
+                  <a:ea typeface="+mn-ea"/>
+                  <a:cs typeface="+mn-cs"/>
+                </a:defRPr>
+              </a:lvl7pPr>
+              <a:lvl8pPr marL="2133387" algn="l" defTabSz="609539" rtl="0" eaLnBrk="1" latinLnBrk="0" hangingPunct="1">
+                <a:defRPr sz="1200" kern="1200">
+                  <a:solidFill>
+                    <a:schemeClr val="tx1"/>
+                  </a:solidFill>
+                  <a:latin typeface="+mn-lt"/>
+                  <a:ea typeface="+mn-ea"/>
+                  <a:cs typeface="+mn-cs"/>
+                </a:defRPr>
+              </a:lvl8pPr>
+              <a:lvl9pPr marL="2438156" algn="l" defTabSz="609539" rtl="0" eaLnBrk="1" latinLnBrk="0" hangingPunct="1">
+                <a:defRPr sz="1200" kern="1200">
+                  <a:solidFill>
+                    <a:schemeClr val="tx1"/>
+                  </a:solidFill>
+                  <a:latin typeface="+mn-lt"/>
+                  <a:ea typeface="+mn-ea"/>
+                  <a:cs typeface="+mn-cs"/>
+                </a:defRPr>
+              </a:lvl9pPr>
+            </a:lstStyle>
+            <a:p>
+              <a:endParaRPr lang="ro-RO" sz="800"/>
+            </a:p>
+          </p:txBody>
+        </p:sp>
+      </p:grpSp>
+      <p:pic>
+        <p:nvPicPr>
+          <p:cNvPr id="2" name="Picture 1">
+            <a:extLst>
+              <a:ext uri="{FF2B5EF4-FFF2-40B4-BE49-F238E27FC236}">
+                <a16:creationId xmlns:a16="http://schemas.microsoft.com/office/drawing/2014/main" id="{518345EE-8B68-C787-0744-DAC849B074D0}"/>
+              </a:ext>
+            </a:extLst>
+          </p:cNvPr>
+          <p:cNvPicPr>
+            <a:picLocks noChangeAspect="1"/>
+          </p:cNvPicPr>
+          <p:nvPr/>
+        </p:nvPicPr>
+        <p:blipFill>
+          <a:blip r:embed="rId5"/>
+          <a:stretch>
+            <a:fillRect/>
+          </a:stretch>
+        </p:blipFill>
+        <p:spPr>
+          <a:xfrm>
+            <a:off x="-2058" y="773"/>
+            <a:ext cx="12196116" cy="6856454"/>
+          </a:xfrm>
+          <a:prstGeom prst="rect">
+            <a:avLst/>
+          </a:prstGeom>
+        </p:spPr>
+      </p:pic>
+    </p:spTree>
+    <p:extLst>
+      <p:ext uri="{BB962C8B-B14F-4D97-AF65-F5344CB8AC3E}">
+        <p14:creationId xmlns:p14="http://schemas.microsoft.com/office/powerpoint/2010/main" val="1604216823"/>
+      </p:ext>
+    </p:extLst>
+  </p:cSld>
+  <p:clrMapOvr>
+    <a:masterClrMapping/>
+  </p:clrMapOvr>
+</p:sld>
+</file>
+
+<file path=ppt/slides/slide12.xml><?xml version="1.0" encoding="utf-8"?>
+<p:sld xmlns:a="http://schemas.openxmlformats.org/drawingml/2006/main" xmlns:r="http://schemas.openxmlformats.org/officeDocument/2006/relationships" xmlns:p="http://schemas.openxmlformats.org/presentationml/2006/main">
+  <p:cSld>
+    <p:spTree>
+      <p:nvGrpSpPr>
+        <p:cNvPr id="1" name="">
+          <a:extLst>
+            <a:ext uri="{FF2B5EF4-FFF2-40B4-BE49-F238E27FC236}">
+              <a16:creationId xmlns:a16="http://schemas.microsoft.com/office/drawing/2014/main" id="{A29CE265-66F5-9084-1B0D-433D4AF64FFA}"/>
+            </a:ext>
+          </a:extLst>
+        </p:cNvPr>
+        <p:cNvGrpSpPr/>
+        <p:nvPr/>
+      </p:nvGrpSpPr>
+      <p:grpSpPr>
+        <a:xfrm>
+          <a:off x="0" y="0"/>
+          <a:ext cx="0" cy="0"/>
+          <a:chOff x="0" y="0"/>
+          <a:chExt cx="0" cy="0"/>
+        </a:xfrm>
+      </p:grpSpPr>
+      <p:grpSp>
+        <p:nvGrpSpPr>
+          <p:cNvPr id="6" name="Group 6">
+            <a:extLst>
+              <a:ext uri="{FF2B5EF4-FFF2-40B4-BE49-F238E27FC236}">
+                <a16:creationId xmlns:a16="http://schemas.microsoft.com/office/drawing/2014/main" id="{BAA04951-27AC-9CF7-D282-91A431C688F2}"/>
+              </a:ext>
+            </a:extLst>
+          </p:cNvPr>
+          <p:cNvGrpSpPr/>
+          <p:nvPr/>
+        </p:nvGrpSpPr>
+        <p:grpSpPr>
+          <a:xfrm rot="10800000">
+            <a:off x="54105" y="6172199"/>
+            <a:ext cx="8971999" cy="2176254"/>
+            <a:chOff x="0" y="0"/>
+            <a:chExt cx="17943995" cy="4352506"/>
+          </a:xfrm>
+        </p:grpSpPr>
+        <p:sp>
+          <p:nvSpPr>
+            <p:cNvPr id="7" name="Freeform 7">
+              <a:extLst>
+                <a:ext uri="{FF2B5EF4-FFF2-40B4-BE49-F238E27FC236}">
+                  <a16:creationId xmlns:a16="http://schemas.microsoft.com/office/drawing/2014/main" id="{5019F54F-F7B8-04AF-F525-EAD24F700B9C}"/>
+                </a:ext>
+              </a:extLst>
+            </p:cNvPr>
+            <p:cNvSpPr/>
+            <p:nvPr/>
+          </p:nvSpPr>
+          <p:spPr>
+            <a:xfrm>
+              <a:off x="0" y="0"/>
+              <a:ext cx="4149650" cy="4149650"/>
+            </a:xfrm>
+            <a:custGeom>
+              <a:avLst/>
+              <a:gdLst/>
+              <a:ahLst/>
+              <a:cxnLst/>
+              <a:rect l="l" t="t" r="r" b="b"/>
+              <a:pathLst>
+                <a:path w="4149650" h="4149650">
+                  <a:moveTo>
+                    <a:pt x="0" y="0"/>
+                  </a:moveTo>
+                  <a:lnTo>
+                    <a:pt x="4149650" y="0"/>
+                  </a:lnTo>
+                  <a:lnTo>
+                    <a:pt x="4149650" y="4149650"/>
+                  </a:lnTo>
+                  <a:lnTo>
+                    <a:pt x="0" y="4149650"/>
+                  </a:lnTo>
+                  <a:lnTo>
+                    <a:pt x="0" y="0"/>
+                  </a:lnTo>
+                  <a:close/>
+                </a:path>
+              </a:pathLst>
+            </a:custGeom>
+            <a:blipFill>
+              <a:blip r:embed="rId2">
+                <a:extLst>
+                  <a:ext uri="{96DAC541-7B7A-43D3-8B79-37D633B846F1}">
+                    <asvg:svgBlip xmlns:asvg="http://schemas.microsoft.com/office/drawing/2016/SVG/main" r:embed="rId3"/>
+                  </a:ext>
+                </a:extLst>
+              </a:blip>
+              <a:stretch>
+                <a:fillRect/>
+              </a:stretch>
+            </a:blipFill>
+          </p:spPr>
+          <p:txBody>
+            <a:bodyPr/>
+            <a:lstStyle>
+              <a:defPPr>
+                <a:defRPr lang="en-US"/>
+              </a:defPPr>
+              <a:lvl1pPr marL="0" algn="l" defTabSz="609539" rtl="0" eaLnBrk="1" latinLnBrk="0" hangingPunct="1">
+                <a:defRPr sz="1200" kern="1200">
+                  <a:solidFill>
+                    <a:schemeClr val="tx1"/>
+                  </a:solidFill>
+                  <a:latin typeface="+mn-lt"/>
+                  <a:ea typeface="+mn-ea"/>
+                  <a:cs typeface="+mn-cs"/>
+                </a:defRPr>
+              </a:lvl1pPr>
+              <a:lvl2pPr marL="304770" algn="l" defTabSz="609539" rtl="0" eaLnBrk="1" latinLnBrk="0" hangingPunct="1">
+                <a:defRPr sz="1200" kern="1200">
+                  <a:solidFill>
+                    <a:schemeClr val="tx1"/>
+                  </a:solidFill>
+                  <a:latin typeface="+mn-lt"/>
+                  <a:ea typeface="+mn-ea"/>
+                  <a:cs typeface="+mn-cs"/>
+                </a:defRPr>
+              </a:lvl2pPr>
+              <a:lvl3pPr marL="609539" algn="l" defTabSz="609539" rtl="0" eaLnBrk="1" latinLnBrk="0" hangingPunct="1">
+                <a:defRPr sz="1200" kern="1200">
+                  <a:solidFill>
+                    <a:schemeClr val="tx1"/>
+                  </a:solidFill>
+                  <a:latin typeface="+mn-lt"/>
+                  <a:ea typeface="+mn-ea"/>
+                  <a:cs typeface="+mn-cs"/>
+                </a:defRPr>
+              </a:lvl3pPr>
+              <a:lvl4pPr marL="914309" algn="l" defTabSz="609539" rtl="0" eaLnBrk="1" latinLnBrk="0" hangingPunct="1">
+                <a:defRPr sz="1200" kern="1200">
+                  <a:solidFill>
+                    <a:schemeClr val="tx1"/>
+                  </a:solidFill>
+                  <a:latin typeface="+mn-lt"/>
+                  <a:ea typeface="+mn-ea"/>
+                  <a:cs typeface="+mn-cs"/>
+                </a:defRPr>
+              </a:lvl4pPr>
+              <a:lvl5pPr marL="1219078" algn="l" defTabSz="609539" rtl="0" eaLnBrk="1" latinLnBrk="0" hangingPunct="1">
+                <a:defRPr sz="1200" kern="1200">
+                  <a:solidFill>
+                    <a:schemeClr val="tx1"/>
+                  </a:solidFill>
+                  <a:latin typeface="+mn-lt"/>
+                  <a:ea typeface="+mn-ea"/>
+                  <a:cs typeface="+mn-cs"/>
+                </a:defRPr>
+              </a:lvl5pPr>
+              <a:lvl6pPr marL="1523848" algn="l" defTabSz="609539" rtl="0" eaLnBrk="1" latinLnBrk="0" hangingPunct="1">
+                <a:defRPr sz="1200" kern="1200">
+                  <a:solidFill>
+                    <a:schemeClr val="tx1"/>
+                  </a:solidFill>
+                  <a:latin typeface="+mn-lt"/>
+                  <a:ea typeface="+mn-ea"/>
+                  <a:cs typeface="+mn-cs"/>
+                </a:defRPr>
+              </a:lvl6pPr>
+              <a:lvl7pPr marL="1828617" algn="l" defTabSz="609539" rtl="0" eaLnBrk="1" latinLnBrk="0" hangingPunct="1">
+                <a:defRPr sz="1200" kern="1200">
+                  <a:solidFill>
+                    <a:schemeClr val="tx1"/>
+                  </a:solidFill>
+                  <a:latin typeface="+mn-lt"/>
+                  <a:ea typeface="+mn-ea"/>
+                  <a:cs typeface="+mn-cs"/>
+                </a:defRPr>
+              </a:lvl7pPr>
+              <a:lvl8pPr marL="2133387" algn="l" defTabSz="609539" rtl="0" eaLnBrk="1" latinLnBrk="0" hangingPunct="1">
+                <a:defRPr sz="1200" kern="1200">
+                  <a:solidFill>
+                    <a:schemeClr val="tx1"/>
+                  </a:solidFill>
+                  <a:latin typeface="+mn-lt"/>
+                  <a:ea typeface="+mn-ea"/>
+                  <a:cs typeface="+mn-cs"/>
+                </a:defRPr>
+              </a:lvl8pPr>
+              <a:lvl9pPr marL="2438156" algn="l" defTabSz="609539" rtl="0" eaLnBrk="1" latinLnBrk="0" hangingPunct="1">
+                <a:defRPr sz="1200" kern="1200">
+                  <a:solidFill>
+                    <a:schemeClr val="tx1"/>
+                  </a:solidFill>
+                  <a:latin typeface="+mn-lt"/>
+                  <a:ea typeface="+mn-ea"/>
+                  <a:cs typeface="+mn-cs"/>
+                </a:defRPr>
+              </a:lvl9pPr>
+            </a:lstStyle>
+            <a:p>
+              <a:endParaRPr lang="ro-RO" sz="800"/>
+            </a:p>
+          </p:txBody>
+        </p:sp>
+        <p:sp>
+          <p:nvSpPr>
+            <p:cNvPr id="8" name="Freeform 8">
+              <a:extLst>
+                <a:ext uri="{FF2B5EF4-FFF2-40B4-BE49-F238E27FC236}">
+                  <a16:creationId xmlns:a16="http://schemas.microsoft.com/office/drawing/2014/main" id="{51574E67-8E2E-1091-4FAE-704A41BD2A33}"/>
+                </a:ext>
+              </a:extLst>
+            </p:cNvPr>
+            <p:cNvSpPr/>
+            <p:nvPr/>
+          </p:nvSpPr>
+          <p:spPr>
+            <a:xfrm>
+              <a:off x="4600097" y="861572"/>
+              <a:ext cx="4149650" cy="3288079"/>
+            </a:xfrm>
+            <a:custGeom>
+              <a:avLst/>
+              <a:gdLst/>
+              <a:ahLst/>
+              <a:cxnLst/>
+              <a:rect l="l" t="t" r="r" b="b"/>
+              <a:pathLst>
+                <a:path w="4149650" h="3288079">
+                  <a:moveTo>
+                    <a:pt x="0" y="0"/>
+                  </a:moveTo>
+                  <a:lnTo>
+                    <a:pt x="4149651" y="0"/>
+                  </a:lnTo>
+                  <a:lnTo>
+                    <a:pt x="4149651" y="3288078"/>
+                  </a:lnTo>
+                  <a:lnTo>
+                    <a:pt x="0" y="3288078"/>
+                  </a:lnTo>
+                  <a:lnTo>
+                    <a:pt x="0" y="0"/>
+                  </a:lnTo>
+                  <a:close/>
+                </a:path>
+              </a:pathLst>
+            </a:custGeom>
+            <a:blipFill>
+              <a:blip r:embed="rId2">
+                <a:extLst>
+                  <a:ext uri="{96DAC541-7B7A-43D3-8B79-37D633B846F1}">
+                    <asvg:svgBlip xmlns:asvg="http://schemas.microsoft.com/office/drawing/2016/SVG/main" r:embed="rId3"/>
+                  </a:ext>
+                </a:extLst>
+              </a:blip>
+              <a:stretch>
+                <a:fillRect b="-26202"/>
+              </a:stretch>
+            </a:blipFill>
+          </p:spPr>
+          <p:txBody>
+            <a:bodyPr/>
+            <a:lstStyle>
+              <a:defPPr>
+                <a:defRPr lang="en-US"/>
+              </a:defPPr>
+              <a:lvl1pPr marL="0" algn="l" defTabSz="609539" rtl="0" eaLnBrk="1" latinLnBrk="0" hangingPunct="1">
+                <a:defRPr sz="1200" kern="1200">
+                  <a:solidFill>
+                    <a:schemeClr val="tx1"/>
+                  </a:solidFill>
+                  <a:latin typeface="+mn-lt"/>
+                  <a:ea typeface="+mn-ea"/>
+                  <a:cs typeface="+mn-cs"/>
+                </a:defRPr>
+              </a:lvl1pPr>
+              <a:lvl2pPr marL="304770" algn="l" defTabSz="609539" rtl="0" eaLnBrk="1" latinLnBrk="0" hangingPunct="1">
+                <a:defRPr sz="1200" kern="1200">
+                  <a:solidFill>
+                    <a:schemeClr val="tx1"/>
+                  </a:solidFill>
+                  <a:latin typeface="+mn-lt"/>
+                  <a:ea typeface="+mn-ea"/>
+                  <a:cs typeface="+mn-cs"/>
+                </a:defRPr>
+              </a:lvl2pPr>
+              <a:lvl3pPr marL="609539" algn="l" defTabSz="609539" rtl="0" eaLnBrk="1" latinLnBrk="0" hangingPunct="1">
+                <a:defRPr sz="1200" kern="1200">
+                  <a:solidFill>
+                    <a:schemeClr val="tx1"/>
+                  </a:solidFill>
+                  <a:latin typeface="+mn-lt"/>
+                  <a:ea typeface="+mn-ea"/>
+                  <a:cs typeface="+mn-cs"/>
+                </a:defRPr>
+              </a:lvl3pPr>
+              <a:lvl4pPr marL="914309" algn="l" defTabSz="609539" rtl="0" eaLnBrk="1" latinLnBrk="0" hangingPunct="1">
+                <a:defRPr sz="1200" kern="1200">
+                  <a:solidFill>
+                    <a:schemeClr val="tx1"/>
+                  </a:solidFill>
+                  <a:latin typeface="+mn-lt"/>
+                  <a:ea typeface="+mn-ea"/>
+                  <a:cs typeface="+mn-cs"/>
+                </a:defRPr>
+              </a:lvl4pPr>
+              <a:lvl5pPr marL="1219078" algn="l" defTabSz="609539" rtl="0" eaLnBrk="1" latinLnBrk="0" hangingPunct="1">
+                <a:defRPr sz="1200" kern="1200">
+                  <a:solidFill>
+                    <a:schemeClr val="tx1"/>
+                  </a:solidFill>
+                  <a:latin typeface="+mn-lt"/>
+                  <a:ea typeface="+mn-ea"/>
+                  <a:cs typeface="+mn-cs"/>
+                </a:defRPr>
+              </a:lvl5pPr>
+              <a:lvl6pPr marL="1523848" algn="l" defTabSz="609539" rtl="0" eaLnBrk="1" latinLnBrk="0" hangingPunct="1">
+                <a:defRPr sz="1200" kern="1200">
+                  <a:solidFill>
+                    <a:schemeClr val="tx1"/>
+                  </a:solidFill>
+                  <a:latin typeface="+mn-lt"/>
+                  <a:ea typeface="+mn-ea"/>
+                  <a:cs typeface="+mn-cs"/>
+                </a:defRPr>
+              </a:lvl6pPr>
+              <a:lvl7pPr marL="1828617" algn="l" defTabSz="609539" rtl="0" eaLnBrk="1" latinLnBrk="0" hangingPunct="1">
+                <a:defRPr sz="1200" kern="1200">
+                  <a:solidFill>
+                    <a:schemeClr val="tx1"/>
+                  </a:solidFill>
+                  <a:latin typeface="+mn-lt"/>
+                  <a:ea typeface="+mn-ea"/>
+                  <a:cs typeface="+mn-cs"/>
+                </a:defRPr>
+              </a:lvl7pPr>
+              <a:lvl8pPr marL="2133387" algn="l" defTabSz="609539" rtl="0" eaLnBrk="1" latinLnBrk="0" hangingPunct="1">
+                <a:defRPr sz="1200" kern="1200">
+                  <a:solidFill>
+                    <a:schemeClr val="tx1"/>
+                  </a:solidFill>
+                  <a:latin typeface="+mn-lt"/>
+                  <a:ea typeface="+mn-ea"/>
+                  <a:cs typeface="+mn-cs"/>
+                </a:defRPr>
+              </a:lvl8pPr>
+              <a:lvl9pPr marL="2438156" algn="l" defTabSz="609539" rtl="0" eaLnBrk="1" latinLnBrk="0" hangingPunct="1">
+                <a:defRPr sz="1200" kern="1200">
+                  <a:solidFill>
+                    <a:schemeClr val="tx1"/>
+                  </a:solidFill>
+                  <a:latin typeface="+mn-lt"/>
+                  <a:ea typeface="+mn-ea"/>
+                  <a:cs typeface="+mn-cs"/>
+                </a:defRPr>
+              </a:lvl9pPr>
+            </a:lstStyle>
+            <a:p>
+              <a:endParaRPr lang="ro-RO" sz="800"/>
+            </a:p>
+          </p:txBody>
+        </p:sp>
+        <p:sp>
+          <p:nvSpPr>
+            <p:cNvPr id="9" name="Freeform 9">
+              <a:extLst>
+                <a:ext uri="{FF2B5EF4-FFF2-40B4-BE49-F238E27FC236}">
+                  <a16:creationId xmlns:a16="http://schemas.microsoft.com/office/drawing/2014/main" id="{79024D50-2729-2B9A-DCEA-53FCA133DE3B}"/>
+                </a:ext>
+              </a:extLst>
+            </p:cNvPr>
+            <p:cNvSpPr/>
+            <p:nvPr/>
+          </p:nvSpPr>
+          <p:spPr>
+            <a:xfrm>
+              <a:off x="9194248" y="202855"/>
+              <a:ext cx="4149650" cy="4149650"/>
+            </a:xfrm>
+            <a:custGeom>
+              <a:avLst/>
+              <a:gdLst/>
+              <a:ahLst/>
+              <a:cxnLst/>
+              <a:rect l="l" t="t" r="r" b="b"/>
+              <a:pathLst>
+                <a:path w="4149650" h="4149650">
+                  <a:moveTo>
+                    <a:pt x="0" y="0"/>
+                  </a:moveTo>
+                  <a:lnTo>
+                    <a:pt x="4149650" y="0"/>
+                  </a:lnTo>
+                  <a:lnTo>
+                    <a:pt x="4149650" y="4149651"/>
+                  </a:lnTo>
+                  <a:lnTo>
+                    <a:pt x="0" y="4149651"/>
+                  </a:lnTo>
+                  <a:lnTo>
+                    <a:pt x="0" y="0"/>
+                  </a:lnTo>
+                  <a:close/>
+                </a:path>
+              </a:pathLst>
+            </a:custGeom>
+            <a:blipFill>
+              <a:blip r:embed="rId2">
+                <a:extLst>
+                  <a:ext uri="{96DAC541-7B7A-43D3-8B79-37D633B846F1}">
+                    <asvg:svgBlip xmlns:asvg="http://schemas.microsoft.com/office/drawing/2016/SVG/main" r:embed="rId3"/>
+                  </a:ext>
+                </a:extLst>
+              </a:blip>
+              <a:stretch>
+                <a:fillRect/>
+              </a:stretch>
+            </a:blipFill>
+          </p:spPr>
+          <p:txBody>
+            <a:bodyPr/>
+            <a:lstStyle>
+              <a:defPPr>
+                <a:defRPr lang="en-US"/>
+              </a:defPPr>
+              <a:lvl1pPr marL="0" algn="l" defTabSz="609539" rtl="0" eaLnBrk="1" latinLnBrk="0" hangingPunct="1">
+                <a:defRPr sz="1200" kern="1200">
+                  <a:solidFill>
+                    <a:schemeClr val="tx1"/>
+                  </a:solidFill>
+                  <a:latin typeface="+mn-lt"/>
+                  <a:ea typeface="+mn-ea"/>
+                  <a:cs typeface="+mn-cs"/>
+                </a:defRPr>
+              </a:lvl1pPr>
+              <a:lvl2pPr marL="304770" algn="l" defTabSz="609539" rtl="0" eaLnBrk="1" latinLnBrk="0" hangingPunct="1">
+                <a:defRPr sz="1200" kern="1200">
+                  <a:solidFill>
+                    <a:schemeClr val="tx1"/>
+                  </a:solidFill>
+                  <a:latin typeface="+mn-lt"/>
+                  <a:ea typeface="+mn-ea"/>
+                  <a:cs typeface="+mn-cs"/>
+                </a:defRPr>
+              </a:lvl2pPr>
+              <a:lvl3pPr marL="609539" algn="l" defTabSz="609539" rtl="0" eaLnBrk="1" latinLnBrk="0" hangingPunct="1">
+                <a:defRPr sz="1200" kern="1200">
+                  <a:solidFill>
+                    <a:schemeClr val="tx1"/>
+                  </a:solidFill>
+                  <a:latin typeface="+mn-lt"/>
+                  <a:ea typeface="+mn-ea"/>
+                  <a:cs typeface="+mn-cs"/>
+                </a:defRPr>
+              </a:lvl3pPr>
+              <a:lvl4pPr marL="914309" algn="l" defTabSz="609539" rtl="0" eaLnBrk="1" latinLnBrk="0" hangingPunct="1">
+                <a:defRPr sz="1200" kern="1200">
+                  <a:solidFill>
+                    <a:schemeClr val="tx1"/>
+                  </a:solidFill>
+                  <a:latin typeface="+mn-lt"/>
+                  <a:ea typeface="+mn-ea"/>
+                  <a:cs typeface="+mn-cs"/>
+                </a:defRPr>
+              </a:lvl4pPr>
+              <a:lvl5pPr marL="1219078" algn="l" defTabSz="609539" rtl="0" eaLnBrk="1" latinLnBrk="0" hangingPunct="1">
+                <a:defRPr sz="1200" kern="1200">
+                  <a:solidFill>
+                    <a:schemeClr val="tx1"/>
+                  </a:solidFill>
+                  <a:latin typeface="+mn-lt"/>
+                  <a:ea typeface="+mn-ea"/>
+                  <a:cs typeface="+mn-cs"/>
+                </a:defRPr>
+              </a:lvl5pPr>
+              <a:lvl6pPr marL="1523848" algn="l" defTabSz="609539" rtl="0" eaLnBrk="1" latinLnBrk="0" hangingPunct="1">
+                <a:defRPr sz="1200" kern="1200">
+                  <a:solidFill>
+                    <a:schemeClr val="tx1"/>
+                  </a:solidFill>
+                  <a:latin typeface="+mn-lt"/>
+                  <a:ea typeface="+mn-ea"/>
+                  <a:cs typeface="+mn-cs"/>
+                </a:defRPr>
+              </a:lvl6pPr>
+              <a:lvl7pPr marL="1828617" algn="l" defTabSz="609539" rtl="0" eaLnBrk="1" latinLnBrk="0" hangingPunct="1">
+                <a:defRPr sz="1200" kern="1200">
+                  <a:solidFill>
+                    <a:schemeClr val="tx1"/>
+                  </a:solidFill>
+                  <a:latin typeface="+mn-lt"/>
+                  <a:ea typeface="+mn-ea"/>
+                  <a:cs typeface="+mn-cs"/>
+                </a:defRPr>
+              </a:lvl7pPr>
+              <a:lvl8pPr marL="2133387" algn="l" defTabSz="609539" rtl="0" eaLnBrk="1" latinLnBrk="0" hangingPunct="1">
+                <a:defRPr sz="1200" kern="1200">
+                  <a:solidFill>
+                    <a:schemeClr val="tx1"/>
+                  </a:solidFill>
+                  <a:latin typeface="+mn-lt"/>
+                  <a:ea typeface="+mn-ea"/>
+                  <a:cs typeface="+mn-cs"/>
+                </a:defRPr>
+              </a:lvl8pPr>
+              <a:lvl9pPr marL="2438156" algn="l" defTabSz="609539" rtl="0" eaLnBrk="1" latinLnBrk="0" hangingPunct="1">
+                <a:defRPr sz="1200" kern="1200">
+                  <a:solidFill>
+                    <a:schemeClr val="tx1"/>
+                  </a:solidFill>
+                  <a:latin typeface="+mn-lt"/>
+                  <a:ea typeface="+mn-ea"/>
+                  <a:cs typeface="+mn-cs"/>
+                </a:defRPr>
+              </a:lvl9pPr>
+            </a:lstStyle>
+            <a:p>
+              <a:endParaRPr lang="ro-RO" sz="800"/>
+            </a:p>
+          </p:txBody>
+        </p:sp>
+        <p:sp>
+          <p:nvSpPr>
+            <p:cNvPr id="10" name="Freeform 10">
+              <a:extLst>
+                <a:ext uri="{FF2B5EF4-FFF2-40B4-BE49-F238E27FC236}">
+                  <a16:creationId xmlns:a16="http://schemas.microsoft.com/office/drawing/2014/main" id="{FE915C33-866B-8057-E9A0-B253961F7D7E}"/>
+                </a:ext>
+              </a:extLst>
+            </p:cNvPr>
+            <p:cNvSpPr/>
+            <p:nvPr/>
+          </p:nvSpPr>
+          <p:spPr>
+            <a:xfrm>
+              <a:off x="13794345" y="1064427"/>
+              <a:ext cx="4149650" cy="3288079"/>
+            </a:xfrm>
+            <a:custGeom>
+              <a:avLst/>
+              <a:gdLst/>
+              <a:ahLst/>
+              <a:cxnLst/>
+              <a:rect l="l" t="t" r="r" b="b"/>
+              <a:pathLst>
+                <a:path w="4149650" h="3288079">
+                  <a:moveTo>
+                    <a:pt x="0" y="0"/>
+                  </a:moveTo>
+                  <a:lnTo>
+                    <a:pt x="4149650" y="0"/>
+                  </a:lnTo>
+                  <a:lnTo>
+                    <a:pt x="4149650" y="3288079"/>
+                  </a:lnTo>
+                  <a:lnTo>
+                    <a:pt x="0" y="3288079"/>
+                  </a:lnTo>
+                  <a:lnTo>
+                    <a:pt x="0" y="0"/>
+                  </a:lnTo>
+                  <a:close/>
+                </a:path>
+              </a:pathLst>
+            </a:custGeom>
+            <a:blipFill>
+              <a:blip r:embed="rId2">
+                <a:extLst>
+                  <a:ext uri="{96DAC541-7B7A-43D3-8B79-37D633B846F1}">
+                    <asvg:svgBlip xmlns:asvg="http://schemas.microsoft.com/office/drawing/2016/SVG/main" r:embed="rId3"/>
+                  </a:ext>
+                </a:extLst>
+              </a:blip>
+              <a:stretch>
+                <a:fillRect b="-26202"/>
+              </a:stretch>
+            </a:blipFill>
+          </p:spPr>
+          <p:txBody>
+            <a:bodyPr/>
+            <a:lstStyle>
+              <a:defPPr>
+                <a:defRPr lang="en-US"/>
+              </a:defPPr>
+              <a:lvl1pPr marL="0" algn="l" defTabSz="609539" rtl="0" eaLnBrk="1" latinLnBrk="0" hangingPunct="1">
+                <a:defRPr sz="1200" kern="1200">
+                  <a:solidFill>
+                    <a:schemeClr val="tx1"/>
+                  </a:solidFill>
+                  <a:latin typeface="+mn-lt"/>
+                  <a:ea typeface="+mn-ea"/>
+                  <a:cs typeface="+mn-cs"/>
+                </a:defRPr>
+              </a:lvl1pPr>
+              <a:lvl2pPr marL="304770" algn="l" defTabSz="609539" rtl="0" eaLnBrk="1" latinLnBrk="0" hangingPunct="1">
+                <a:defRPr sz="1200" kern="1200">
+                  <a:solidFill>
+                    <a:schemeClr val="tx1"/>
+                  </a:solidFill>
+                  <a:latin typeface="+mn-lt"/>
+                  <a:ea typeface="+mn-ea"/>
+                  <a:cs typeface="+mn-cs"/>
+                </a:defRPr>
+              </a:lvl2pPr>
+              <a:lvl3pPr marL="609539" algn="l" defTabSz="609539" rtl="0" eaLnBrk="1" latinLnBrk="0" hangingPunct="1">
+                <a:defRPr sz="1200" kern="1200">
+                  <a:solidFill>
+                    <a:schemeClr val="tx1"/>
+                  </a:solidFill>
+                  <a:latin typeface="+mn-lt"/>
+                  <a:ea typeface="+mn-ea"/>
+                  <a:cs typeface="+mn-cs"/>
+                </a:defRPr>
+              </a:lvl3pPr>
+              <a:lvl4pPr marL="914309" algn="l" defTabSz="609539" rtl="0" eaLnBrk="1" latinLnBrk="0" hangingPunct="1">
+                <a:defRPr sz="1200" kern="1200">
+                  <a:solidFill>
+                    <a:schemeClr val="tx1"/>
+                  </a:solidFill>
+                  <a:latin typeface="+mn-lt"/>
+                  <a:ea typeface="+mn-ea"/>
+                  <a:cs typeface="+mn-cs"/>
+                </a:defRPr>
+              </a:lvl4pPr>
+              <a:lvl5pPr marL="1219078" algn="l" defTabSz="609539" rtl="0" eaLnBrk="1" latinLnBrk="0" hangingPunct="1">
+                <a:defRPr sz="1200" kern="1200">
+                  <a:solidFill>
+                    <a:schemeClr val="tx1"/>
+                  </a:solidFill>
+                  <a:latin typeface="+mn-lt"/>
+                  <a:ea typeface="+mn-ea"/>
+                  <a:cs typeface="+mn-cs"/>
+                </a:defRPr>
+              </a:lvl5pPr>
+              <a:lvl6pPr marL="1523848" algn="l" defTabSz="609539" rtl="0" eaLnBrk="1" latinLnBrk="0" hangingPunct="1">
+                <a:defRPr sz="1200" kern="1200">
+                  <a:solidFill>
+                    <a:schemeClr val="tx1"/>
+                  </a:solidFill>
+                  <a:latin typeface="+mn-lt"/>
+                  <a:ea typeface="+mn-ea"/>
+                  <a:cs typeface="+mn-cs"/>
+                </a:defRPr>
+              </a:lvl6pPr>
+              <a:lvl7pPr marL="1828617" algn="l" defTabSz="609539" rtl="0" eaLnBrk="1" latinLnBrk="0" hangingPunct="1">
+                <a:defRPr sz="1200" kern="1200">
+                  <a:solidFill>
+                    <a:schemeClr val="tx1"/>
+                  </a:solidFill>
+                  <a:latin typeface="+mn-lt"/>
+                  <a:ea typeface="+mn-ea"/>
+                  <a:cs typeface="+mn-cs"/>
+                </a:defRPr>
+              </a:lvl7pPr>
+              <a:lvl8pPr marL="2133387" algn="l" defTabSz="609539" rtl="0" eaLnBrk="1" latinLnBrk="0" hangingPunct="1">
+                <a:defRPr sz="1200" kern="1200">
+                  <a:solidFill>
+                    <a:schemeClr val="tx1"/>
+                  </a:solidFill>
+                  <a:latin typeface="+mn-lt"/>
+                  <a:ea typeface="+mn-ea"/>
+                  <a:cs typeface="+mn-cs"/>
+                </a:defRPr>
+              </a:lvl8pPr>
+              <a:lvl9pPr marL="2438156" algn="l" defTabSz="609539" rtl="0" eaLnBrk="1" latinLnBrk="0" hangingPunct="1">
+                <a:defRPr sz="1200" kern="1200">
+                  <a:solidFill>
+                    <a:schemeClr val="tx1"/>
+                  </a:solidFill>
+                  <a:latin typeface="+mn-lt"/>
+                  <a:ea typeface="+mn-ea"/>
+                  <a:cs typeface="+mn-cs"/>
+                </a:defRPr>
+              </a:lvl9pPr>
+            </a:lstStyle>
+            <a:p>
+              <a:endParaRPr lang="ro-RO" sz="800"/>
+            </a:p>
+          </p:txBody>
+        </p:sp>
+      </p:grpSp>
+      <p:sp>
+        <p:nvSpPr>
+          <p:cNvPr id="11" name="Freeform 11">
+            <a:extLst>
+              <a:ext uri="{FF2B5EF4-FFF2-40B4-BE49-F238E27FC236}">
+                <a16:creationId xmlns:a16="http://schemas.microsoft.com/office/drawing/2014/main" id="{09814C06-D16E-C629-47EA-10242C136630}"/>
+              </a:ext>
+            </a:extLst>
+          </p:cNvPr>
+          <p:cNvSpPr/>
+          <p:nvPr/>
+        </p:nvSpPr>
+        <p:spPr>
+          <a:xfrm rot="6150721">
+            <a:off x="4053955" y="3053030"/>
+            <a:ext cx="9029868" cy="751941"/>
+          </a:xfrm>
+          <a:custGeom>
+            <a:avLst/>
+            <a:gdLst/>
+            <a:ahLst/>
+            <a:cxnLst/>
+            <a:rect l="l" t="t" r="r" b="b"/>
+            <a:pathLst>
+              <a:path w="13544802" h="1127911">
+                <a:moveTo>
+                  <a:pt x="0" y="0"/>
+                </a:moveTo>
+                <a:lnTo>
+                  <a:pt x="13544801" y="0"/>
+                </a:lnTo>
+                <a:lnTo>
+                  <a:pt x="13544801" y="1127912"/>
+                </a:lnTo>
+                <a:lnTo>
+                  <a:pt x="0" y="1127912"/>
+                </a:lnTo>
+                <a:lnTo>
+                  <a:pt x="0" y="0"/>
+                </a:lnTo>
+                <a:close/>
+              </a:path>
+            </a:pathLst>
+          </a:custGeom>
+          <a:blipFill>
+            <a:blip r:embed="rId4"/>
+            <a:stretch>
+              <a:fillRect t="-137172"/>
+            </a:stretch>
+          </a:blipFill>
+        </p:spPr>
+        <p:txBody>
+          <a:bodyPr/>
+          <a:lstStyle>
+            <a:defPPr>
+              <a:defRPr lang="en-US"/>
+            </a:defPPr>
+            <a:lvl1pPr marL="0" algn="l" defTabSz="609539" rtl="0" eaLnBrk="1" latinLnBrk="0" hangingPunct="1">
+              <a:defRPr sz="1200" kern="1200">
+                <a:solidFill>
+                  <a:schemeClr val="tx1"/>
+                </a:solidFill>
+                <a:latin typeface="+mn-lt"/>
+                <a:ea typeface="+mn-ea"/>
+                <a:cs typeface="+mn-cs"/>
+              </a:defRPr>
+            </a:lvl1pPr>
+            <a:lvl2pPr marL="304770" algn="l" defTabSz="609539" rtl="0" eaLnBrk="1" latinLnBrk="0" hangingPunct="1">
+              <a:defRPr sz="1200" kern="1200">
+                <a:solidFill>
+                  <a:schemeClr val="tx1"/>
+                </a:solidFill>
+                <a:latin typeface="+mn-lt"/>
+                <a:ea typeface="+mn-ea"/>
+                <a:cs typeface="+mn-cs"/>
+              </a:defRPr>
+            </a:lvl2pPr>
+            <a:lvl3pPr marL="609539" algn="l" defTabSz="609539" rtl="0" eaLnBrk="1" latinLnBrk="0" hangingPunct="1">
+              <a:defRPr sz="1200" kern="1200">
+                <a:solidFill>
+                  <a:schemeClr val="tx1"/>
+                </a:solidFill>
+                <a:latin typeface="+mn-lt"/>
+                <a:ea typeface="+mn-ea"/>
+                <a:cs typeface="+mn-cs"/>
+              </a:defRPr>
+            </a:lvl3pPr>
+            <a:lvl4pPr marL="914309" algn="l" defTabSz="609539" rtl="0" eaLnBrk="1" latinLnBrk="0" hangingPunct="1">
+              <a:defRPr sz="1200" kern="1200">
+                <a:solidFill>
+                  <a:schemeClr val="tx1"/>
+                </a:solidFill>
+                <a:latin typeface="+mn-lt"/>
+                <a:ea typeface="+mn-ea"/>
+                <a:cs typeface="+mn-cs"/>
+              </a:defRPr>
+            </a:lvl4pPr>
+            <a:lvl5pPr marL="1219078" algn="l" defTabSz="609539" rtl="0" eaLnBrk="1" latinLnBrk="0" hangingPunct="1">
+              <a:defRPr sz="1200" kern="1200">
+                <a:solidFill>
+                  <a:schemeClr val="tx1"/>
+                </a:solidFill>
+                <a:latin typeface="+mn-lt"/>
+                <a:ea typeface="+mn-ea"/>
+                <a:cs typeface="+mn-cs"/>
+              </a:defRPr>
+            </a:lvl5pPr>
+            <a:lvl6pPr marL="1523848" algn="l" defTabSz="609539" rtl="0" eaLnBrk="1" latinLnBrk="0" hangingPunct="1">
+              <a:defRPr sz="1200" kern="1200">
+                <a:solidFill>
+                  <a:schemeClr val="tx1"/>
+                </a:solidFill>
+                <a:latin typeface="+mn-lt"/>
+                <a:ea typeface="+mn-ea"/>
+                <a:cs typeface="+mn-cs"/>
+              </a:defRPr>
+            </a:lvl6pPr>
+            <a:lvl7pPr marL="1828617" algn="l" defTabSz="609539" rtl="0" eaLnBrk="1" latinLnBrk="0" hangingPunct="1">
+              <a:defRPr sz="1200" kern="1200">
+                <a:solidFill>
+                  <a:schemeClr val="tx1"/>
+                </a:solidFill>
+                <a:latin typeface="+mn-lt"/>
+                <a:ea typeface="+mn-ea"/>
+                <a:cs typeface="+mn-cs"/>
+              </a:defRPr>
+            </a:lvl7pPr>
+            <a:lvl8pPr marL="2133387" algn="l" defTabSz="609539" rtl="0" eaLnBrk="1" latinLnBrk="0" hangingPunct="1">
+              <a:defRPr sz="1200" kern="1200">
+                <a:solidFill>
+                  <a:schemeClr val="tx1"/>
+                </a:solidFill>
+                <a:latin typeface="+mn-lt"/>
+                <a:ea typeface="+mn-ea"/>
+                <a:cs typeface="+mn-cs"/>
+              </a:defRPr>
+            </a:lvl8pPr>
+            <a:lvl9pPr marL="2438156" algn="l" defTabSz="609539" rtl="0" eaLnBrk="1" latinLnBrk="0" hangingPunct="1">
+              <a:defRPr sz="1200" kern="1200">
+                <a:solidFill>
+                  <a:schemeClr val="tx1"/>
+                </a:solidFill>
+                <a:latin typeface="+mn-lt"/>
+                <a:ea typeface="+mn-ea"/>
+                <a:cs typeface="+mn-cs"/>
+              </a:defRPr>
+            </a:lvl9pPr>
+          </a:lstStyle>
+          <a:p>
+            <a:endParaRPr lang="ro-RO" sz="800"/>
+          </a:p>
+        </p:txBody>
+      </p:sp>
+      <p:sp>
+        <p:nvSpPr>
+          <p:cNvPr id="14" name="Freeform 14">
+            <a:extLst>
+              <a:ext uri="{FF2B5EF4-FFF2-40B4-BE49-F238E27FC236}">
+                <a16:creationId xmlns:a16="http://schemas.microsoft.com/office/drawing/2014/main" id="{0D977A69-3A36-E440-F480-CCC9DA820752}"/>
+              </a:ext>
+            </a:extLst>
+          </p:cNvPr>
+          <p:cNvSpPr/>
+          <p:nvPr/>
+        </p:nvSpPr>
+        <p:spPr>
+          <a:xfrm rot="16984456">
+            <a:off x="7007207" y="3361082"/>
+            <a:ext cx="9029868" cy="751941"/>
+          </a:xfrm>
+          <a:custGeom>
+            <a:avLst/>
+            <a:gdLst/>
+            <a:ahLst/>
+            <a:cxnLst/>
+            <a:rect l="l" t="t" r="r" b="b"/>
+            <a:pathLst>
+              <a:path w="13544802" h="1127911">
+                <a:moveTo>
+                  <a:pt x="0" y="0"/>
+                </a:moveTo>
+                <a:lnTo>
+                  <a:pt x="13544801" y="0"/>
+                </a:lnTo>
+                <a:lnTo>
+                  <a:pt x="13544801" y="1127912"/>
+                </a:lnTo>
+                <a:lnTo>
+                  <a:pt x="0" y="1127912"/>
+                </a:lnTo>
+                <a:lnTo>
+                  <a:pt x="0" y="0"/>
+                </a:lnTo>
+                <a:close/>
+              </a:path>
+            </a:pathLst>
+          </a:custGeom>
+          <a:blipFill>
+            <a:blip r:embed="rId4"/>
+            <a:stretch>
+              <a:fillRect t="-137172"/>
+            </a:stretch>
+          </a:blipFill>
+        </p:spPr>
+        <p:txBody>
+          <a:bodyPr/>
+          <a:lstStyle>
+            <a:defPPr>
+              <a:defRPr lang="en-US"/>
+            </a:defPPr>
+            <a:lvl1pPr marL="0" algn="l" defTabSz="609539" rtl="0" eaLnBrk="1" latinLnBrk="0" hangingPunct="1">
+              <a:defRPr sz="1200" kern="1200">
+                <a:solidFill>
+                  <a:schemeClr val="tx1"/>
+                </a:solidFill>
+                <a:latin typeface="+mn-lt"/>
+                <a:ea typeface="+mn-ea"/>
+                <a:cs typeface="+mn-cs"/>
+              </a:defRPr>
+            </a:lvl1pPr>
+            <a:lvl2pPr marL="304770" algn="l" defTabSz="609539" rtl="0" eaLnBrk="1" latinLnBrk="0" hangingPunct="1">
+              <a:defRPr sz="1200" kern="1200">
+                <a:solidFill>
+                  <a:schemeClr val="tx1"/>
+                </a:solidFill>
+                <a:latin typeface="+mn-lt"/>
+                <a:ea typeface="+mn-ea"/>
+                <a:cs typeface="+mn-cs"/>
+              </a:defRPr>
+            </a:lvl2pPr>
+            <a:lvl3pPr marL="609539" algn="l" defTabSz="609539" rtl="0" eaLnBrk="1" latinLnBrk="0" hangingPunct="1">
+              <a:defRPr sz="1200" kern="1200">
+                <a:solidFill>
+                  <a:schemeClr val="tx1"/>
+                </a:solidFill>
+                <a:latin typeface="+mn-lt"/>
+                <a:ea typeface="+mn-ea"/>
+                <a:cs typeface="+mn-cs"/>
+              </a:defRPr>
+            </a:lvl3pPr>
+            <a:lvl4pPr marL="914309" algn="l" defTabSz="609539" rtl="0" eaLnBrk="1" latinLnBrk="0" hangingPunct="1">
+              <a:defRPr sz="1200" kern="1200">
+                <a:solidFill>
+                  <a:schemeClr val="tx1"/>
+                </a:solidFill>
+                <a:latin typeface="+mn-lt"/>
+                <a:ea typeface="+mn-ea"/>
+                <a:cs typeface="+mn-cs"/>
+              </a:defRPr>
+            </a:lvl4pPr>
+            <a:lvl5pPr marL="1219078" algn="l" defTabSz="609539" rtl="0" eaLnBrk="1" latinLnBrk="0" hangingPunct="1">
+              <a:defRPr sz="1200" kern="1200">
+                <a:solidFill>
+                  <a:schemeClr val="tx1"/>
+                </a:solidFill>
+                <a:latin typeface="+mn-lt"/>
+                <a:ea typeface="+mn-ea"/>
+                <a:cs typeface="+mn-cs"/>
+              </a:defRPr>
+            </a:lvl5pPr>
+            <a:lvl6pPr marL="1523848" algn="l" defTabSz="609539" rtl="0" eaLnBrk="1" latinLnBrk="0" hangingPunct="1">
+              <a:defRPr sz="1200" kern="1200">
+                <a:solidFill>
+                  <a:schemeClr val="tx1"/>
+                </a:solidFill>
+                <a:latin typeface="+mn-lt"/>
+                <a:ea typeface="+mn-ea"/>
+                <a:cs typeface="+mn-cs"/>
+              </a:defRPr>
+            </a:lvl6pPr>
+            <a:lvl7pPr marL="1828617" algn="l" defTabSz="609539" rtl="0" eaLnBrk="1" latinLnBrk="0" hangingPunct="1">
+              <a:defRPr sz="1200" kern="1200">
+                <a:solidFill>
+                  <a:schemeClr val="tx1"/>
+                </a:solidFill>
+                <a:latin typeface="+mn-lt"/>
+                <a:ea typeface="+mn-ea"/>
+                <a:cs typeface="+mn-cs"/>
+              </a:defRPr>
+            </a:lvl7pPr>
+            <a:lvl8pPr marL="2133387" algn="l" defTabSz="609539" rtl="0" eaLnBrk="1" latinLnBrk="0" hangingPunct="1">
+              <a:defRPr sz="1200" kern="1200">
+                <a:solidFill>
+                  <a:schemeClr val="tx1"/>
+                </a:solidFill>
+                <a:latin typeface="+mn-lt"/>
+                <a:ea typeface="+mn-ea"/>
+                <a:cs typeface="+mn-cs"/>
+              </a:defRPr>
+            </a:lvl8pPr>
+            <a:lvl9pPr marL="2438156" algn="l" defTabSz="609539" rtl="0" eaLnBrk="1" latinLnBrk="0" hangingPunct="1">
+              <a:defRPr sz="1200" kern="1200">
+                <a:solidFill>
+                  <a:schemeClr val="tx1"/>
+                </a:solidFill>
+                <a:latin typeface="+mn-lt"/>
+                <a:ea typeface="+mn-ea"/>
+                <a:cs typeface="+mn-cs"/>
+              </a:defRPr>
+            </a:lvl9pPr>
+          </a:lstStyle>
+          <a:p>
+            <a:endParaRPr lang="ro-RO" sz="800"/>
+          </a:p>
+        </p:txBody>
+      </p:sp>
+      <p:grpSp>
+        <p:nvGrpSpPr>
+          <p:cNvPr id="15" name="Group 15">
+            <a:extLst>
+              <a:ext uri="{FF2B5EF4-FFF2-40B4-BE49-F238E27FC236}">
+                <a16:creationId xmlns:a16="http://schemas.microsoft.com/office/drawing/2014/main" id="{DF99F275-BCC7-F408-6940-BA5D363A3A95}"/>
+              </a:ext>
+            </a:extLst>
+          </p:cNvPr>
+          <p:cNvGrpSpPr/>
+          <p:nvPr/>
+        </p:nvGrpSpPr>
+        <p:grpSpPr>
+          <a:xfrm rot="10800000">
+            <a:off x="10644262" y="6172199"/>
+            <a:ext cx="8971999" cy="2176254"/>
+            <a:chOff x="0" y="0"/>
+            <a:chExt cx="17943995" cy="4352506"/>
+          </a:xfrm>
+        </p:grpSpPr>
+        <p:sp>
+          <p:nvSpPr>
+            <p:cNvPr id="16" name="Freeform 16">
+              <a:extLst>
+                <a:ext uri="{FF2B5EF4-FFF2-40B4-BE49-F238E27FC236}">
+                  <a16:creationId xmlns:a16="http://schemas.microsoft.com/office/drawing/2014/main" id="{BE06D94D-4FE4-372A-2B0B-53E2F1C1527A}"/>
+                </a:ext>
+              </a:extLst>
+            </p:cNvPr>
+            <p:cNvSpPr/>
+            <p:nvPr/>
+          </p:nvSpPr>
+          <p:spPr>
+            <a:xfrm>
+              <a:off x="0" y="0"/>
+              <a:ext cx="4149650" cy="4149650"/>
+            </a:xfrm>
+            <a:custGeom>
+              <a:avLst/>
+              <a:gdLst/>
+              <a:ahLst/>
+              <a:cxnLst/>
+              <a:rect l="l" t="t" r="r" b="b"/>
+              <a:pathLst>
+                <a:path w="4149650" h="4149650">
+                  <a:moveTo>
+                    <a:pt x="0" y="0"/>
+                  </a:moveTo>
+                  <a:lnTo>
+                    <a:pt x="4149650" y="0"/>
+                  </a:lnTo>
+                  <a:lnTo>
+                    <a:pt x="4149650" y="4149650"/>
+                  </a:lnTo>
+                  <a:lnTo>
+                    <a:pt x="0" y="4149650"/>
+                  </a:lnTo>
+                  <a:lnTo>
+                    <a:pt x="0" y="0"/>
+                  </a:lnTo>
+                  <a:close/>
+                </a:path>
+              </a:pathLst>
+            </a:custGeom>
+            <a:blipFill>
+              <a:blip r:embed="rId2">
+                <a:extLst>
+                  <a:ext uri="{96DAC541-7B7A-43D3-8B79-37D633B846F1}">
+                    <asvg:svgBlip xmlns:asvg="http://schemas.microsoft.com/office/drawing/2016/SVG/main" r:embed="rId3"/>
+                  </a:ext>
+                </a:extLst>
+              </a:blip>
+              <a:stretch>
+                <a:fillRect/>
+              </a:stretch>
+            </a:blipFill>
+          </p:spPr>
+          <p:txBody>
+            <a:bodyPr/>
+            <a:lstStyle>
+              <a:defPPr>
+                <a:defRPr lang="en-US"/>
+              </a:defPPr>
+              <a:lvl1pPr marL="0" algn="l" defTabSz="609539" rtl="0" eaLnBrk="1" latinLnBrk="0" hangingPunct="1">
+                <a:defRPr sz="1200" kern="1200">
+                  <a:solidFill>
+                    <a:schemeClr val="tx1"/>
+                  </a:solidFill>
+                  <a:latin typeface="+mn-lt"/>
+                  <a:ea typeface="+mn-ea"/>
+                  <a:cs typeface="+mn-cs"/>
+                </a:defRPr>
+              </a:lvl1pPr>
+              <a:lvl2pPr marL="304770" algn="l" defTabSz="609539" rtl="0" eaLnBrk="1" latinLnBrk="0" hangingPunct="1">
+                <a:defRPr sz="1200" kern="1200">
+                  <a:solidFill>
+                    <a:schemeClr val="tx1"/>
+                  </a:solidFill>
+                  <a:latin typeface="+mn-lt"/>
+                  <a:ea typeface="+mn-ea"/>
+                  <a:cs typeface="+mn-cs"/>
+                </a:defRPr>
+              </a:lvl2pPr>
+              <a:lvl3pPr marL="609539" algn="l" defTabSz="609539" rtl="0" eaLnBrk="1" latinLnBrk="0" hangingPunct="1">
+                <a:defRPr sz="1200" kern="1200">
+                  <a:solidFill>
+                    <a:schemeClr val="tx1"/>
+                  </a:solidFill>
+                  <a:latin typeface="+mn-lt"/>
+                  <a:ea typeface="+mn-ea"/>
+                  <a:cs typeface="+mn-cs"/>
+                </a:defRPr>
+              </a:lvl3pPr>
+              <a:lvl4pPr marL="914309" algn="l" defTabSz="609539" rtl="0" eaLnBrk="1" latinLnBrk="0" hangingPunct="1">
+                <a:defRPr sz="1200" kern="1200">
+                  <a:solidFill>
+                    <a:schemeClr val="tx1"/>
+                  </a:solidFill>
+                  <a:latin typeface="+mn-lt"/>
+                  <a:ea typeface="+mn-ea"/>
+                  <a:cs typeface="+mn-cs"/>
+                </a:defRPr>
+              </a:lvl4pPr>
+              <a:lvl5pPr marL="1219078" algn="l" defTabSz="609539" rtl="0" eaLnBrk="1" latinLnBrk="0" hangingPunct="1">
+                <a:defRPr sz="1200" kern="1200">
+                  <a:solidFill>
+                    <a:schemeClr val="tx1"/>
+                  </a:solidFill>
+                  <a:latin typeface="+mn-lt"/>
+                  <a:ea typeface="+mn-ea"/>
+                  <a:cs typeface="+mn-cs"/>
+                </a:defRPr>
+              </a:lvl5pPr>
+              <a:lvl6pPr marL="1523848" algn="l" defTabSz="609539" rtl="0" eaLnBrk="1" latinLnBrk="0" hangingPunct="1">
+                <a:defRPr sz="1200" kern="1200">
+                  <a:solidFill>
+                    <a:schemeClr val="tx1"/>
+                  </a:solidFill>
+                  <a:latin typeface="+mn-lt"/>
+                  <a:ea typeface="+mn-ea"/>
+                  <a:cs typeface="+mn-cs"/>
+                </a:defRPr>
+              </a:lvl6pPr>
+              <a:lvl7pPr marL="1828617" algn="l" defTabSz="609539" rtl="0" eaLnBrk="1" latinLnBrk="0" hangingPunct="1">
+                <a:defRPr sz="1200" kern="1200">
+                  <a:solidFill>
+                    <a:schemeClr val="tx1"/>
+                  </a:solidFill>
+                  <a:latin typeface="+mn-lt"/>
+                  <a:ea typeface="+mn-ea"/>
+                  <a:cs typeface="+mn-cs"/>
+                </a:defRPr>
+              </a:lvl7pPr>
+              <a:lvl8pPr marL="2133387" algn="l" defTabSz="609539" rtl="0" eaLnBrk="1" latinLnBrk="0" hangingPunct="1">
+                <a:defRPr sz="1200" kern="1200">
+                  <a:solidFill>
+                    <a:schemeClr val="tx1"/>
+                  </a:solidFill>
+                  <a:latin typeface="+mn-lt"/>
+                  <a:ea typeface="+mn-ea"/>
+                  <a:cs typeface="+mn-cs"/>
+                </a:defRPr>
+              </a:lvl8pPr>
+              <a:lvl9pPr marL="2438156" algn="l" defTabSz="609539" rtl="0" eaLnBrk="1" latinLnBrk="0" hangingPunct="1">
+                <a:defRPr sz="1200" kern="1200">
+                  <a:solidFill>
+                    <a:schemeClr val="tx1"/>
+                  </a:solidFill>
+                  <a:latin typeface="+mn-lt"/>
+                  <a:ea typeface="+mn-ea"/>
+                  <a:cs typeface="+mn-cs"/>
+                </a:defRPr>
+              </a:lvl9pPr>
+            </a:lstStyle>
+            <a:p>
+              <a:endParaRPr lang="ro-RO" sz="800"/>
+            </a:p>
+          </p:txBody>
+        </p:sp>
+        <p:sp>
+          <p:nvSpPr>
+            <p:cNvPr id="17" name="Freeform 17">
+              <a:extLst>
+                <a:ext uri="{FF2B5EF4-FFF2-40B4-BE49-F238E27FC236}">
+                  <a16:creationId xmlns:a16="http://schemas.microsoft.com/office/drawing/2014/main" id="{DD851265-55AA-E8FA-42F5-5D5BF3BE860F}"/>
+                </a:ext>
+              </a:extLst>
+            </p:cNvPr>
+            <p:cNvSpPr/>
+            <p:nvPr/>
+          </p:nvSpPr>
+          <p:spPr>
+            <a:xfrm>
+              <a:off x="4600097" y="861572"/>
+              <a:ext cx="4149650" cy="3288079"/>
+            </a:xfrm>
+            <a:custGeom>
+              <a:avLst/>
+              <a:gdLst/>
+              <a:ahLst/>
+              <a:cxnLst/>
+              <a:rect l="l" t="t" r="r" b="b"/>
+              <a:pathLst>
+                <a:path w="4149650" h="3288079">
+                  <a:moveTo>
+                    <a:pt x="0" y="0"/>
+                  </a:moveTo>
+                  <a:lnTo>
+                    <a:pt x="4149651" y="0"/>
+                  </a:lnTo>
+                  <a:lnTo>
+                    <a:pt x="4149651" y="3288078"/>
+                  </a:lnTo>
+                  <a:lnTo>
+                    <a:pt x="0" y="3288078"/>
+                  </a:lnTo>
+                  <a:lnTo>
+                    <a:pt x="0" y="0"/>
+                  </a:lnTo>
+                  <a:close/>
+                </a:path>
+              </a:pathLst>
+            </a:custGeom>
+            <a:blipFill>
+              <a:blip r:embed="rId2">
+                <a:extLst>
+                  <a:ext uri="{96DAC541-7B7A-43D3-8B79-37D633B846F1}">
+                    <asvg:svgBlip xmlns:asvg="http://schemas.microsoft.com/office/drawing/2016/SVG/main" r:embed="rId3"/>
+                  </a:ext>
+                </a:extLst>
+              </a:blip>
+              <a:stretch>
+                <a:fillRect b="-26202"/>
+              </a:stretch>
+            </a:blipFill>
+          </p:spPr>
+          <p:txBody>
+            <a:bodyPr/>
+            <a:lstStyle>
+              <a:defPPr>
+                <a:defRPr lang="en-US"/>
+              </a:defPPr>
+              <a:lvl1pPr marL="0" algn="l" defTabSz="609539" rtl="0" eaLnBrk="1" latinLnBrk="0" hangingPunct="1">
+                <a:defRPr sz="1200" kern="1200">
+                  <a:solidFill>
+                    <a:schemeClr val="tx1"/>
+                  </a:solidFill>
+                  <a:latin typeface="+mn-lt"/>
+                  <a:ea typeface="+mn-ea"/>
+                  <a:cs typeface="+mn-cs"/>
+                </a:defRPr>
+              </a:lvl1pPr>
+              <a:lvl2pPr marL="304770" algn="l" defTabSz="609539" rtl="0" eaLnBrk="1" latinLnBrk="0" hangingPunct="1">
+                <a:defRPr sz="1200" kern="1200">
+                  <a:solidFill>
+                    <a:schemeClr val="tx1"/>
+                  </a:solidFill>
+                  <a:latin typeface="+mn-lt"/>
+                  <a:ea typeface="+mn-ea"/>
+                  <a:cs typeface="+mn-cs"/>
+                </a:defRPr>
+              </a:lvl2pPr>
+              <a:lvl3pPr marL="609539" algn="l" defTabSz="609539" rtl="0" eaLnBrk="1" latinLnBrk="0" hangingPunct="1">
+                <a:defRPr sz="1200" kern="1200">
+                  <a:solidFill>
+                    <a:schemeClr val="tx1"/>
+                  </a:solidFill>
+                  <a:latin typeface="+mn-lt"/>
+                  <a:ea typeface="+mn-ea"/>
+                  <a:cs typeface="+mn-cs"/>
+                </a:defRPr>
+              </a:lvl3pPr>
+              <a:lvl4pPr marL="914309" algn="l" defTabSz="609539" rtl="0" eaLnBrk="1" latinLnBrk="0" hangingPunct="1">
+                <a:defRPr sz="1200" kern="1200">
+                  <a:solidFill>
+                    <a:schemeClr val="tx1"/>
+                  </a:solidFill>
+                  <a:latin typeface="+mn-lt"/>
+                  <a:ea typeface="+mn-ea"/>
+                  <a:cs typeface="+mn-cs"/>
+                </a:defRPr>
+              </a:lvl4pPr>
+              <a:lvl5pPr marL="1219078" algn="l" defTabSz="609539" rtl="0" eaLnBrk="1" latinLnBrk="0" hangingPunct="1">
+                <a:defRPr sz="1200" kern="1200">
+                  <a:solidFill>
+                    <a:schemeClr val="tx1"/>
+                  </a:solidFill>
+                  <a:latin typeface="+mn-lt"/>
+                  <a:ea typeface="+mn-ea"/>
+                  <a:cs typeface="+mn-cs"/>
+                </a:defRPr>
+              </a:lvl5pPr>
+              <a:lvl6pPr marL="1523848" algn="l" defTabSz="609539" rtl="0" eaLnBrk="1" latinLnBrk="0" hangingPunct="1">
+                <a:defRPr sz="1200" kern="1200">
+                  <a:solidFill>
+                    <a:schemeClr val="tx1"/>
+                  </a:solidFill>
+                  <a:latin typeface="+mn-lt"/>
+                  <a:ea typeface="+mn-ea"/>
+                  <a:cs typeface="+mn-cs"/>
+                </a:defRPr>
+              </a:lvl6pPr>
+              <a:lvl7pPr marL="1828617" algn="l" defTabSz="609539" rtl="0" eaLnBrk="1" latinLnBrk="0" hangingPunct="1">
+                <a:defRPr sz="1200" kern="1200">
+                  <a:solidFill>
+                    <a:schemeClr val="tx1"/>
+                  </a:solidFill>
+                  <a:latin typeface="+mn-lt"/>
+                  <a:ea typeface="+mn-ea"/>
+                  <a:cs typeface="+mn-cs"/>
+                </a:defRPr>
+              </a:lvl7pPr>
+              <a:lvl8pPr marL="2133387" algn="l" defTabSz="609539" rtl="0" eaLnBrk="1" latinLnBrk="0" hangingPunct="1">
+                <a:defRPr sz="1200" kern="1200">
+                  <a:solidFill>
+                    <a:schemeClr val="tx1"/>
+                  </a:solidFill>
+                  <a:latin typeface="+mn-lt"/>
+                  <a:ea typeface="+mn-ea"/>
+                  <a:cs typeface="+mn-cs"/>
+                </a:defRPr>
+              </a:lvl8pPr>
+              <a:lvl9pPr marL="2438156" algn="l" defTabSz="609539" rtl="0" eaLnBrk="1" latinLnBrk="0" hangingPunct="1">
+                <a:defRPr sz="1200" kern="1200">
+                  <a:solidFill>
+                    <a:schemeClr val="tx1"/>
+                  </a:solidFill>
+                  <a:latin typeface="+mn-lt"/>
+                  <a:ea typeface="+mn-ea"/>
+                  <a:cs typeface="+mn-cs"/>
+                </a:defRPr>
+              </a:lvl9pPr>
+            </a:lstStyle>
+            <a:p>
+              <a:endParaRPr lang="ro-RO" sz="800"/>
+            </a:p>
+          </p:txBody>
+        </p:sp>
+        <p:sp>
+          <p:nvSpPr>
+            <p:cNvPr id="18" name="Freeform 18">
+              <a:extLst>
+                <a:ext uri="{FF2B5EF4-FFF2-40B4-BE49-F238E27FC236}">
+                  <a16:creationId xmlns:a16="http://schemas.microsoft.com/office/drawing/2014/main" id="{F0090AAC-2144-E332-3233-E6E301414767}"/>
+                </a:ext>
+              </a:extLst>
+            </p:cNvPr>
+            <p:cNvSpPr/>
+            <p:nvPr/>
+          </p:nvSpPr>
+          <p:spPr>
+            <a:xfrm>
+              <a:off x="9194248" y="202855"/>
+              <a:ext cx="4149650" cy="4149650"/>
+            </a:xfrm>
+            <a:custGeom>
+              <a:avLst/>
+              <a:gdLst/>
+              <a:ahLst/>
+              <a:cxnLst/>
+              <a:rect l="l" t="t" r="r" b="b"/>
+              <a:pathLst>
+                <a:path w="4149650" h="4149650">
+                  <a:moveTo>
+                    <a:pt x="0" y="0"/>
+                  </a:moveTo>
+                  <a:lnTo>
+                    <a:pt x="4149650" y="0"/>
+                  </a:lnTo>
+                  <a:lnTo>
+                    <a:pt x="4149650" y="4149651"/>
+                  </a:lnTo>
+                  <a:lnTo>
+                    <a:pt x="0" y="4149651"/>
+                  </a:lnTo>
+                  <a:lnTo>
+                    <a:pt x="0" y="0"/>
+                  </a:lnTo>
+                  <a:close/>
+                </a:path>
+              </a:pathLst>
+            </a:custGeom>
+            <a:blipFill>
+              <a:blip r:embed="rId2">
+                <a:extLst>
+                  <a:ext uri="{96DAC541-7B7A-43D3-8B79-37D633B846F1}">
+                    <asvg:svgBlip xmlns:asvg="http://schemas.microsoft.com/office/drawing/2016/SVG/main" r:embed="rId3"/>
+                  </a:ext>
+                </a:extLst>
+              </a:blip>
+              <a:stretch>
+                <a:fillRect/>
+              </a:stretch>
+            </a:blipFill>
+          </p:spPr>
+          <p:txBody>
+            <a:bodyPr/>
+            <a:lstStyle>
+              <a:defPPr>
+                <a:defRPr lang="en-US"/>
+              </a:defPPr>
+              <a:lvl1pPr marL="0" algn="l" defTabSz="609539" rtl="0" eaLnBrk="1" latinLnBrk="0" hangingPunct="1">
+                <a:defRPr sz="1200" kern="1200">
+                  <a:solidFill>
+                    <a:schemeClr val="tx1"/>
+                  </a:solidFill>
+                  <a:latin typeface="+mn-lt"/>
+                  <a:ea typeface="+mn-ea"/>
+                  <a:cs typeface="+mn-cs"/>
+                </a:defRPr>
+              </a:lvl1pPr>
+              <a:lvl2pPr marL="304770" algn="l" defTabSz="609539" rtl="0" eaLnBrk="1" latinLnBrk="0" hangingPunct="1">
+                <a:defRPr sz="1200" kern="1200">
+                  <a:solidFill>
+                    <a:schemeClr val="tx1"/>
+                  </a:solidFill>
+                  <a:latin typeface="+mn-lt"/>
+                  <a:ea typeface="+mn-ea"/>
+                  <a:cs typeface="+mn-cs"/>
+                </a:defRPr>
+              </a:lvl2pPr>
+              <a:lvl3pPr marL="609539" algn="l" defTabSz="609539" rtl="0" eaLnBrk="1" latinLnBrk="0" hangingPunct="1">
+                <a:defRPr sz="1200" kern="1200">
+                  <a:solidFill>
+                    <a:schemeClr val="tx1"/>
+                  </a:solidFill>
+                  <a:latin typeface="+mn-lt"/>
+                  <a:ea typeface="+mn-ea"/>
+                  <a:cs typeface="+mn-cs"/>
+                </a:defRPr>
+              </a:lvl3pPr>
+              <a:lvl4pPr marL="914309" algn="l" defTabSz="609539" rtl="0" eaLnBrk="1" latinLnBrk="0" hangingPunct="1">
+                <a:defRPr sz="1200" kern="1200">
+                  <a:solidFill>
+                    <a:schemeClr val="tx1"/>
+                  </a:solidFill>
+                  <a:latin typeface="+mn-lt"/>
+                  <a:ea typeface="+mn-ea"/>
+                  <a:cs typeface="+mn-cs"/>
+                </a:defRPr>
+              </a:lvl4pPr>
+              <a:lvl5pPr marL="1219078" algn="l" defTabSz="609539" rtl="0" eaLnBrk="1" latinLnBrk="0" hangingPunct="1">
+                <a:defRPr sz="1200" kern="1200">
+                  <a:solidFill>
+                    <a:schemeClr val="tx1"/>
+                  </a:solidFill>
+                  <a:latin typeface="+mn-lt"/>
+                  <a:ea typeface="+mn-ea"/>
+                  <a:cs typeface="+mn-cs"/>
+                </a:defRPr>
+              </a:lvl5pPr>
+              <a:lvl6pPr marL="1523848" algn="l" defTabSz="609539" rtl="0" eaLnBrk="1" latinLnBrk="0" hangingPunct="1">
+                <a:defRPr sz="1200" kern="1200">
+                  <a:solidFill>
+                    <a:schemeClr val="tx1"/>
+                  </a:solidFill>
+                  <a:latin typeface="+mn-lt"/>
+                  <a:ea typeface="+mn-ea"/>
+                  <a:cs typeface="+mn-cs"/>
+                </a:defRPr>
+              </a:lvl6pPr>
+              <a:lvl7pPr marL="1828617" algn="l" defTabSz="609539" rtl="0" eaLnBrk="1" latinLnBrk="0" hangingPunct="1">
+                <a:defRPr sz="1200" kern="1200">
+                  <a:solidFill>
+                    <a:schemeClr val="tx1"/>
+                  </a:solidFill>
+                  <a:latin typeface="+mn-lt"/>
+                  <a:ea typeface="+mn-ea"/>
+                  <a:cs typeface="+mn-cs"/>
+                </a:defRPr>
+              </a:lvl7pPr>
+              <a:lvl8pPr marL="2133387" algn="l" defTabSz="609539" rtl="0" eaLnBrk="1" latinLnBrk="0" hangingPunct="1">
+                <a:defRPr sz="1200" kern="1200">
+                  <a:solidFill>
+                    <a:schemeClr val="tx1"/>
+                  </a:solidFill>
+                  <a:latin typeface="+mn-lt"/>
+                  <a:ea typeface="+mn-ea"/>
+                  <a:cs typeface="+mn-cs"/>
+                </a:defRPr>
+              </a:lvl8pPr>
+              <a:lvl9pPr marL="2438156" algn="l" defTabSz="609539" rtl="0" eaLnBrk="1" latinLnBrk="0" hangingPunct="1">
+                <a:defRPr sz="1200" kern="1200">
+                  <a:solidFill>
+                    <a:schemeClr val="tx1"/>
+                  </a:solidFill>
+                  <a:latin typeface="+mn-lt"/>
+                  <a:ea typeface="+mn-ea"/>
+                  <a:cs typeface="+mn-cs"/>
+                </a:defRPr>
+              </a:lvl9pPr>
+            </a:lstStyle>
+            <a:p>
+              <a:endParaRPr lang="ro-RO" sz="800"/>
+            </a:p>
+          </p:txBody>
+        </p:sp>
+        <p:sp>
+          <p:nvSpPr>
+            <p:cNvPr id="19" name="Freeform 19">
+              <a:extLst>
+                <a:ext uri="{FF2B5EF4-FFF2-40B4-BE49-F238E27FC236}">
+                  <a16:creationId xmlns:a16="http://schemas.microsoft.com/office/drawing/2014/main" id="{8C793520-AD86-F2B5-F6DA-873F85829459}"/>
+                </a:ext>
+              </a:extLst>
+            </p:cNvPr>
+            <p:cNvSpPr/>
+            <p:nvPr/>
+          </p:nvSpPr>
+          <p:spPr>
+            <a:xfrm>
+              <a:off x="13794345" y="1064427"/>
+              <a:ext cx="4149650" cy="3288079"/>
+            </a:xfrm>
+            <a:custGeom>
+              <a:avLst/>
+              <a:gdLst/>
+              <a:ahLst/>
+              <a:cxnLst/>
+              <a:rect l="l" t="t" r="r" b="b"/>
+              <a:pathLst>
+                <a:path w="4149650" h="3288079">
+                  <a:moveTo>
+                    <a:pt x="0" y="0"/>
+                  </a:moveTo>
+                  <a:lnTo>
+                    <a:pt x="4149650" y="0"/>
+                  </a:lnTo>
+                  <a:lnTo>
+                    <a:pt x="4149650" y="3288079"/>
+                  </a:lnTo>
+                  <a:lnTo>
+                    <a:pt x="0" y="3288079"/>
+                  </a:lnTo>
+                  <a:lnTo>
+                    <a:pt x="0" y="0"/>
+                  </a:lnTo>
+                  <a:close/>
+                </a:path>
+              </a:pathLst>
+            </a:custGeom>
+            <a:blipFill>
+              <a:blip r:embed="rId2">
+                <a:extLst>
+                  <a:ext uri="{96DAC541-7B7A-43D3-8B79-37D633B846F1}">
+                    <asvg:svgBlip xmlns:asvg="http://schemas.microsoft.com/office/drawing/2016/SVG/main" r:embed="rId3"/>
+                  </a:ext>
+                </a:extLst>
+              </a:blip>
+              <a:stretch>
+                <a:fillRect b="-26202"/>
+              </a:stretch>
+            </a:blipFill>
+          </p:spPr>
+          <p:txBody>
+            <a:bodyPr/>
+            <a:lstStyle>
+              <a:defPPr>
+                <a:defRPr lang="en-US"/>
+              </a:defPPr>
+              <a:lvl1pPr marL="0" algn="l" defTabSz="609539" rtl="0" eaLnBrk="1" latinLnBrk="0" hangingPunct="1">
+                <a:defRPr sz="1200" kern="1200">
+                  <a:solidFill>
+                    <a:schemeClr val="tx1"/>
+                  </a:solidFill>
+                  <a:latin typeface="+mn-lt"/>
+                  <a:ea typeface="+mn-ea"/>
+                  <a:cs typeface="+mn-cs"/>
+                </a:defRPr>
+              </a:lvl1pPr>
+              <a:lvl2pPr marL="304770" algn="l" defTabSz="609539" rtl="0" eaLnBrk="1" latinLnBrk="0" hangingPunct="1">
+                <a:defRPr sz="1200" kern="1200">
+                  <a:solidFill>
+                    <a:schemeClr val="tx1"/>
+                  </a:solidFill>
+                  <a:latin typeface="+mn-lt"/>
+                  <a:ea typeface="+mn-ea"/>
+                  <a:cs typeface="+mn-cs"/>
+                </a:defRPr>
+              </a:lvl2pPr>
+              <a:lvl3pPr marL="609539" algn="l" defTabSz="609539" rtl="0" eaLnBrk="1" latinLnBrk="0" hangingPunct="1">
+                <a:defRPr sz="1200" kern="1200">
+                  <a:solidFill>
+                    <a:schemeClr val="tx1"/>
+                  </a:solidFill>
+                  <a:latin typeface="+mn-lt"/>
+                  <a:ea typeface="+mn-ea"/>
+                  <a:cs typeface="+mn-cs"/>
+                </a:defRPr>
+              </a:lvl3pPr>
+              <a:lvl4pPr marL="914309" algn="l" defTabSz="609539" rtl="0" eaLnBrk="1" latinLnBrk="0" hangingPunct="1">
+                <a:defRPr sz="1200" kern="1200">
+                  <a:solidFill>
+                    <a:schemeClr val="tx1"/>
+                  </a:solidFill>
+                  <a:latin typeface="+mn-lt"/>
+                  <a:ea typeface="+mn-ea"/>
+                  <a:cs typeface="+mn-cs"/>
+                </a:defRPr>
+              </a:lvl4pPr>
+              <a:lvl5pPr marL="1219078" algn="l" defTabSz="609539" rtl="0" eaLnBrk="1" latinLnBrk="0" hangingPunct="1">
+                <a:defRPr sz="1200" kern="1200">
+                  <a:solidFill>
+                    <a:schemeClr val="tx1"/>
+                  </a:solidFill>
+                  <a:latin typeface="+mn-lt"/>
+                  <a:ea typeface="+mn-ea"/>
+                  <a:cs typeface="+mn-cs"/>
+                </a:defRPr>
+              </a:lvl5pPr>
+              <a:lvl6pPr marL="1523848" algn="l" defTabSz="609539" rtl="0" eaLnBrk="1" latinLnBrk="0" hangingPunct="1">
+                <a:defRPr sz="1200" kern="1200">
+                  <a:solidFill>
+                    <a:schemeClr val="tx1"/>
+                  </a:solidFill>
+                  <a:latin typeface="+mn-lt"/>
+                  <a:ea typeface="+mn-ea"/>
+                  <a:cs typeface="+mn-cs"/>
+                </a:defRPr>
+              </a:lvl6pPr>
+              <a:lvl7pPr marL="1828617" algn="l" defTabSz="609539" rtl="0" eaLnBrk="1" latinLnBrk="0" hangingPunct="1">
+                <a:defRPr sz="1200" kern="1200">
+                  <a:solidFill>
+                    <a:schemeClr val="tx1"/>
+                  </a:solidFill>
+                  <a:latin typeface="+mn-lt"/>
+                  <a:ea typeface="+mn-ea"/>
+                  <a:cs typeface="+mn-cs"/>
+                </a:defRPr>
+              </a:lvl7pPr>
+              <a:lvl8pPr marL="2133387" algn="l" defTabSz="609539" rtl="0" eaLnBrk="1" latinLnBrk="0" hangingPunct="1">
+                <a:defRPr sz="1200" kern="1200">
+                  <a:solidFill>
+                    <a:schemeClr val="tx1"/>
+                  </a:solidFill>
+                  <a:latin typeface="+mn-lt"/>
+                  <a:ea typeface="+mn-ea"/>
+                  <a:cs typeface="+mn-cs"/>
+                </a:defRPr>
+              </a:lvl8pPr>
+              <a:lvl9pPr marL="2438156" algn="l" defTabSz="609539" rtl="0" eaLnBrk="1" latinLnBrk="0" hangingPunct="1">
+                <a:defRPr sz="1200" kern="1200">
+                  <a:solidFill>
+                    <a:schemeClr val="tx1"/>
+                  </a:solidFill>
+                  <a:latin typeface="+mn-lt"/>
+                  <a:ea typeface="+mn-ea"/>
+                  <a:cs typeface="+mn-cs"/>
+                </a:defRPr>
+              </a:lvl9pPr>
+            </a:lstStyle>
+            <a:p>
+              <a:endParaRPr lang="ro-RO" sz="800"/>
+            </a:p>
+          </p:txBody>
+        </p:sp>
+      </p:grpSp>
+      <p:pic>
+        <p:nvPicPr>
+          <p:cNvPr id="2" name="Picture 1" descr="A graph of blue bars&#10;&#10;AI-generated content may be incorrect.">
+            <a:extLst>
+              <a:ext uri="{FF2B5EF4-FFF2-40B4-BE49-F238E27FC236}">
+                <a16:creationId xmlns:a16="http://schemas.microsoft.com/office/drawing/2014/main" id="{A76D93A8-AEDB-307A-7844-69FA8E235BEA}"/>
+              </a:ext>
+            </a:extLst>
+          </p:cNvPr>
+          <p:cNvPicPr>
+            <a:picLocks noChangeAspect="1"/>
+          </p:cNvPicPr>
+          <p:nvPr/>
+        </p:nvPicPr>
+        <p:blipFill>
+          <a:blip r:embed="rId5"/>
+          <a:stretch>
+            <a:fillRect/>
+          </a:stretch>
+        </p:blipFill>
+        <p:spPr>
+          <a:xfrm>
+            <a:off x="4404797" y="1089712"/>
+            <a:ext cx="7377755" cy="4431441"/>
+          </a:xfrm>
+          <a:prstGeom prst="rect">
+            <a:avLst/>
+          </a:prstGeom>
+        </p:spPr>
+      </p:pic>
+      <p:sp>
+        <p:nvSpPr>
+          <p:cNvPr id="4" name="TextBox 20">
+            <a:extLst>
+              <a:ext uri="{FF2B5EF4-FFF2-40B4-BE49-F238E27FC236}">
+                <a16:creationId xmlns:a16="http://schemas.microsoft.com/office/drawing/2014/main" id="{B6BC3A64-854E-10E6-0CDD-60433B22C4AF}"/>
+              </a:ext>
+            </a:extLst>
+          </p:cNvPr>
+          <p:cNvSpPr txBox="1"/>
+          <p:nvPr/>
+        </p:nvSpPr>
+        <p:spPr>
+          <a:xfrm>
+            <a:off x="53165" y="1715397"/>
+            <a:ext cx="4363675" cy="3183115"/>
+          </a:xfrm>
+          <a:prstGeom prst="rect">
+            <a:avLst/>
+          </a:prstGeom>
+        </p:spPr>
+        <p:txBody>
+          <a:bodyPr wrap="square" lIns="0" tIns="0" rIns="0" bIns="0" rtlCol="0" anchor="t">
+            <a:spAutoFit/>
+          </a:bodyPr>
+          <a:lstStyle>
+            <a:defPPr>
+              <a:defRPr lang="en-US"/>
+            </a:defPPr>
+            <a:lvl1pPr marL="0" algn="l" defTabSz="609539" rtl="0" eaLnBrk="1" latinLnBrk="0" hangingPunct="1">
+              <a:defRPr sz="1200" kern="1200">
+                <a:solidFill>
+                  <a:schemeClr val="tx1"/>
+                </a:solidFill>
+                <a:latin typeface="+mn-lt"/>
+                <a:ea typeface="+mn-ea"/>
+                <a:cs typeface="+mn-cs"/>
+              </a:defRPr>
+            </a:lvl1pPr>
+            <a:lvl2pPr marL="304770" algn="l" defTabSz="609539" rtl="0" eaLnBrk="1" latinLnBrk="0" hangingPunct="1">
+              <a:defRPr sz="1200" kern="1200">
+                <a:solidFill>
+                  <a:schemeClr val="tx1"/>
+                </a:solidFill>
+                <a:latin typeface="+mn-lt"/>
+                <a:ea typeface="+mn-ea"/>
+                <a:cs typeface="+mn-cs"/>
+              </a:defRPr>
+            </a:lvl2pPr>
+            <a:lvl3pPr marL="609539" algn="l" defTabSz="609539" rtl="0" eaLnBrk="1" latinLnBrk="0" hangingPunct="1">
+              <a:defRPr sz="1200" kern="1200">
+                <a:solidFill>
+                  <a:schemeClr val="tx1"/>
+                </a:solidFill>
+                <a:latin typeface="+mn-lt"/>
+                <a:ea typeface="+mn-ea"/>
+                <a:cs typeface="+mn-cs"/>
+              </a:defRPr>
+            </a:lvl3pPr>
+            <a:lvl4pPr marL="914309" algn="l" defTabSz="609539" rtl="0" eaLnBrk="1" latinLnBrk="0" hangingPunct="1">
+              <a:defRPr sz="1200" kern="1200">
+                <a:solidFill>
+                  <a:schemeClr val="tx1"/>
+                </a:solidFill>
+                <a:latin typeface="+mn-lt"/>
+                <a:ea typeface="+mn-ea"/>
+                <a:cs typeface="+mn-cs"/>
+              </a:defRPr>
+            </a:lvl4pPr>
+            <a:lvl5pPr marL="1219078" algn="l" defTabSz="609539" rtl="0" eaLnBrk="1" latinLnBrk="0" hangingPunct="1">
+              <a:defRPr sz="1200" kern="1200">
+                <a:solidFill>
+                  <a:schemeClr val="tx1"/>
+                </a:solidFill>
+                <a:latin typeface="+mn-lt"/>
+                <a:ea typeface="+mn-ea"/>
+                <a:cs typeface="+mn-cs"/>
+              </a:defRPr>
+            </a:lvl5pPr>
+            <a:lvl6pPr marL="1523848" algn="l" defTabSz="609539" rtl="0" eaLnBrk="1" latinLnBrk="0" hangingPunct="1">
+              <a:defRPr sz="1200" kern="1200">
+                <a:solidFill>
+                  <a:schemeClr val="tx1"/>
+                </a:solidFill>
+                <a:latin typeface="+mn-lt"/>
+                <a:ea typeface="+mn-ea"/>
+                <a:cs typeface="+mn-cs"/>
+              </a:defRPr>
+            </a:lvl6pPr>
+            <a:lvl7pPr marL="1828617" algn="l" defTabSz="609539" rtl="0" eaLnBrk="1" latinLnBrk="0" hangingPunct="1">
+              <a:defRPr sz="1200" kern="1200">
+                <a:solidFill>
+                  <a:schemeClr val="tx1"/>
+                </a:solidFill>
+                <a:latin typeface="+mn-lt"/>
+                <a:ea typeface="+mn-ea"/>
+                <a:cs typeface="+mn-cs"/>
+              </a:defRPr>
+            </a:lvl7pPr>
+            <a:lvl8pPr marL="2133387" algn="l" defTabSz="609539" rtl="0" eaLnBrk="1" latinLnBrk="0" hangingPunct="1">
+              <a:defRPr sz="1200" kern="1200">
+                <a:solidFill>
+                  <a:schemeClr val="tx1"/>
+                </a:solidFill>
+                <a:latin typeface="+mn-lt"/>
+                <a:ea typeface="+mn-ea"/>
+                <a:cs typeface="+mn-cs"/>
+              </a:defRPr>
+            </a:lvl8pPr>
+            <a:lvl9pPr marL="2438156" algn="l" defTabSz="609539" rtl="0" eaLnBrk="1" latinLnBrk="0" hangingPunct="1">
+              <a:defRPr sz="1200" kern="1200">
+                <a:solidFill>
+                  <a:schemeClr val="tx1"/>
+                </a:solidFill>
+                <a:latin typeface="+mn-lt"/>
+                <a:ea typeface="+mn-ea"/>
+                <a:cs typeface="+mn-cs"/>
+              </a:defRPr>
+            </a:lvl9pPr>
+          </a:lstStyle>
+          <a:p>
+            <a:pPr algn="ctr">
+              <a:lnSpc>
+                <a:spcPts val="6417"/>
+              </a:lnSpc>
+              <a:spcBef>
+                <a:spcPct val="0"/>
+              </a:spcBef>
+            </a:pPr>
+            <a:r>
+              <a:rPr lang="en-US" sz="3000" b="1" dirty="0" err="1">
+                <a:latin typeface="Now Bold"/>
+                <a:sym typeface="Now Bold"/>
+              </a:rPr>
+              <a:t>Timpul</a:t>
+            </a:r>
+            <a:r>
+              <a:rPr lang="en-US" sz="3000" b="1" dirty="0">
+                <a:latin typeface="Now Bold"/>
+                <a:sym typeface="Now Bold"/>
+              </a:rPr>
+              <a:t> </a:t>
+            </a:r>
+            <a:r>
+              <a:rPr lang="en-US" sz="3000" b="1" dirty="0" err="1">
+                <a:latin typeface="Now Bold"/>
+                <a:sym typeface="Now Bold"/>
+              </a:rPr>
+              <a:t>mediu</a:t>
+            </a:r>
+            <a:r>
+              <a:rPr lang="en-US" sz="3000" b="1" dirty="0">
+                <a:latin typeface="Now Bold"/>
+                <a:sym typeface="Now Bold"/>
+              </a:rPr>
+              <a:t> </a:t>
+            </a:r>
+            <a:r>
+              <a:rPr lang="en-US" sz="3000" b="1" dirty="0" err="1">
+                <a:latin typeface="Now Bold"/>
+                <a:sym typeface="Now Bold"/>
+              </a:rPr>
+              <a:t>petrecut</a:t>
+            </a:r>
+            <a:r>
+              <a:rPr lang="en-US" sz="3000" b="1" dirty="0">
+                <a:latin typeface="Now Bold"/>
+                <a:sym typeface="Now Bold"/>
+              </a:rPr>
+              <a:t> de </a:t>
+            </a:r>
+            <a:r>
+              <a:rPr lang="en-US" sz="3000" b="1" dirty="0" err="1">
+                <a:latin typeface="Now Bold"/>
+                <a:sym typeface="Now Bold"/>
+              </a:rPr>
+              <a:t>utilizatori</a:t>
+            </a:r>
+            <a:r>
+              <a:rPr lang="en-US" sz="3000" b="1" dirty="0">
+                <a:latin typeface="Now Bold"/>
+                <a:sym typeface="Now Bold"/>
+              </a:rPr>
+              <a:t> pe </a:t>
+            </a:r>
+            <a:r>
+              <a:rPr lang="en-US" sz="3000" b="1" dirty="0" err="1">
+                <a:latin typeface="Now Bold"/>
+                <a:sym typeface="Now Bold"/>
+              </a:rPr>
+              <a:t>platforme</a:t>
+            </a:r>
+            <a:r>
+              <a:rPr lang="en-US" sz="3000" b="1" dirty="0">
+                <a:latin typeface="Now Bold"/>
+                <a:sym typeface="Now Bold"/>
+              </a:rPr>
+              <a:t> </a:t>
+            </a:r>
+            <a:r>
+              <a:rPr lang="en-US" sz="3000" b="1" dirty="0" err="1">
+                <a:latin typeface="Now Bold"/>
+                <a:sym typeface="Now Bold"/>
+              </a:rPr>
+              <a:t>sociale</a:t>
+            </a:r>
+            <a:r>
+              <a:rPr lang="en-US" sz="3000" b="1" dirty="0">
+                <a:latin typeface="Now Bold"/>
+                <a:sym typeface="Now Bold"/>
+              </a:rPr>
+              <a:t> in SUA in </a:t>
+            </a:r>
+            <a:r>
+              <a:rPr lang="en-US" sz="3000" b="1" dirty="0" err="1">
+                <a:latin typeface="Now Bold"/>
+                <a:sym typeface="Now Bold"/>
+              </a:rPr>
+              <a:t>perioada</a:t>
+            </a:r>
+            <a:r>
+              <a:rPr lang="en-US" sz="3000" b="1" dirty="0">
+                <a:latin typeface="Now Bold"/>
+                <a:sym typeface="Now Bold"/>
+              </a:rPr>
+              <a:t> 2018-2022 (minute)</a:t>
+            </a:r>
+            <a:endParaRPr lang="en-US" sz="3000" dirty="0"/>
+          </a:p>
+        </p:txBody>
+      </p:sp>
+    </p:spTree>
+    <p:extLst>
+      <p:ext uri="{BB962C8B-B14F-4D97-AF65-F5344CB8AC3E}">
+        <p14:creationId xmlns:p14="http://schemas.microsoft.com/office/powerpoint/2010/main" val="394750000"/>
+      </p:ext>
+    </p:extLst>
+  </p:cSld>
+  <p:clrMapOvr>
+    <a:masterClrMapping/>
+  </p:clrMapOvr>
+</p:sld>
+</file>
+
+<file path=ppt/slides/slide13.xml><?xml version="1.0" encoding="utf-8"?>
+<p:sld xmlns:a="http://schemas.openxmlformats.org/drawingml/2006/main" xmlns:r="http://schemas.openxmlformats.org/officeDocument/2006/relationships" xmlns:p="http://schemas.openxmlformats.org/presentationml/2006/main">
+  <p:cSld>
+    <p:spTree>
+      <p:nvGrpSpPr>
+        <p:cNvPr id="1" name="">
+          <a:extLst>
+            <a:ext uri="{FF2B5EF4-FFF2-40B4-BE49-F238E27FC236}">
+              <a16:creationId xmlns:a16="http://schemas.microsoft.com/office/drawing/2014/main" id="{EDA7F462-451D-CEB8-B28F-8AE6CA822FBA}"/>
+            </a:ext>
+          </a:extLst>
+        </p:cNvPr>
+        <p:cNvGrpSpPr/>
+        <p:nvPr/>
+      </p:nvGrpSpPr>
+      <p:grpSpPr>
+        <a:xfrm>
+          <a:off x="0" y="0"/>
+          <a:ext cx="0" cy="0"/>
+          <a:chOff x="0" y="0"/>
+          <a:chExt cx="0" cy="0"/>
+        </a:xfrm>
+      </p:grpSpPr>
+      <p:grpSp>
+        <p:nvGrpSpPr>
+          <p:cNvPr id="6" name="Group 6">
+            <a:extLst>
+              <a:ext uri="{FF2B5EF4-FFF2-40B4-BE49-F238E27FC236}">
+                <a16:creationId xmlns:a16="http://schemas.microsoft.com/office/drawing/2014/main" id="{2F4FD52C-09AD-C593-4F27-F9557304D44E}"/>
+              </a:ext>
+            </a:extLst>
+          </p:cNvPr>
+          <p:cNvGrpSpPr/>
+          <p:nvPr/>
+        </p:nvGrpSpPr>
+        <p:grpSpPr>
+          <a:xfrm rot="10800000">
+            <a:off x="54105" y="6172199"/>
+            <a:ext cx="8971999" cy="2176254"/>
+            <a:chOff x="0" y="0"/>
+            <a:chExt cx="17943995" cy="4352506"/>
+          </a:xfrm>
+        </p:grpSpPr>
+        <p:sp>
+          <p:nvSpPr>
+            <p:cNvPr id="7" name="Freeform 7">
+              <a:extLst>
+                <a:ext uri="{FF2B5EF4-FFF2-40B4-BE49-F238E27FC236}">
+                  <a16:creationId xmlns:a16="http://schemas.microsoft.com/office/drawing/2014/main" id="{7BCB4107-CD56-B1F0-A09D-76118599DDD6}"/>
+                </a:ext>
+              </a:extLst>
+            </p:cNvPr>
+            <p:cNvSpPr/>
+            <p:nvPr/>
+          </p:nvSpPr>
+          <p:spPr>
+            <a:xfrm>
+              <a:off x="0" y="0"/>
+              <a:ext cx="4149650" cy="4149650"/>
+            </a:xfrm>
+            <a:custGeom>
+              <a:avLst/>
+              <a:gdLst/>
+              <a:ahLst/>
+              <a:cxnLst/>
+              <a:rect l="l" t="t" r="r" b="b"/>
+              <a:pathLst>
+                <a:path w="4149650" h="4149650">
+                  <a:moveTo>
+                    <a:pt x="0" y="0"/>
+                  </a:moveTo>
+                  <a:lnTo>
+                    <a:pt x="4149650" y="0"/>
+                  </a:lnTo>
+                  <a:lnTo>
+                    <a:pt x="4149650" y="4149650"/>
+                  </a:lnTo>
+                  <a:lnTo>
+                    <a:pt x="0" y="4149650"/>
+                  </a:lnTo>
+                  <a:lnTo>
+                    <a:pt x="0" y="0"/>
+                  </a:lnTo>
+                  <a:close/>
+                </a:path>
+              </a:pathLst>
+            </a:custGeom>
+            <a:blipFill>
+              <a:blip r:embed="rId2">
+                <a:extLst>
+                  <a:ext uri="{96DAC541-7B7A-43D3-8B79-37D633B846F1}">
+                    <asvg:svgBlip xmlns:asvg="http://schemas.microsoft.com/office/drawing/2016/SVG/main" r:embed="rId3"/>
+                  </a:ext>
+                </a:extLst>
+              </a:blip>
+              <a:stretch>
+                <a:fillRect/>
+              </a:stretch>
+            </a:blipFill>
+          </p:spPr>
+          <p:txBody>
+            <a:bodyPr/>
+            <a:lstStyle>
+              <a:defPPr>
+                <a:defRPr lang="en-US"/>
+              </a:defPPr>
+              <a:lvl1pPr marL="0" algn="l" defTabSz="609539" rtl="0" eaLnBrk="1" latinLnBrk="0" hangingPunct="1">
+                <a:defRPr sz="1200" kern="1200">
+                  <a:solidFill>
+                    <a:schemeClr val="tx1"/>
+                  </a:solidFill>
+                  <a:latin typeface="+mn-lt"/>
+                  <a:ea typeface="+mn-ea"/>
+                  <a:cs typeface="+mn-cs"/>
+                </a:defRPr>
+              </a:lvl1pPr>
+              <a:lvl2pPr marL="304770" algn="l" defTabSz="609539" rtl="0" eaLnBrk="1" latinLnBrk="0" hangingPunct="1">
+                <a:defRPr sz="1200" kern="1200">
+                  <a:solidFill>
+                    <a:schemeClr val="tx1"/>
+                  </a:solidFill>
+                  <a:latin typeface="+mn-lt"/>
+                  <a:ea typeface="+mn-ea"/>
+                  <a:cs typeface="+mn-cs"/>
+                </a:defRPr>
+              </a:lvl2pPr>
+              <a:lvl3pPr marL="609539" algn="l" defTabSz="609539" rtl="0" eaLnBrk="1" latinLnBrk="0" hangingPunct="1">
+                <a:defRPr sz="1200" kern="1200">
+                  <a:solidFill>
+                    <a:schemeClr val="tx1"/>
+                  </a:solidFill>
+                  <a:latin typeface="+mn-lt"/>
+                  <a:ea typeface="+mn-ea"/>
+                  <a:cs typeface="+mn-cs"/>
+                </a:defRPr>
+              </a:lvl3pPr>
+              <a:lvl4pPr marL="914309" algn="l" defTabSz="609539" rtl="0" eaLnBrk="1" latinLnBrk="0" hangingPunct="1">
+                <a:defRPr sz="1200" kern="1200">
+                  <a:solidFill>
+                    <a:schemeClr val="tx1"/>
+                  </a:solidFill>
+                  <a:latin typeface="+mn-lt"/>
+                  <a:ea typeface="+mn-ea"/>
+                  <a:cs typeface="+mn-cs"/>
+                </a:defRPr>
+              </a:lvl4pPr>
+              <a:lvl5pPr marL="1219078" algn="l" defTabSz="609539" rtl="0" eaLnBrk="1" latinLnBrk="0" hangingPunct="1">
+                <a:defRPr sz="1200" kern="1200">
+                  <a:solidFill>
+                    <a:schemeClr val="tx1"/>
+                  </a:solidFill>
+                  <a:latin typeface="+mn-lt"/>
+                  <a:ea typeface="+mn-ea"/>
+                  <a:cs typeface="+mn-cs"/>
+                </a:defRPr>
+              </a:lvl5pPr>
+              <a:lvl6pPr marL="1523848" algn="l" defTabSz="609539" rtl="0" eaLnBrk="1" latinLnBrk="0" hangingPunct="1">
+                <a:defRPr sz="1200" kern="1200">
+                  <a:solidFill>
+                    <a:schemeClr val="tx1"/>
+                  </a:solidFill>
+                  <a:latin typeface="+mn-lt"/>
+                  <a:ea typeface="+mn-ea"/>
+                  <a:cs typeface="+mn-cs"/>
+                </a:defRPr>
+              </a:lvl6pPr>
+              <a:lvl7pPr marL="1828617" algn="l" defTabSz="609539" rtl="0" eaLnBrk="1" latinLnBrk="0" hangingPunct="1">
+                <a:defRPr sz="1200" kern="1200">
+                  <a:solidFill>
+                    <a:schemeClr val="tx1"/>
+                  </a:solidFill>
+                  <a:latin typeface="+mn-lt"/>
+                  <a:ea typeface="+mn-ea"/>
+                  <a:cs typeface="+mn-cs"/>
+                </a:defRPr>
+              </a:lvl7pPr>
+              <a:lvl8pPr marL="2133387" algn="l" defTabSz="609539" rtl="0" eaLnBrk="1" latinLnBrk="0" hangingPunct="1">
+                <a:defRPr sz="1200" kern="1200">
+                  <a:solidFill>
+                    <a:schemeClr val="tx1"/>
+                  </a:solidFill>
+                  <a:latin typeface="+mn-lt"/>
+                  <a:ea typeface="+mn-ea"/>
+                  <a:cs typeface="+mn-cs"/>
+                </a:defRPr>
+              </a:lvl8pPr>
+              <a:lvl9pPr marL="2438156" algn="l" defTabSz="609539" rtl="0" eaLnBrk="1" latinLnBrk="0" hangingPunct="1">
+                <a:defRPr sz="1200" kern="1200">
+                  <a:solidFill>
+                    <a:schemeClr val="tx1"/>
+                  </a:solidFill>
+                  <a:latin typeface="+mn-lt"/>
+                  <a:ea typeface="+mn-ea"/>
+                  <a:cs typeface="+mn-cs"/>
+                </a:defRPr>
+              </a:lvl9pPr>
+            </a:lstStyle>
+            <a:p>
+              <a:endParaRPr lang="ro-RO" sz="800"/>
+            </a:p>
+          </p:txBody>
+        </p:sp>
+        <p:sp>
+          <p:nvSpPr>
+            <p:cNvPr id="8" name="Freeform 8">
+              <a:extLst>
+                <a:ext uri="{FF2B5EF4-FFF2-40B4-BE49-F238E27FC236}">
+                  <a16:creationId xmlns:a16="http://schemas.microsoft.com/office/drawing/2014/main" id="{521BDC02-FDF1-46D8-AF49-952005DD55D4}"/>
+                </a:ext>
+              </a:extLst>
+            </p:cNvPr>
+            <p:cNvSpPr/>
+            <p:nvPr/>
+          </p:nvSpPr>
+          <p:spPr>
+            <a:xfrm>
+              <a:off x="4600097" y="861572"/>
+              <a:ext cx="4149650" cy="3288079"/>
+            </a:xfrm>
+            <a:custGeom>
+              <a:avLst/>
+              <a:gdLst/>
+              <a:ahLst/>
+              <a:cxnLst/>
+              <a:rect l="l" t="t" r="r" b="b"/>
+              <a:pathLst>
+                <a:path w="4149650" h="3288079">
+                  <a:moveTo>
+                    <a:pt x="0" y="0"/>
+                  </a:moveTo>
+                  <a:lnTo>
+                    <a:pt x="4149651" y="0"/>
+                  </a:lnTo>
+                  <a:lnTo>
+                    <a:pt x="4149651" y="3288078"/>
+                  </a:lnTo>
+                  <a:lnTo>
+                    <a:pt x="0" y="3288078"/>
+                  </a:lnTo>
+                  <a:lnTo>
+                    <a:pt x="0" y="0"/>
+                  </a:lnTo>
+                  <a:close/>
+                </a:path>
+              </a:pathLst>
+            </a:custGeom>
+            <a:blipFill>
+              <a:blip r:embed="rId2">
+                <a:extLst>
+                  <a:ext uri="{96DAC541-7B7A-43D3-8B79-37D633B846F1}">
+                    <asvg:svgBlip xmlns:asvg="http://schemas.microsoft.com/office/drawing/2016/SVG/main" r:embed="rId3"/>
+                  </a:ext>
+                </a:extLst>
+              </a:blip>
+              <a:stretch>
+                <a:fillRect b="-26202"/>
+              </a:stretch>
+            </a:blipFill>
+          </p:spPr>
+          <p:txBody>
+            <a:bodyPr/>
+            <a:lstStyle>
+              <a:defPPr>
+                <a:defRPr lang="en-US"/>
+              </a:defPPr>
+              <a:lvl1pPr marL="0" algn="l" defTabSz="609539" rtl="0" eaLnBrk="1" latinLnBrk="0" hangingPunct="1">
+                <a:defRPr sz="1200" kern="1200">
+                  <a:solidFill>
+                    <a:schemeClr val="tx1"/>
+                  </a:solidFill>
+                  <a:latin typeface="+mn-lt"/>
+                  <a:ea typeface="+mn-ea"/>
+                  <a:cs typeface="+mn-cs"/>
+                </a:defRPr>
+              </a:lvl1pPr>
+              <a:lvl2pPr marL="304770" algn="l" defTabSz="609539" rtl="0" eaLnBrk="1" latinLnBrk="0" hangingPunct="1">
+                <a:defRPr sz="1200" kern="1200">
+                  <a:solidFill>
+                    <a:schemeClr val="tx1"/>
+                  </a:solidFill>
+                  <a:latin typeface="+mn-lt"/>
+                  <a:ea typeface="+mn-ea"/>
+                  <a:cs typeface="+mn-cs"/>
+                </a:defRPr>
+              </a:lvl2pPr>
+              <a:lvl3pPr marL="609539" algn="l" defTabSz="609539" rtl="0" eaLnBrk="1" latinLnBrk="0" hangingPunct="1">
+                <a:defRPr sz="1200" kern="1200">
+                  <a:solidFill>
+                    <a:schemeClr val="tx1"/>
+                  </a:solidFill>
+                  <a:latin typeface="+mn-lt"/>
+                  <a:ea typeface="+mn-ea"/>
+                  <a:cs typeface="+mn-cs"/>
+                </a:defRPr>
+              </a:lvl3pPr>
+              <a:lvl4pPr marL="914309" algn="l" defTabSz="609539" rtl="0" eaLnBrk="1" latinLnBrk="0" hangingPunct="1">
+                <a:defRPr sz="1200" kern="1200">
+                  <a:solidFill>
+                    <a:schemeClr val="tx1"/>
+                  </a:solidFill>
+                  <a:latin typeface="+mn-lt"/>
+                  <a:ea typeface="+mn-ea"/>
+                  <a:cs typeface="+mn-cs"/>
+                </a:defRPr>
+              </a:lvl4pPr>
+              <a:lvl5pPr marL="1219078" algn="l" defTabSz="609539" rtl="0" eaLnBrk="1" latinLnBrk="0" hangingPunct="1">
+                <a:defRPr sz="1200" kern="1200">
+                  <a:solidFill>
+                    <a:schemeClr val="tx1"/>
+                  </a:solidFill>
+                  <a:latin typeface="+mn-lt"/>
+                  <a:ea typeface="+mn-ea"/>
+                  <a:cs typeface="+mn-cs"/>
+                </a:defRPr>
+              </a:lvl5pPr>
+              <a:lvl6pPr marL="1523848" algn="l" defTabSz="609539" rtl="0" eaLnBrk="1" latinLnBrk="0" hangingPunct="1">
+                <a:defRPr sz="1200" kern="1200">
+                  <a:solidFill>
+                    <a:schemeClr val="tx1"/>
+                  </a:solidFill>
+                  <a:latin typeface="+mn-lt"/>
+                  <a:ea typeface="+mn-ea"/>
+                  <a:cs typeface="+mn-cs"/>
+                </a:defRPr>
+              </a:lvl6pPr>
+              <a:lvl7pPr marL="1828617" algn="l" defTabSz="609539" rtl="0" eaLnBrk="1" latinLnBrk="0" hangingPunct="1">
+                <a:defRPr sz="1200" kern="1200">
+                  <a:solidFill>
+                    <a:schemeClr val="tx1"/>
+                  </a:solidFill>
+                  <a:latin typeface="+mn-lt"/>
+                  <a:ea typeface="+mn-ea"/>
+                  <a:cs typeface="+mn-cs"/>
+                </a:defRPr>
+              </a:lvl7pPr>
+              <a:lvl8pPr marL="2133387" algn="l" defTabSz="609539" rtl="0" eaLnBrk="1" latinLnBrk="0" hangingPunct="1">
+                <a:defRPr sz="1200" kern="1200">
+                  <a:solidFill>
+                    <a:schemeClr val="tx1"/>
+                  </a:solidFill>
+                  <a:latin typeface="+mn-lt"/>
+                  <a:ea typeface="+mn-ea"/>
+                  <a:cs typeface="+mn-cs"/>
+                </a:defRPr>
+              </a:lvl8pPr>
+              <a:lvl9pPr marL="2438156" algn="l" defTabSz="609539" rtl="0" eaLnBrk="1" latinLnBrk="0" hangingPunct="1">
+                <a:defRPr sz="1200" kern="1200">
+                  <a:solidFill>
+                    <a:schemeClr val="tx1"/>
+                  </a:solidFill>
+                  <a:latin typeface="+mn-lt"/>
+                  <a:ea typeface="+mn-ea"/>
+                  <a:cs typeface="+mn-cs"/>
+                </a:defRPr>
+              </a:lvl9pPr>
+            </a:lstStyle>
+            <a:p>
+              <a:endParaRPr lang="ro-RO" sz="800"/>
+            </a:p>
+          </p:txBody>
+        </p:sp>
+        <p:sp>
+          <p:nvSpPr>
+            <p:cNvPr id="9" name="Freeform 9">
+              <a:extLst>
+                <a:ext uri="{FF2B5EF4-FFF2-40B4-BE49-F238E27FC236}">
+                  <a16:creationId xmlns:a16="http://schemas.microsoft.com/office/drawing/2014/main" id="{1CF98F60-A019-EBBA-3A5C-E2F579974980}"/>
+                </a:ext>
+              </a:extLst>
+            </p:cNvPr>
+            <p:cNvSpPr/>
+            <p:nvPr/>
+          </p:nvSpPr>
+          <p:spPr>
+            <a:xfrm>
+              <a:off x="9194248" y="202855"/>
+              <a:ext cx="4149650" cy="4149650"/>
+            </a:xfrm>
+            <a:custGeom>
+              <a:avLst/>
+              <a:gdLst/>
+              <a:ahLst/>
+              <a:cxnLst/>
+              <a:rect l="l" t="t" r="r" b="b"/>
+              <a:pathLst>
+                <a:path w="4149650" h="4149650">
+                  <a:moveTo>
+                    <a:pt x="0" y="0"/>
+                  </a:moveTo>
+                  <a:lnTo>
+                    <a:pt x="4149650" y="0"/>
+                  </a:lnTo>
+                  <a:lnTo>
+                    <a:pt x="4149650" y="4149651"/>
+                  </a:lnTo>
+                  <a:lnTo>
+                    <a:pt x="0" y="4149651"/>
+                  </a:lnTo>
+                  <a:lnTo>
+                    <a:pt x="0" y="0"/>
+                  </a:lnTo>
+                  <a:close/>
+                </a:path>
+              </a:pathLst>
+            </a:custGeom>
+            <a:blipFill>
+              <a:blip r:embed="rId2">
+                <a:extLst>
+                  <a:ext uri="{96DAC541-7B7A-43D3-8B79-37D633B846F1}">
+                    <asvg:svgBlip xmlns:asvg="http://schemas.microsoft.com/office/drawing/2016/SVG/main" r:embed="rId3"/>
+                  </a:ext>
+                </a:extLst>
+              </a:blip>
+              <a:stretch>
+                <a:fillRect/>
+              </a:stretch>
+            </a:blipFill>
+          </p:spPr>
+          <p:txBody>
+            <a:bodyPr/>
+            <a:lstStyle>
+              <a:defPPr>
+                <a:defRPr lang="en-US"/>
+              </a:defPPr>
+              <a:lvl1pPr marL="0" algn="l" defTabSz="609539" rtl="0" eaLnBrk="1" latinLnBrk="0" hangingPunct="1">
+                <a:defRPr sz="1200" kern="1200">
+                  <a:solidFill>
+                    <a:schemeClr val="tx1"/>
+                  </a:solidFill>
+                  <a:latin typeface="+mn-lt"/>
+                  <a:ea typeface="+mn-ea"/>
+                  <a:cs typeface="+mn-cs"/>
+                </a:defRPr>
+              </a:lvl1pPr>
+              <a:lvl2pPr marL="304770" algn="l" defTabSz="609539" rtl="0" eaLnBrk="1" latinLnBrk="0" hangingPunct="1">
+                <a:defRPr sz="1200" kern="1200">
+                  <a:solidFill>
+                    <a:schemeClr val="tx1"/>
+                  </a:solidFill>
+                  <a:latin typeface="+mn-lt"/>
+                  <a:ea typeface="+mn-ea"/>
+                  <a:cs typeface="+mn-cs"/>
+                </a:defRPr>
+              </a:lvl2pPr>
+              <a:lvl3pPr marL="609539" algn="l" defTabSz="609539" rtl="0" eaLnBrk="1" latinLnBrk="0" hangingPunct="1">
+                <a:defRPr sz="1200" kern="1200">
+                  <a:solidFill>
+                    <a:schemeClr val="tx1"/>
+                  </a:solidFill>
+                  <a:latin typeface="+mn-lt"/>
+                  <a:ea typeface="+mn-ea"/>
+                  <a:cs typeface="+mn-cs"/>
+                </a:defRPr>
+              </a:lvl3pPr>
+              <a:lvl4pPr marL="914309" algn="l" defTabSz="609539" rtl="0" eaLnBrk="1" latinLnBrk="0" hangingPunct="1">
+                <a:defRPr sz="1200" kern="1200">
+                  <a:solidFill>
+                    <a:schemeClr val="tx1"/>
+                  </a:solidFill>
+                  <a:latin typeface="+mn-lt"/>
+                  <a:ea typeface="+mn-ea"/>
+                  <a:cs typeface="+mn-cs"/>
+                </a:defRPr>
+              </a:lvl4pPr>
+              <a:lvl5pPr marL="1219078" algn="l" defTabSz="609539" rtl="0" eaLnBrk="1" latinLnBrk="0" hangingPunct="1">
+                <a:defRPr sz="1200" kern="1200">
+                  <a:solidFill>
+                    <a:schemeClr val="tx1"/>
+                  </a:solidFill>
+                  <a:latin typeface="+mn-lt"/>
+                  <a:ea typeface="+mn-ea"/>
+                  <a:cs typeface="+mn-cs"/>
+                </a:defRPr>
+              </a:lvl5pPr>
+              <a:lvl6pPr marL="1523848" algn="l" defTabSz="609539" rtl="0" eaLnBrk="1" latinLnBrk="0" hangingPunct="1">
+                <a:defRPr sz="1200" kern="1200">
+                  <a:solidFill>
+                    <a:schemeClr val="tx1"/>
+                  </a:solidFill>
+                  <a:latin typeface="+mn-lt"/>
+                  <a:ea typeface="+mn-ea"/>
+                  <a:cs typeface="+mn-cs"/>
+                </a:defRPr>
+              </a:lvl6pPr>
+              <a:lvl7pPr marL="1828617" algn="l" defTabSz="609539" rtl="0" eaLnBrk="1" latinLnBrk="0" hangingPunct="1">
+                <a:defRPr sz="1200" kern="1200">
+                  <a:solidFill>
+                    <a:schemeClr val="tx1"/>
+                  </a:solidFill>
+                  <a:latin typeface="+mn-lt"/>
+                  <a:ea typeface="+mn-ea"/>
+                  <a:cs typeface="+mn-cs"/>
+                </a:defRPr>
+              </a:lvl7pPr>
+              <a:lvl8pPr marL="2133387" algn="l" defTabSz="609539" rtl="0" eaLnBrk="1" latinLnBrk="0" hangingPunct="1">
+                <a:defRPr sz="1200" kern="1200">
+                  <a:solidFill>
+                    <a:schemeClr val="tx1"/>
+                  </a:solidFill>
+                  <a:latin typeface="+mn-lt"/>
+                  <a:ea typeface="+mn-ea"/>
+                  <a:cs typeface="+mn-cs"/>
+                </a:defRPr>
+              </a:lvl8pPr>
+              <a:lvl9pPr marL="2438156" algn="l" defTabSz="609539" rtl="0" eaLnBrk="1" latinLnBrk="0" hangingPunct="1">
+                <a:defRPr sz="1200" kern="1200">
+                  <a:solidFill>
+                    <a:schemeClr val="tx1"/>
+                  </a:solidFill>
+                  <a:latin typeface="+mn-lt"/>
+                  <a:ea typeface="+mn-ea"/>
+                  <a:cs typeface="+mn-cs"/>
+                </a:defRPr>
+              </a:lvl9pPr>
+            </a:lstStyle>
+            <a:p>
+              <a:endParaRPr lang="ro-RO" sz="800"/>
+            </a:p>
+          </p:txBody>
+        </p:sp>
+        <p:sp>
+          <p:nvSpPr>
+            <p:cNvPr id="10" name="Freeform 10">
+              <a:extLst>
+                <a:ext uri="{FF2B5EF4-FFF2-40B4-BE49-F238E27FC236}">
+                  <a16:creationId xmlns:a16="http://schemas.microsoft.com/office/drawing/2014/main" id="{DC20911D-15BA-99D3-9401-325337966822}"/>
+                </a:ext>
+              </a:extLst>
+            </p:cNvPr>
+            <p:cNvSpPr/>
+            <p:nvPr/>
+          </p:nvSpPr>
+          <p:spPr>
+            <a:xfrm>
+              <a:off x="13794345" y="1064427"/>
+              <a:ext cx="4149650" cy="3288079"/>
+            </a:xfrm>
+            <a:custGeom>
+              <a:avLst/>
+              <a:gdLst/>
+              <a:ahLst/>
+              <a:cxnLst/>
+              <a:rect l="l" t="t" r="r" b="b"/>
+              <a:pathLst>
+                <a:path w="4149650" h="3288079">
+                  <a:moveTo>
+                    <a:pt x="0" y="0"/>
+                  </a:moveTo>
+                  <a:lnTo>
+                    <a:pt x="4149650" y="0"/>
+                  </a:lnTo>
+                  <a:lnTo>
+                    <a:pt x="4149650" y="3288079"/>
+                  </a:lnTo>
+                  <a:lnTo>
+                    <a:pt x="0" y="3288079"/>
+                  </a:lnTo>
+                  <a:lnTo>
+                    <a:pt x="0" y="0"/>
+                  </a:lnTo>
+                  <a:close/>
+                </a:path>
+              </a:pathLst>
+            </a:custGeom>
+            <a:blipFill>
+              <a:blip r:embed="rId2">
+                <a:extLst>
+                  <a:ext uri="{96DAC541-7B7A-43D3-8B79-37D633B846F1}">
+                    <asvg:svgBlip xmlns:asvg="http://schemas.microsoft.com/office/drawing/2016/SVG/main" r:embed="rId3"/>
+                  </a:ext>
+                </a:extLst>
+              </a:blip>
+              <a:stretch>
+                <a:fillRect b="-26202"/>
+              </a:stretch>
+            </a:blipFill>
+          </p:spPr>
+          <p:txBody>
+            <a:bodyPr/>
+            <a:lstStyle>
+              <a:defPPr>
+                <a:defRPr lang="en-US"/>
+              </a:defPPr>
+              <a:lvl1pPr marL="0" algn="l" defTabSz="609539" rtl="0" eaLnBrk="1" latinLnBrk="0" hangingPunct="1">
+                <a:defRPr sz="1200" kern="1200">
+                  <a:solidFill>
+                    <a:schemeClr val="tx1"/>
+                  </a:solidFill>
+                  <a:latin typeface="+mn-lt"/>
+                  <a:ea typeface="+mn-ea"/>
+                  <a:cs typeface="+mn-cs"/>
+                </a:defRPr>
+              </a:lvl1pPr>
+              <a:lvl2pPr marL="304770" algn="l" defTabSz="609539" rtl="0" eaLnBrk="1" latinLnBrk="0" hangingPunct="1">
+                <a:defRPr sz="1200" kern="1200">
+                  <a:solidFill>
+                    <a:schemeClr val="tx1"/>
+                  </a:solidFill>
+                  <a:latin typeface="+mn-lt"/>
+                  <a:ea typeface="+mn-ea"/>
+                  <a:cs typeface="+mn-cs"/>
+                </a:defRPr>
+              </a:lvl2pPr>
+              <a:lvl3pPr marL="609539" algn="l" defTabSz="609539" rtl="0" eaLnBrk="1" latinLnBrk="0" hangingPunct="1">
+                <a:defRPr sz="1200" kern="1200">
+                  <a:solidFill>
+                    <a:schemeClr val="tx1"/>
+                  </a:solidFill>
+                  <a:latin typeface="+mn-lt"/>
+                  <a:ea typeface="+mn-ea"/>
+                  <a:cs typeface="+mn-cs"/>
+                </a:defRPr>
+              </a:lvl3pPr>
+              <a:lvl4pPr marL="914309" algn="l" defTabSz="609539" rtl="0" eaLnBrk="1" latinLnBrk="0" hangingPunct="1">
+                <a:defRPr sz="1200" kern="1200">
+                  <a:solidFill>
+                    <a:schemeClr val="tx1"/>
+                  </a:solidFill>
+                  <a:latin typeface="+mn-lt"/>
+                  <a:ea typeface="+mn-ea"/>
+                  <a:cs typeface="+mn-cs"/>
+                </a:defRPr>
+              </a:lvl4pPr>
+              <a:lvl5pPr marL="1219078" algn="l" defTabSz="609539" rtl="0" eaLnBrk="1" latinLnBrk="0" hangingPunct="1">
+                <a:defRPr sz="1200" kern="1200">
+                  <a:solidFill>
+                    <a:schemeClr val="tx1"/>
+                  </a:solidFill>
+                  <a:latin typeface="+mn-lt"/>
+                  <a:ea typeface="+mn-ea"/>
+                  <a:cs typeface="+mn-cs"/>
+                </a:defRPr>
+              </a:lvl5pPr>
+              <a:lvl6pPr marL="1523848" algn="l" defTabSz="609539" rtl="0" eaLnBrk="1" latinLnBrk="0" hangingPunct="1">
+                <a:defRPr sz="1200" kern="1200">
+                  <a:solidFill>
+                    <a:schemeClr val="tx1"/>
+                  </a:solidFill>
+                  <a:latin typeface="+mn-lt"/>
+                  <a:ea typeface="+mn-ea"/>
+                  <a:cs typeface="+mn-cs"/>
+                </a:defRPr>
+              </a:lvl6pPr>
+              <a:lvl7pPr marL="1828617" algn="l" defTabSz="609539" rtl="0" eaLnBrk="1" latinLnBrk="0" hangingPunct="1">
+                <a:defRPr sz="1200" kern="1200">
+                  <a:solidFill>
+                    <a:schemeClr val="tx1"/>
+                  </a:solidFill>
+                  <a:latin typeface="+mn-lt"/>
+                  <a:ea typeface="+mn-ea"/>
+                  <a:cs typeface="+mn-cs"/>
+                </a:defRPr>
+              </a:lvl7pPr>
+              <a:lvl8pPr marL="2133387" algn="l" defTabSz="609539" rtl="0" eaLnBrk="1" latinLnBrk="0" hangingPunct="1">
+                <a:defRPr sz="1200" kern="1200">
+                  <a:solidFill>
+                    <a:schemeClr val="tx1"/>
+                  </a:solidFill>
+                  <a:latin typeface="+mn-lt"/>
+                  <a:ea typeface="+mn-ea"/>
+                  <a:cs typeface="+mn-cs"/>
+                </a:defRPr>
+              </a:lvl8pPr>
+              <a:lvl9pPr marL="2438156" algn="l" defTabSz="609539" rtl="0" eaLnBrk="1" latinLnBrk="0" hangingPunct="1">
+                <a:defRPr sz="1200" kern="1200">
+                  <a:solidFill>
+                    <a:schemeClr val="tx1"/>
+                  </a:solidFill>
+                  <a:latin typeface="+mn-lt"/>
+                  <a:ea typeface="+mn-ea"/>
+                  <a:cs typeface="+mn-cs"/>
+                </a:defRPr>
+              </a:lvl9pPr>
+            </a:lstStyle>
+            <a:p>
+              <a:endParaRPr lang="ro-RO" sz="800"/>
+            </a:p>
+          </p:txBody>
+        </p:sp>
+      </p:grpSp>
+      <p:sp>
+        <p:nvSpPr>
+          <p:cNvPr id="11" name="Freeform 11">
+            <a:extLst>
+              <a:ext uri="{FF2B5EF4-FFF2-40B4-BE49-F238E27FC236}">
+                <a16:creationId xmlns:a16="http://schemas.microsoft.com/office/drawing/2014/main" id="{A65E52C2-88F4-9408-FBD3-2617EA73B302}"/>
+              </a:ext>
+            </a:extLst>
+          </p:cNvPr>
+          <p:cNvSpPr/>
+          <p:nvPr/>
+        </p:nvSpPr>
+        <p:spPr>
+          <a:xfrm rot="6150721">
+            <a:off x="4053955" y="3053030"/>
+            <a:ext cx="9029868" cy="751941"/>
+          </a:xfrm>
+          <a:custGeom>
+            <a:avLst/>
+            <a:gdLst/>
+            <a:ahLst/>
+            <a:cxnLst/>
+            <a:rect l="l" t="t" r="r" b="b"/>
+            <a:pathLst>
+              <a:path w="13544802" h="1127911">
+                <a:moveTo>
+                  <a:pt x="0" y="0"/>
+                </a:moveTo>
+                <a:lnTo>
+                  <a:pt x="13544801" y="0"/>
+                </a:lnTo>
+                <a:lnTo>
+                  <a:pt x="13544801" y="1127912"/>
+                </a:lnTo>
+                <a:lnTo>
+                  <a:pt x="0" y="1127912"/>
+                </a:lnTo>
+                <a:lnTo>
+                  <a:pt x="0" y="0"/>
+                </a:lnTo>
+                <a:close/>
+              </a:path>
+            </a:pathLst>
+          </a:custGeom>
+          <a:blipFill>
+            <a:blip r:embed="rId4"/>
+            <a:stretch>
+              <a:fillRect t="-137172"/>
+            </a:stretch>
+          </a:blipFill>
+        </p:spPr>
+        <p:txBody>
+          <a:bodyPr/>
+          <a:lstStyle>
+            <a:defPPr>
+              <a:defRPr lang="en-US"/>
+            </a:defPPr>
+            <a:lvl1pPr marL="0" algn="l" defTabSz="609539" rtl="0" eaLnBrk="1" latinLnBrk="0" hangingPunct="1">
+              <a:defRPr sz="1200" kern="1200">
+                <a:solidFill>
+                  <a:schemeClr val="tx1"/>
+                </a:solidFill>
+                <a:latin typeface="+mn-lt"/>
+                <a:ea typeface="+mn-ea"/>
+                <a:cs typeface="+mn-cs"/>
+              </a:defRPr>
+            </a:lvl1pPr>
+            <a:lvl2pPr marL="304770" algn="l" defTabSz="609539" rtl="0" eaLnBrk="1" latinLnBrk="0" hangingPunct="1">
+              <a:defRPr sz="1200" kern="1200">
+                <a:solidFill>
+                  <a:schemeClr val="tx1"/>
+                </a:solidFill>
+                <a:latin typeface="+mn-lt"/>
+                <a:ea typeface="+mn-ea"/>
+                <a:cs typeface="+mn-cs"/>
+              </a:defRPr>
+            </a:lvl2pPr>
+            <a:lvl3pPr marL="609539" algn="l" defTabSz="609539" rtl="0" eaLnBrk="1" latinLnBrk="0" hangingPunct="1">
+              <a:defRPr sz="1200" kern="1200">
+                <a:solidFill>
+                  <a:schemeClr val="tx1"/>
+                </a:solidFill>
+                <a:latin typeface="+mn-lt"/>
+                <a:ea typeface="+mn-ea"/>
+                <a:cs typeface="+mn-cs"/>
+              </a:defRPr>
+            </a:lvl3pPr>
+            <a:lvl4pPr marL="914309" algn="l" defTabSz="609539" rtl="0" eaLnBrk="1" latinLnBrk="0" hangingPunct="1">
+              <a:defRPr sz="1200" kern="1200">
+                <a:solidFill>
+                  <a:schemeClr val="tx1"/>
+                </a:solidFill>
+                <a:latin typeface="+mn-lt"/>
+                <a:ea typeface="+mn-ea"/>
+                <a:cs typeface="+mn-cs"/>
+              </a:defRPr>
+            </a:lvl4pPr>
+            <a:lvl5pPr marL="1219078" algn="l" defTabSz="609539" rtl="0" eaLnBrk="1" latinLnBrk="0" hangingPunct="1">
+              <a:defRPr sz="1200" kern="1200">
+                <a:solidFill>
+                  <a:schemeClr val="tx1"/>
+                </a:solidFill>
+                <a:latin typeface="+mn-lt"/>
+                <a:ea typeface="+mn-ea"/>
+                <a:cs typeface="+mn-cs"/>
+              </a:defRPr>
+            </a:lvl5pPr>
+            <a:lvl6pPr marL="1523848" algn="l" defTabSz="609539" rtl="0" eaLnBrk="1" latinLnBrk="0" hangingPunct="1">
+              <a:defRPr sz="1200" kern="1200">
+                <a:solidFill>
+                  <a:schemeClr val="tx1"/>
+                </a:solidFill>
+                <a:latin typeface="+mn-lt"/>
+                <a:ea typeface="+mn-ea"/>
+                <a:cs typeface="+mn-cs"/>
+              </a:defRPr>
+            </a:lvl6pPr>
+            <a:lvl7pPr marL="1828617" algn="l" defTabSz="609539" rtl="0" eaLnBrk="1" latinLnBrk="0" hangingPunct="1">
+              <a:defRPr sz="1200" kern="1200">
+                <a:solidFill>
+                  <a:schemeClr val="tx1"/>
+                </a:solidFill>
+                <a:latin typeface="+mn-lt"/>
+                <a:ea typeface="+mn-ea"/>
+                <a:cs typeface="+mn-cs"/>
+              </a:defRPr>
+            </a:lvl7pPr>
+            <a:lvl8pPr marL="2133387" algn="l" defTabSz="609539" rtl="0" eaLnBrk="1" latinLnBrk="0" hangingPunct="1">
+              <a:defRPr sz="1200" kern="1200">
+                <a:solidFill>
+                  <a:schemeClr val="tx1"/>
+                </a:solidFill>
+                <a:latin typeface="+mn-lt"/>
+                <a:ea typeface="+mn-ea"/>
+                <a:cs typeface="+mn-cs"/>
+              </a:defRPr>
+            </a:lvl8pPr>
+            <a:lvl9pPr marL="2438156" algn="l" defTabSz="609539" rtl="0" eaLnBrk="1" latinLnBrk="0" hangingPunct="1">
+              <a:defRPr sz="1200" kern="1200">
+                <a:solidFill>
+                  <a:schemeClr val="tx1"/>
+                </a:solidFill>
+                <a:latin typeface="+mn-lt"/>
+                <a:ea typeface="+mn-ea"/>
+                <a:cs typeface="+mn-cs"/>
+              </a:defRPr>
+            </a:lvl9pPr>
+          </a:lstStyle>
+          <a:p>
+            <a:endParaRPr lang="ro-RO" sz="800"/>
+          </a:p>
+        </p:txBody>
+      </p:sp>
+      <p:sp>
+        <p:nvSpPr>
+          <p:cNvPr id="14" name="Freeform 14">
+            <a:extLst>
+              <a:ext uri="{FF2B5EF4-FFF2-40B4-BE49-F238E27FC236}">
+                <a16:creationId xmlns:a16="http://schemas.microsoft.com/office/drawing/2014/main" id="{A61DC18D-26C6-068D-1BC4-D7F53A41A1A6}"/>
+              </a:ext>
+            </a:extLst>
+          </p:cNvPr>
+          <p:cNvSpPr/>
+          <p:nvPr/>
+        </p:nvSpPr>
+        <p:spPr>
+          <a:xfrm rot="16984456">
+            <a:off x="7007207" y="3361082"/>
+            <a:ext cx="9029868" cy="751941"/>
+          </a:xfrm>
+          <a:custGeom>
+            <a:avLst/>
+            <a:gdLst/>
+            <a:ahLst/>
+            <a:cxnLst/>
+            <a:rect l="l" t="t" r="r" b="b"/>
+            <a:pathLst>
+              <a:path w="13544802" h="1127911">
+                <a:moveTo>
+                  <a:pt x="0" y="0"/>
+                </a:moveTo>
+                <a:lnTo>
+                  <a:pt x="13544801" y="0"/>
+                </a:lnTo>
+                <a:lnTo>
+                  <a:pt x="13544801" y="1127912"/>
+                </a:lnTo>
+                <a:lnTo>
+                  <a:pt x="0" y="1127912"/>
+                </a:lnTo>
+                <a:lnTo>
+                  <a:pt x="0" y="0"/>
+                </a:lnTo>
+                <a:close/>
+              </a:path>
+            </a:pathLst>
+          </a:custGeom>
+          <a:blipFill>
+            <a:blip r:embed="rId4"/>
+            <a:stretch>
+              <a:fillRect t="-137172"/>
+            </a:stretch>
+          </a:blipFill>
+        </p:spPr>
+        <p:txBody>
+          <a:bodyPr/>
+          <a:lstStyle>
+            <a:defPPr>
+              <a:defRPr lang="en-US"/>
+            </a:defPPr>
+            <a:lvl1pPr marL="0" algn="l" defTabSz="609539" rtl="0" eaLnBrk="1" latinLnBrk="0" hangingPunct="1">
+              <a:defRPr sz="1200" kern="1200">
+                <a:solidFill>
+                  <a:schemeClr val="tx1"/>
+                </a:solidFill>
+                <a:latin typeface="+mn-lt"/>
+                <a:ea typeface="+mn-ea"/>
+                <a:cs typeface="+mn-cs"/>
+              </a:defRPr>
+            </a:lvl1pPr>
+            <a:lvl2pPr marL="304770" algn="l" defTabSz="609539" rtl="0" eaLnBrk="1" latinLnBrk="0" hangingPunct="1">
+              <a:defRPr sz="1200" kern="1200">
+                <a:solidFill>
+                  <a:schemeClr val="tx1"/>
+                </a:solidFill>
+                <a:latin typeface="+mn-lt"/>
+                <a:ea typeface="+mn-ea"/>
+                <a:cs typeface="+mn-cs"/>
+              </a:defRPr>
+            </a:lvl2pPr>
+            <a:lvl3pPr marL="609539" algn="l" defTabSz="609539" rtl="0" eaLnBrk="1" latinLnBrk="0" hangingPunct="1">
+              <a:defRPr sz="1200" kern="1200">
+                <a:solidFill>
+                  <a:schemeClr val="tx1"/>
+                </a:solidFill>
+                <a:latin typeface="+mn-lt"/>
+                <a:ea typeface="+mn-ea"/>
+                <a:cs typeface="+mn-cs"/>
+              </a:defRPr>
+            </a:lvl3pPr>
+            <a:lvl4pPr marL="914309" algn="l" defTabSz="609539" rtl="0" eaLnBrk="1" latinLnBrk="0" hangingPunct="1">
+              <a:defRPr sz="1200" kern="1200">
+                <a:solidFill>
+                  <a:schemeClr val="tx1"/>
+                </a:solidFill>
+                <a:latin typeface="+mn-lt"/>
+                <a:ea typeface="+mn-ea"/>
+                <a:cs typeface="+mn-cs"/>
+              </a:defRPr>
+            </a:lvl4pPr>
+            <a:lvl5pPr marL="1219078" algn="l" defTabSz="609539" rtl="0" eaLnBrk="1" latinLnBrk="0" hangingPunct="1">
+              <a:defRPr sz="1200" kern="1200">
+                <a:solidFill>
+                  <a:schemeClr val="tx1"/>
+                </a:solidFill>
+                <a:latin typeface="+mn-lt"/>
+                <a:ea typeface="+mn-ea"/>
+                <a:cs typeface="+mn-cs"/>
+              </a:defRPr>
+            </a:lvl5pPr>
+            <a:lvl6pPr marL="1523848" algn="l" defTabSz="609539" rtl="0" eaLnBrk="1" latinLnBrk="0" hangingPunct="1">
+              <a:defRPr sz="1200" kern="1200">
+                <a:solidFill>
+                  <a:schemeClr val="tx1"/>
+                </a:solidFill>
+                <a:latin typeface="+mn-lt"/>
+                <a:ea typeface="+mn-ea"/>
+                <a:cs typeface="+mn-cs"/>
+              </a:defRPr>
+            </a:lvl6pPr>
+            <a:lvl7pPr marL="1828617" algn="l" defTabSz="609539" rtl="0" eaLnBrk="1" latinLnBrk="0" hangingPunct="1">
+              <a:defRPr sz="1200" kern="1200">
+                <a:solidFill>
+                  <a:schemeClr val="tx1"/>
+                </a:solidFill>
+                <a:latin typeface="+mn-lt"/>
+                <a:ea typeface="+mn-ea"/>
+                <a:cs typeface="+mn-cs"/>
+              </a:defRPr>
+            </a:lvl7pPr>
+            <a:lvl8pPr marL="2133387" algn="l" defTabSz="609539" rtl="0" eaLnBrk="1" latinLnBrk="0" hangingPunct="1">
+              <a:defRPr sz="1200" kern="1200">
+                <a:solidFill>
+                  <a:schemeClr val="tx1"/>
+                </a:solidFill>
+                <a:latin typeface="+mn-lt"/>
+                <a:ea typeface="+mn-ea"/>
+                <a:cs typeface="+mn-cs"/>
+              </a:defRPr>
+            </a:lvl8pPr>
+            <a:lvl9pPr marL="2438156" algn="l" defTabSz="609539" rtl="0" eaLnBrk="1" latinLnBrk="0" hangingPunct="1">
+              <a:defRPr sz="1200" kern="1200">
+                <a:solidFill>
+                  <a:schemeClr val="tx1"/>
+                </a:solidFill>
+                <a:latin typeface="+mn-lt"/>
+                <a:ea typeface="+mn-ea"/>
+                <a:cs typeface="+mn-cs"/>
+              </a:defRPr>
+            </a:lvl9pPr>
+          </a:lstStyle>
+          <a:p>
+            <a:endParaRPr lang="ro-RO" sz="800"/>
+          </a:p>
+        </p:txBody>
+      </p:sp>
+      <p:grpSp>
+        <p:nvGrpSpPr>
+          <p:cNvPr id="15" name="Group 15">
+            <a:extLst>
+              <a:ext uri="{FF2B5EF4-FFF2-40B4-BE49-F238E27FC236}">
+                <a16:creationId xmlns:a16="http://schemas.microsoft.com/office/drawing/2014/main" id="{C88203E0-1EA4-1E17-F786-0D8FCB7770A8}"/>
+              </a:ext>
+            </a:extLst>
+          </p:cNvPr>
+          <p:cNvGrpSpPr/>
+          <p:nvPr/>
+        </p:nvGrpSpPr>
+        <p:grpSpPr>
+          <a:xfrm rot="10800000">
+            <a:off x="10644262" y="6172199"/>
+            <a:ext cx="8971999" cy="2176254"/>
+            <a:chOff x="0" y="0"/>
+            <a:chExt cx="17943995" cy="4352506"/>
+          </a:xfrm>
+        </p:grpSpPr>
+        <p:sp>
+          <p:nvSpPr>
+            <p:cNvPr id="16" name="Freeform 16">
+              <a:extLst>
+                <a:ext uri="{FF2B5EF4-FFF2-40B4-BE49-F238E27FC236}">
+                  <a16:creationId xmlns:a16="http://schemas.microsoft.com/office/drawing/2014/main" id="{11C66DDF-1E56-1223-91BC-59D5F7B26B44}"/>
+                </a:ext>
+              </a:extLst>
+            </p:cNvPr>
+            <p:cNvSpPr/>
+            <p:nvPr/>
+          </p:nvSpPr>
+          <p:spPr>
+            <a:xfrm>
+              <a:off x="0" y="0"/>
+              <a:ext cx="4149650" cy="4149650"/>
+            </a:xfrm>
+            <a:custGeom>
+              <a:avLst/>
+              <a:gdLst/>
+              <a:ahLst/>
+              <a:cxnLst/>
+              <a:rect l="l" t="t" r="r" b="b"/>
+              <a:pathLst>
+                <a:path w="4149650" h="4149650">
+                  <a:moveTo>
+                    <a:pt x="0" y="0"/>
+                  </a:moveTo>
+                  <a:lnTo>
+                    <a:pt x="4149650" y="0"/>
+                  </a:lnTo>
+                  <a:lnTo>
+                    <a:pt x="4149650" y="4149650"/>
+                  </a:lnTo>
+                  <a:lnTo>
+                    <a:pt x="0" y="4149650"/>
+                  </a:lnTo>
+                  <a:lnTo>
+                    <a:pt x="0" y="0"/>
+                  </a:lnTo>
+                  <a:close/>
+                </a:path>
+              </a:pathLst>
+            </a:custGeom>
+            <a:blipFill>
+              <a:blip r:embed="rId2">
+                <a:extLst>
+                  <a:ext uri="{96DAC541-7B7A-43D3-8B79-37D633B846F1}">
+                    <asvg:svgBlip xmlns:asvg="http://schemas.microsoft.com/office/drawing/2016/SVG/main" r:embed="rId3"/>
+                  </a:ext>
+                </a:extLst>
+              </a:blip>
+              <a:stretch>
+                <a:fillRect/>
+              </a:stretch>
+            </a:blipFill>
+          </p:spPr>
+          <p:txBody>
+            <a:bodyPr/>
+            <a:lstStyle>
+              <a:defPPr>
+                <a:defRPr lang="en-US"/>
+              </a:defPPr>
+              <a:lvl1pPr marL="0" algn="l" defTabSz="609539" rtl="0" eaLnBrk="1" latinLnBrk="0" hangingPunct="1">
+                <a:defRPr sz="1200" kern="1200">
+                  <a:solidFill>
+                    <a:schemeClr val="tx1"/>
+                  </a:solidFill>
+                  <a:latin typeface="+mn-lt"/>
+                  <a:ea typeface="+mn-ea"/>
+                  <a:cs typeface="+mn-cs"/>
+                </a:defRPr>
+              </a:lvl1pPr>
+              <a:lvl2pPr marL="304770" algn="l" defTabSz="609539" rtl="0" eaLnBrk="1" latinLnBrk="0" hangingPunct="1">
+                <a:defRPr sz="1200" kern="1200">
+                  <a:solidFill>
+                    <a:schemeClr val="tx1"/>
+                  </a:solidFill>
+                  <a:latin typeface="+mn-lt"/>
+                  <a:ea typeface="+mn-ea"/>
+                  <a:cs typeface="+mn-cs"/>
+                </a:defRPr>
+              </a:lvl2pPr>
+              <a:lvl3pPr marL="609539" algn="l" defTabSz="609539" rtl="0" eaLnBrk="1" latinLnBrk="0" hangingPunct="1">
+                <a:defRPr sz="1200" kern="1200">
+                  <a:solidFill>
+                    <a:schemeClr val="tx1"/>
+                  </a:solidFill>
+                  <a:latin typeface="+mn-lt"/>
+                  <a:ea typeface="+mn-ea"/>
+                  <a:cs typeface="+mn-cs"/>
+                </a:defRPr>
+              </a:lvl3pPr>
+              <a:lvl4pPr marL="914309" algn="l" defTabSz="609539" rtl="0" eaLnBrk="1" latinLnBrk="0" hangingPunct="1">
+                <a:defRPr sz="1200" kern="1200">
+                  <a:solidFill>
+                    <a:schemeClr val="tx1"/>
+                  </a:solidFill>
+                  <a:latin typeface="+mn-lt"/>
+                  <a:ea typeface="+mn-ea"/>
+                  <a:cs typeface="+mn-cs"/>
+                </a:defRPr>
+              </a:lvl4pPr>
+              <a:lvl5pPr marL="1219078" algn="l" defTabSz="609539" rtl="0" eaLnBrk="1" latinLnBrk="0" hangingPunct="1">
+                <a:defRPr sz="1200" kern="1200">
+                  <a:solidFill>
+                    <a:schemeClr val="tx1"/>
+                  </a:solidFill>
+                  <a:latin typeface="+mn-lt"/>
+                  <a:ea typeface="+mn-ea"/>
+                  <a:cs typeface="+mn-cs"/>
+                </a:defRPr>
+              </a:lvl5pPr>
+              <a:lvl6pPr marL="1523848" algn="l" defTabSz="609539" rtl="0" eaLnBrk="1" latinLnBrk="0" hangingPunct="1">
+                <a:defRPr sz="1200" kern="1200">
+                  <a:solidFill>
+                    <a:schemeClr val="tx1"/>
+                  </a:solidFill>
+                  <a:latin typeface="+mn-lt"/>
+                  <a:ea typeface="+mn-ea"/>
+                  <a:cs typeface="+mn-cs"/>
+                </a:defRPr>
+              </a:lvl6pPr>
+              <a:lvl7pPr marL="1828617" algn="l" defTabSz="609539" rtl="0" eaLnBrk="1" latinLnBrk="0" hangingPunct="1">
+                <a:defRPr sz="1200" kern="1200">
+                  <a:solidFill>
+                    <a:schemeClr val="tx1"/>
+                  </a:solidFill>
+                  <a:latin typeface="+mn-lt"/>
+                  <a:ea typeface="+mn-ea"/>
+                  <a:cs typeface="+mn-cs"/>
+                </a:defRPr>
+              </a:lvl7pPr>
+              <a:lvl8pPr marL="2133387" algn="l" defTabSz="609539" rtl="0" eaLnBrk="1" latinLnBrk="0" hangingPunct="1">
+                <a:defRPr sz="1200" kern="1200">
+                  <a:solidFill>
+                    <a:schemeClr val="tx1"/>
+                  </a:solidFill>
+                  <a:latin typeface="+mn-lt"/>
+                  <a:ea typeface="+mn-ea"/>
+                  <a:cs typeface="+mn-cs"/>
+                </a:defRPr>
+              </a:lvl8pPr>
+              <a:lvl9pPr marL="2438156" algn="l" defTabSz="609539" rtl="0" eaLnBrk="1" latinLnBrk="0" hangingPunct="1">
+                <a:defRPr sz="1200" kern="1200">
+                  <a:solidFill>
+                    <a:schemeClr val="tx1"/>
+                  </a:solidFill>
+                  <a:latin typeface="+mn-lt"/>
+                  <a:ea typeface="+mn-ea"/>
+                  <a:cs typeface="+mn-cs"/>
+                </a:defRPr>
+              </a:lvl9pPr>
+            </a:lstStyle>
+            <a:p>
+              <a:endParaRPr lang="ro-RO" sz="800"/>
+            </a:p>
+          </p:txBody>
+        </p:sp>
+        <p:sp>
+          <p:nvSpPr>
+            <p:cNvPr id="17" name="Freeform 17">
+              <a:extLst>
+                <a:ext uri="{FF2B5EF4-FFF2-40B4-BE49-F238E27FC236}">
+                  <a16:creationId xmlns:a16="http://schemas.microsoft.com/office/drawing/2014/main" id="{5EA8D2C5-B7F4-CAB1-F11B-7D6F232A24E4}"/>
+                </a:ext>
+              </a:extLst>
+            </p:cNvPr>
+            <p:cNvSpPr/>
+            <p:nvPr/>
+          </p:nvSpPr>
+          <p:spPr>
+            <a:xfrm>
+              <a:off x="4600097" y="861572"/>
+              <a:ext cx="4149650" cy="3288079"/>
+            </a:xfrm>
+            <a:custGeom>
+              <a:avLst/>
+              <a:gdLst/>
+              <a:ahLst/>
+              <a:cxnLst/>
+              <a:rect l="l" t="t" r="r" b="b"/>
+              <a:pathLst>
+                <a:path w="4149650" h="3288079">
+                  <a:moveTo>
+                    <a:pt x="0" y="0"/>
+                  </a:moveTo>
+                  <a:lnTo>
+                    <a:pt x="4149651" y="0"/>
+                  </a:lnTo>
+                  <a:lnTo>
+                    <a:pt x="4149651" y="3288078"/>
+                  </a:lnTo>
+                  <a:lnTo>
+                    <a:pt x="0" y="3288078"/>
+                  </a:lnTo>
+                  <a:lnTo>
+                    <a:pt x="0" y="0"/>
+                  </a:lnTo>
+                  <a:close/>
+                </a:path>
+              </a:pathLst>
+            </a:custGeom>
+            <a:blipFill>
+              <a:blip r:embed="rId2">
+                <a:extLst>
+                  <a:ext uri="{96DAC541-7B7A-43D3-8B79-37D633B846F1}">
+                    <asvg:svgBlip xmlns:asvg="http://schemas.microsoft.com/office/drawing/2016/SVG/main" r:embed="rId3"/>
+                  </a:ext>
+                </a:extLst>
+              </a:blip>
+              <a:stretch>
+                <a:fillRect b="-26202"/>
+              </a:stretch>
+            </a:blipFill>
+          </p:spPr>
+          <p:txBody>
+            <a:bodyPr/>
+            <a:lstStyle>
+              <a:defPPr>
+                <a:defRPr lang="en-US"/>
+              </a:defPPr>
+              <a:lvl1pPr marL="0" algn="l" defTabSz="609539" rtl="0" eaLnBrk="1" latinLnBrk="0" hangingPunct="1">
+                <a:defRPr sz="1200" kern="1200">
+                  <a:solidFill>
+                    <a:schemeClr val="tx1"/>
+                  </a:solidFill>
+                  <a:latin typeface="+mn-lt"/>
+                  <a:ea typeface="+mn-ea"/>
+                  <a:cs typeface="+mn-cs"/>
+                </a:defRPr>
+              </a:lvl1pPr>
+              <a:lvl2pPr marL="304770" algn="l" defTabSz="609539" rtl="0" eaLnBrk="1" latinLnBrk="0" hangingPunct="1">
+                <a:defRPr sz="1200" kern="1200">
+                  <a:solidFill>
+                    <a:schemeClr val="tx1"/>
+                  </a:solidFill>
+                  <a:latin typeface="+mn-lt"/>
+                  <a:ea typeface="+mn-ea"/>
+                  <a:cs typeface="+mn-cs"/>
+                </a:defRPr>
+              </a:lvl2pPr>
+              <a:lvl3pPr marL="609539" algn="l" defTabSz="609539" rtl="0" eaLnBrk="1" latinLnBrk="0" hangingPunct="1">
+                <a:defRPr sz="1200" kern="1200">
+                  <a:solidFill>
+                    <a:schemeClr val="tx1"/>
+                  </a:solidFill>
+                  <a:latin typeface="+mn-lt"/>
+                  <a:ea typeface="+mn-ea"/>
+                  <a:cs typeface="+mn-cs"/>
+                </a:defRPr>
+              </a:lvl3pPr>
+              <a:lvl4pPr marL="914309" algn="l" defTabSz="609539" rtl="0" eaLnBrk="1" latinLnBrk="0" hangingPunct="1">
+                <a:defRPr sz="1200" kern="1200">
+                  <a:solidFill>
+                    <a:schemeClr val="tx1"/>
+                  </a:solidFill>
+                  <a:latin typeface="+mn-lt"/>
+                  <a:ea typeface="+mn-ea"/>
+                  <a:cs typeface="+mn-cs"/>
+                </a:defRPr>
+              </a:lvl4pPr>
+              <a:lvl5pPr marL="1219078" algn="l" defTabSz="609539" rtl="0" eaLnBrk="1" latinLnBrk="0" hangingPunct="1">
+                <a:defRPr sz="1200" kern="1200">
+                  <a:solidFill>
+                    <a:schemeClr val="tx1"/>
+                  </a:solidFill>
+                  <a:latin typeface="+mn-lt"/>
+                  <a:ea typeface="+mn-ea"/>
+                  <a:cs typeface="+mn-cs"/>
+                </a:defRPr>
+              </a:lvl5pPr>
+              <a:lvl6pPr marL="1523848" algn="l" defTabSz="609539" rtl="0" eaLnBrk="1" latinLnBrk="0" hangingPunct="1">
+                <a:defRPr sz="1200" kern="1200">
+                  <a:solidFill>
+                    <a:schemeClr val="tx1"/>
+                  </a:solidFill>
+                  <a:latin typeface="+mn-lt"/>
+                  <a:ea typeface="+mn-ea"/>
+                  <a:cs typeface="+mn-cs"/>
+                </a:defRPr>
+              </a:lvl6pPr>
+              <a:lvl7pPr marL="1828617" algn="l" defTabSz="609539" rtl="0" eaLnBrk="1" latinLnBrk="0" hangingPunct="1">
+                <a:defRPr sz="1200" kern="1200">
+                  <a:solidFill>
+                    <a:schemeClr val="tx1"/>
+                  </a:solidFill>
+                  <a:latin typeface="+mn-lt"/>
+                  <a:ea typeface="+mn-ea"/>
+                  <a:cs typeface="+mn-cs"/>
+                </a:defRPr>
+              </a:lvl7pPr>
+              <a:lvl8pPr marL="2133387" algn="l" defTabSz="609539" rtl="0" eaLnBrk="1" latinLnBrk="0" hangingPunct="1">
+                <a:defRPr sz="1200" kern="1200">
+                  <a:solidFill>
+                    <a:schemeClr val="tx1"/>
+                  </a:solidFill>
+                  <a:latin typeface="+mn-lt"/>
+                  <a:ea typeface="+mn-ea"/>
+                  <a:cs typeface="+mn-cs"/>
+                </a:defRPr>
+              </a:lvl8pPr>
+              <a:lvl9pPr marL="2438156" algn="l" defTabSz="609539" rtl="0" eaLnBrk="1" latinLnBrk="0" hangingPunct="1">
+                <a:defRPr sz="1200" kern="1200">
+                  <a:solidFill>
+                    <a:schemeClr val="tx1"/>
+                  </a:solidFill>
+                  <a:latin typeface="+mn-lt"/>
+                  <a:ea typeface="+mn-ea"/>
+                  <a:cs typeface="+mn-cs"/>
+                </a:defRPr>
+              </a:lvl9pPr>
+            </a:lstStyle>
+            <a:p>
+              <a:endParaRPr lang="ro-RO" sz="800"/>
+            </a:p>
+          </p:txBody>
+        </p:sp>
+        <p:sp>
+          <p:nvSpPr>
+            <p:cNvPr id="18" name="Freeform 18">
+              <a:extLst>
+                <a:ext uri="{FF2B5EF4-FFF2-40B4-BE49-F238E27FC236}">
+                  <a16:creationId xmlns:a16="http://schemas.microsoft.com/office/drawing/2014/main" id="{4F2EAD7C-2843-3BAB-4E86-744030693F49}"/>
+                </a:ext>
+              </a:extLst>
+            </p:cNvPr>
+            <p:cNvSpPr/>
+            <p:nvPr/>
+          </p:nvSpPr>
+          <p:spPr>
+            <a:xfrm>
+              <a:off x="9194248" y="202855"/>
+              <a:ext cx="4149650" cy="4149650"/>
+            </a:xfrm>
+            <a:custGeom>
+              <a:avLst/>
+              <a:gdLst/>
+              <a:ahLst/>
+              <a:cxnLst/>
+              <a:rect l="l" t="t" r="r" b="b"/>
+              <a:pathLst>
+                <a:path w="4149650" h="4149650">
+                  <a:moveTo>
+                    <a:pt x="0" y="0"/>
+                  </a:moveTo>
+                  <a:lnTo>
+                    <a:pt x="4149650" y="0"/>
+                  </a:lnTo>
+                  <a:lnTo>
+                    <a:pt x="4149650" y="4149651"/>
+                  </a:lnTo>
+                  <a:lnTo>
+                    <a:pt x="0" y="4149651"/>
+                  </a:lnTo>
+                  <a:lnTo>
+                    <a:pt x="0" y="0"/>
+                  </a:lnTo>
+                  <a:close/>
+                </a:path>
+              </a:pathLst>
+            </a:custGeom>
+            <a:blipFill>
+              <a:blip r:embed="rId2">
+                <a:extLst>
+                  <a:ext uri="{96DAC541-7B7A-43D3-8B79-37D633B846F1}">
+                    <asvg:svgBlip xmlns:asvg="http://schemas.microsoft.com/office/drawing/2016/SVG/main" r:embed="rId3"/>
+                  </a:ext>
+                </a:extLst>
+              </a:blip>
+              <a:stretch>
+                <a:fillRect/>
+              </a:stretch>
+            </a:blipFill>
+          </p:spPr>
+          <p:txBody>
+            <a:bodyPr/>
+            <a:lstStyle>
+              <a:defPPr>
+                <a:defRPr lang="en-US"/>
+              </a:defPPr>
+              <a:lvl1pPr marL="0" algn="l" defTabSz="609539" rtl="0" eaLnBrk="1" latinLnBrk="0" hangingPunct="1">
+                <a:defRPr sz="1200" kern="1200">
+                  <a:solidFill>
+                    <a:schemeClr val="tx1"/>
+                  </a:solidFill>
+                  <a:latin typeface="+mn-lt"/>
+                  <a:ea typeface="+mn-ea"/>
+                  <a:cs typeface="+mn-cs"/>
+                </a:defRPr>
+              </a:lvl1pPr>
+              <a:lvl2pPr marL="304770" algn="l" defTabSz="609539" rtl="0" eaLnBrk="1" latinLnBrk="0" hangingPunct="1">
+                <a:defRPr sz="1200" kern="1200">
+                  <a:solidFill>
+                    <a:schemeClr val="tx1"/>
+                  </a:solidFill>
+                  <a:latin typeface="+mn-lt"/>
+                  <a:ea typeface="+mn-ea"/>
+                  <a:cs typeface="+mn-cs"/>
+                </a:defRPr>
+              </a:lvl2pPr>
+              <a:lvl3pPr marL="609539" algn="l" defTabSz="609539" rtl="0" eaLnBrk="1" latinLnBrk="0" hangingPunct="1">
+                <a:defRPr sz="1200" kern="1200">
+                  <a:solidFill>
+                    <a:schemeClr val="tx1"/>
+                  </a:solidFill>
+                  <a:latin typeface="+mn-lt"/>
+                  <a:ea typeface="+mn-ea"/>
+                  <a:cs typeface="+mn-cs"/>
+                </a:defRPr>
+              </a:lvl3pPr>
+              <a:lvl4pPr marL="914309" algn="l" defTabSz="609539" rtl="0" eaLnBrk="1" latinLnBrk="0" hangingPunct="1">
+                <a:defRPr sz="1200" kern="1200">
+                  <a:solidFill>
+                    <a:schemeClr val="tx1"/>
+                  </a:solidFill>
+                  <a:latin typeface="+mn-lt"/>
+                  <a:ea typeface="+mn-ea"/>
+                  <a:cs typeface="+mn-cs"/>
+                </a:defRPr>
+              </a:lvl4pPr>
+              <a:lvl5pPr marL="1219078" algn="l" defTabSz="609539" rtl="0" eaLnBrk="1" latinLnBrk="0" hangingPunct="1">
+                <a:defRPr sz="1200" kern="1200">
+                  <a:solidFill>
+                    <a:schemeClr val="tx1"/>
+                  </a:solidFill>
+                  <a:latin typeface="+mn-lt"/>
+                  <a:ea typeface="+mn-ea"/>
+                  <a:cs typeface="+mn-cs"/>
+                </a:defRPr>
+              </a:lvl5pPr>
+              <a:lvl6pPr marL="1523848" algn="l" defTabSz="609539" rtl="0" eaLnBrk="1" latinLnBrk="0" hangingPunct="1">
+                <a:defRPr sz="1200" kern="1200">
+                  <a:solidFill>
+                    <a:schemeClr val="tx1"/>
+                  </a:solidFill>
+                  <a:latin typeface="+mn-lt"/>
+                  <a:ea typeface="+mn-ea"/>
+                  <a:cs typeface="+mn-cs"/>
+                </a:defRPr>
+              </a:lvl6pPr>
+              <a:lvl7pPr marL="1828617" algn="l" defTabSz="609539" rtl="0" eaLnBrk="1" latinLnBrk="0" hangingPunct="1">
+                <a:defRPr sz="1200" kern="1200">
+                  <a:solidFill>
+                    <a:schemeClr val="tx1"/>
+                  </a:solidFill>
+                  <a:latin typeface="+mn-lt"/>
+                  <a:ea typeface="+mn-ea"/>
+                  <a:cs typeface="+mn-cs"/>
+                </a:defRPr>
+              </a:lvl7pPr>
+              <a:lvl8pPr marL="2133387" algn="l" defTabSz="609539" rtl="0" eaLnBrk="1" latinLnBrk="0" hangingPunct="1">
+                <a:defRPr sz="1200" kern="1200">
+                  <a:solidFill>
+                    <a:schemeClr val="tx1"/>
+                  </a:solidFill>
+                  <a:latin typeface="+mn-lt"/>
+                  <a:ea typeface="+mn-ea"/>
+                  <a:cs typeface="+mn-cs"/>
+                </a:defRPr>
+              </a:lvl8pPr>
+              <a:lvl9pPr marL="2438156" algn="l" defTabSz="609539" rtl="0" eaLnBrk="1" latinLnBrk="0" hangingPunct="1">
+                <a:defRPr sz="1200" kern="1200">
+                  <a:solidFill>
+                    <a:schemeClr val="tx1"/>
+                  </a:solidFill>
+                  <a:latin typeface="+mn-lt"/>
+                  <a:ea typeface="+mn-ea"/>
+                  <a:cs typeface="+mn-cs"/>
+                </a:defRPr>
+              </a:lvl9pPr>
+            </a:lstStyle>
+            <a:p>
+              <a:endParaRPr lang="ro-RO" sz="800"/>
+            </a:p>
+          </p:txBody>
+        </p:sp>
+        <p:sp>
+          <p:nvSpPr>
+            <p:cNvPr id="19" name="Freeform 19">
+              <a:extLst>
+                <a:ext uri="{FF2B5EF4-FFF2-40B4-BE49-F238E27FC236}">
+                  <a16:creationId xmlns:a16="http://schemas.microsoft.com/office/drawing/2014/main" id="{56D7A20B-A485-4A9A-2AFF-752399545100}"/>
+                </a:ext>
+              </a:extLst>
+            </p:cNvPr>
+            <p:cNvSpPr/>
+            <p:nvPr/>
+          </p:nvSpPr>
+          <p:spPr>
+            <a:xfrm>
+              <a:off x="13794345" y="1064427"/>
+              <a:ext cx="4149650" cy="3288079"/>
+            </a:xfrm>
+            <a:custGeom>
+              <a:avLst/>
+              <a:gdLst/>
+              <a:ahLst/>
+              <a:cxnLst/>
+              <a:rect l="l" t="t" r="r" b="b"/>
+              <a:pathLst>
+                <a:path w="4149650" h="3288079">
+                  <a:moveTo>
+                    <a:pt x="0" y="0"/>
+                  </a:moveTo>
+                  <a:lnTo>
+                    <a:pt x="4149650" y="0"/>
+                  </a:lnTo>
+                  <a:lnTo>
+                    <a:pt x="4149650" y="3288079"/>
+                  </a:lnTo>
+                  <a:lnTo>
+                    <a:pt x="0" y="3288079"/>
+                  </a:lnTo>
+                  <a:lnTo>
+                    <a:pt x="0" y="0"/>
+                  </a:lnTo>
+                  <a:close/>
+                </a:path>
+              </a:pathLst>
+            </a:custGeom>
+            <a:blipFill>
+              <a:blip r:embed="rId2">
+                <a:extLst>
+                  <a:ext uri="{96DAC541-7B7A-43D3-8B79-37D633B846F1}">
+                    <asvg:svgBlip xmlns:asvg="http://schemas.microsoft.com/office/drawing/2016/SVG/main" r:embed="rId3"/>
+                  </a:ext>
+                </a:extLst>
+              </a:blip>
+              <a:stretch>
+                <a:fillRect b="-26202"/>
+              </a:stretch>
+            </a:blipFill>
+          </p:spPr>
+          <p:txBody>
+            <a:bodyPr/>
+            <a:lstStyle>
+              <a:defPPr>
+                <a:defRPr lang="en-US"/>
+              </a:defPPr>
+              <a:lvl1pPr marL="0" algn="l" defTabSz="609539" rtl="0" eaLnBrk="1" latinLnBrk="0" hangingPunct="1">
+                <a:defRPr sz="1200" kern="1200">
+                  <a:solidFill>
+                    <a:schemeClr val="tx1"/>
+                  </a:solidFill>
+                  <a:latin typeface="+mn-lt"/>
+                  <a:ea typeface="+mn-ea"/>
+                  <a:cs typeface="+mn-cs"/>
+                </a:defRPr>
+              </a:lvl1pPr>
+              <a:lvl2pPr marL="304770" algn="l" defTabSz="609539" rtl="0" eaLnBrk="1" latinLnBrk="0" hangingPunct="1">
+                <a:defRPr sz="1200" kern="1200">
+                  <a:solidFill>
+                    <a:schemeClr val="tx1"/>
+                  </a:solidFill>
+                  <a:latin typeface="+mn-lt"/>
+                  <a:ea typeface="+mn-ea"/>
+                  <a:cs typeface="+mn-cs"/>
+                </a:defRPr>
+              </a:lvl2pPr>
+              <a:lvl3pPr marL="609539" algn="l" defTabSz="609539" rtl="0" eaLnBrk="1" latinLnBrk="0" hangingPunct="1">
+                <a:defRPr sz="1200" kern="1200">
+                  <a:solidFill>
+                    <a:schemeClr val="tx1"/>
+                  </a:solidFill>
+                  <a:latin typeface="+mn-lt"/>
+                  <a:ea typeface="+mn-ea"/>
+                  <a:cs typeface="+mn-cs"/>
+                </a:defRPr>
+              </a:lvl3pPr>
+              <a:lvl4pPr marL="914309" algn="l" defTabSz="609539" rtl="0" eaLnBrk="1" latinLnBrk="0" hangingPunct="1">
+                <a:defRPr sz="1200" kern="1200">
+                  <a:solidFill>
+                    <a:schemeClr val="tx1"/>
+                  </a:solidFill>
+                  <a:latin typeface="+mn-lt"/>
+                  <a:ea typeface="+mn-ea"/>
+                  <a:cs typeface="+mn-cs"/>
+                </a:defRPr>
+              </a:lvl4pPr>
+              <a:lvl5pPr marL="1219078" algn="l" defTabSz="609539" rtl="0" eaLnBrk="1" latinLnBrk="0" hangingPunct="1">
+                <a:defRPr sz="1200" kern="1200">
+                  <a:solidFill>
+                    <a:schemeClr val="tx1"/>
+                  </a:solidFill>
+                  <a:latin typeface="+mn-lt"/>
+                  <a:ea typeface="+mn-ea"/>
+                  <a:cs typeface="+mn-cs"/>
+                </a:defRPr>
+              </a:lvl5pPr>
+              <a:lvl6pPr marL="1523848" algn="l" defTabSz="609539" rtl="0" eaLnBrk="1" latinLnBrk="0" hangingPunct="1">
+                <a:defRPr sz="1200" kern="1200">
+                  <a:solidFill>
+                    <a:schemeClr val="tx1"/>
+                  </a:solidFill>
+                  <a:latin typeface="+mn-lt"/>
+                  <a:ea typeface="+mn-ea"/>
+                  <a:cs typeface="+mn-cs"/>
+                </a:defRPr>
+              </a:lvl6pPr>
+              <a:lvl7pPr marL="1828617" algn="l" defTabSz="609539" rtl="0" eaLnBrk="1" latinLnBrk="0" hangingPunct="1">
+                <a:defRPr sz="1200" kern="1200">
+                  <a:solidFill>
+                    <a:schemeClr val="tx1"/>
+                  </a:solidFill>
+                  <a:latin typeface="+mn-lt"/>
+                  <a:ea typeface="+mn-ea"/>
+                  <a:cs typeface="+mn-cs"/>
+                </a:defRPr>
+              </a:lvl7pPr>
+              <a:lvl8pPr marL="2133387" algn="l" defTabSz="609539" rtl="0" eaLnBrk="1" latinLnBrk="0" hangingPunct="1">
+                <a:defRPr sz="1200" kern="1200">
+                  <a:solidFill>
+                    <a:schemeClr val="tx1"/>
+                  </a:solidFill>
+                  <a:latin typeface="+mn-lt"/>
+                  <a:ea typeface="+mn-ea"/>
+                  <a:cs typeface="+mn-cs"/>
+                </a:defRPr>
+              </a:lvl8pPr>
+              <a:lvl9pPr marL="2438156" algn="l" defTabSz="609539" rtl="0" eaLnBrk="1" latinLnBrk="0" hangingPunct="1">
+                <a:defRPr sz="1200" kern="1200">
+                  <a:solidFill>
+                    <a:schemeClr val="tx1"/>
+                  </a:solidFill>
+                  <a:latin typeface="+mn-lt"/>
+                  <a:ea typeface="+mn-ea"/>
+                  <a:cs typeface="+mn-cs"/>
+                </a:defRPr>
+              </a:lvl9pPr>
+            </a:lstStyle>
+            <a:p>
+              <a:endParaRPr lang="ro-RO" sz="800"/>
+            </a:p>
+          </p:txBody>
+        </p:sp>
+      </p:grpSp>
+      <p:sp>
+        <p:nvSpPr>
+          <p:cNvPr id="20" name="TextBox 20">
+            <a:extLst>
+              <a:ext uri="{FF2B5EF4-FFF2-40B4-BE49-F238E27FC236}">
+                <a16:creationId xmlns:a16="http://schemas.microsoft.com/office/drawing/2014/main" id="{818CD723-276D-A2EC-1D08-7324E0AA2595}"/>
+              </a:ext>
+            </a:extLst>
+          </p:cNvPr>
+          <p:cNvSpPr txBox="1"/>
+          <p:nvPr/>
+        </p:nvSpPr>
+        <p:spPr>
+          <a:xfrm>
+            <a:off x="7223" y="3194"/>
+            <a:ext cx="12178214" cy="720903"/>
+          </a:xfrm>
+          <a:prstGeom prst="rect">
+            <a:avLst/>
+          </a:prstGeom>
+        </p:spPr>
+        <p:txBody>
+          <a:bodyPr wrap="square" lIns="0" tIns="0" rIns="0" bIns="0" rtlCol="0" anchor="t">
+            <a:spAutoFit/>
+          </a:bodyPr>
+          <a:lstStyle>
+            <a:defPPr>
+              <a:defRPr lang="en-US"/>
+            </a:defPPr>
+            <a:lvl1pPr marL="0" algn="l" defTabSz="609539" rtl="0" eaLnBrk="1" latinLnBrk="0" hangingPunct="1">
+              <a:defRPr sz="1200" kern="1200">
+                <a:solidFill>
+                  <a:schemeClr val="tx1"/>
+                </a:solidFill>
+                <a:latin typeface="+mn-lt"/>
+                <a:ea typeface="+mn-ea"/>
+                <a:cs typeface="+mn-cs"/>
+              </a:defRPr>
+            </a:lvl1pPr>
+            <a:lvl2pPr marL="304770" algn="l" defTabSz="609539" rtl="0" eaLnBrk="1" latinLnBrk="0" hangingPunct="1">
+              <a:defRPr sz="1200" kern="1200">
+                <a:solidFill>
+                  <a:schemeClr val="tx1"/>
+                </a:solidFill>
+                <a:latin typeface="+mn-lt"/>
+                <a:ea typeface="+mn-ea"/>
+                <a:cs typeface="+mn-cs"/>
+              </a:defRPr>
+            </a:lvl2pPr>
+            <a:lvl3pPr marL="609539" algn="l" defTabSz="609539" rtl="0" eaLnBrk="1" latinLnBrk="0" hangingPunct="1">
+              <a:defRPr sz="1200" kern="1200">
+                <a:solidFill>
+                  <a:schemeClr val="tx1"/>
+                </a:solidFill>
+                <a:latin typeface="+mn-lt"/>
+                <a:ea typeface="+mn-ea"/>
+                <a:cs typeface="+mn-cs"/>
+              </a:defRPr>
+            </a:lvl3pPr>
+            <a:lvl4pPr marL="914309" algn="l" defTabSz="609539" rtl="0" eaLnBrk="1" latinLnBrk="0" hangingPunct="1">
+              <a:defRPr sz="1200" kern="1200">
+                <a:solidFill>
+                  <a:schemeClr val="tx1"/>
+                </a:solidFill>
+                <a:latin typeface="+mn-lt"/>
+                <a:ea typeface="+mn-ea"/>
+                <a:cs typeface="+mn-cs"/>
+              </a:defRPr>
+            </a:lvl4pPr>
+            <a:lvl5pPr marL="1219078" algn="l" defTabSz="609539" rtl="0" eaLnBrk="1" latinLnBrk="0" hangingPunct="1">
+              <a:defRPr sz="1200" kern="1200">
+                <a:solidFill>
+                  <a:schemeClr val="tx1"/>
+                </a:solidFill>
+                <a:latin typeface="+mn-lt"/>
+                <a:ea typeface="+mn-ea"/>
+                <a:cs typeface="+mn-cs"/>
+              </a:defRPr>
+            </a:lvl5pPr>
+            <a:lvl6pPr marL="1523848" algn="l" defTabSz="609539" rtl="0" eaLnBrk="1" latinLnBrk="0" hangingPunct="1">
+              <a:defRPr sz="1200" kern="1200">
+                <a:solidFill>
+                  <a:schemeClr val="tx1"/>
+                </a:solidFill>
+                <a:latin typeface="+mn-lt"/>
+                <a:ea typeface="+mn-ea"/>
+                <a:cs typeface="+mn-cs"/>
+              </a:defRPr>
+            </a:lvl6pPr>
+            <a:lvl7pPr marL="1828617" algn="l" defTabSz="609539" rtl="0" eaLnBrk="1" latinLnBrk="0" hangingPunct="1">
+              <a:defRPr sz="1200" kern="1200">
+                <a:solidFill>
+                  <a:schemeClr val="tx1"/>
+                </a:solidFill>
+                <a:latin typeface="+mn-lt"/>
+                <a:ea typeface="+mn-ea"/>
+                <a:cs typeface="+mn-cs"/>
+              </a:defRPr>
+            </a:lvl7pPr>
+            <a:lvl8pPr marL="2133387" algn="l" defTabSz="609539" rtl="0" eaLnBrk="1" latinLnBrk="0" hangingPunct="1">
+              <a:defRPr sz="1200" kern="1200">
+                <a:solidFill>
+                  <a:schemeClr val="tx1"/>
+                </a:solidFill>
+                <a:latin typeface="+mn-lt"/>
+                <a:ea typeface="+mn-ea"/>
+                <a:cs typeface="+mn-cs"/>
+              </a:defRPr>
+            </a:lvl8pPr>
+            <a:lvl9pPr marL="2438156" algn="l" defTabSz="609539" rtl="0" eaLnBrk="1" latinLnBrk="0" hangingPunct="1">
+              <a:defRPr sz="1200" kern="1200">
+                <a:solidFill>
+                  <a:schemeClr val="tx1"/>
+                </a:solidFill>
+                <a:latin typeface="+mn-lt"/>
+                <a:ea typeface="+mn-ea"/>
+                <a:cs typeface="+mn-cs"/>
+              </a:defRPr>
+            </a:lvl9pPr>
+          </a:lstStyle>
+          <a:p>
+            <a:pPr algn="ctr">
+              <a:lnSpc>
+                <a:spcPts val="6417"/>
+              </a:lnSpc>
+              <a:spcBef>
+                <a:spcPct val="0"/>
+              </a:spcBef>
+            </a:pPr>
+            <a:r>
+              <a:rPr lang="en-US" sz="3000" b="1" dirty="0">
+                <a:solidFill>
+                  <a:srgbClr val="FFFFFF"/>
+                </a:solidFill>
+                <a:latin typeface="Now Bold"/>
+                <a:sym typeface="Now Bold"/>
+              </a:rPr>
+              <a:t>ChatGPT – </a:t>
+            </a:r>
+            <a:r>
+              <a:rPr lang="en-US" sz="3000" b="1" dirty="0" err="1">
+                <a:solidFill>
+                  <a:srgbClr val="FFFFFF"/>
+                </a:solidFill>
+                <a:latin typeface="Now Bold"/>
+                <a:sym typeface="Now Bold"/>
+              </a:rPr>
+              <a:t>primul</a:t>
+            </a:r>
+            <a:r>
+              <a:rPr lang="en-US" sz="3000" b="1" dirty="0">
+                <a:solidFill>
+                  <a:srgbClr val="FFFFFF"/>
+                </a:solidFill>
+                <a:latin typeface="Now Bold"/>
+                <a:sym typeface="Now Bold"/>
+              </a:rPr>
+              <a:t> </a:t>
+            </a:r>
+            <a:r>
+              <a:rPr lang="en-US" sz="3000" b="1" dirty="0" err="1">
+                <a:solidFill>
+                  <a:srgbClr val="FFFFFF"/>
+                </a:solidFill>
+                <a:latin typeface="Now Bold"/>
+                <a:sym typeface="Now Bold"/>
+              </a:rPr>
+              <a:t>milion</a:t>
+            </a:r>
+            <a:r>
+              <a:rPr lang="en-US" sz="3000" b="1" dirty="0">
+                <a:solidFill>
+                  <a:srgbClr val="FFFFFF"/>
+                </a:solidFill>
+                <a:latin typeface="Now Bold"/>
+                <a:sym typeface="Now Bold"/>
+              </a:rPr>
+              <a:t> de </a:t>
+            </a:r>
+            <a:r>
+              <a:rPr lang="en-US" sz="3000" b="1" dirty="0" err="1">
+                <a:solidFill>
+                  <a:srgbClr val="FFFFFF"/>
+                </a:solidFill>
+                <a:latin typeface="Now Bold"/>
+                <a:sym typeface="Now Bold"/>
+              </a:rPr>
+              <a:t>utilizatori</a:t>
+            </a:r>
+            <a:r>
+              <a:rPr lang="en-US" sz="3000" b="1" dirty="0">
+                <a:solidFill>
+                  <a:srgbClr val="FFFFFF"/>
+                </a:solidFill>
+                <a:latin typeface="Now Bold"/>
+                <a:sym typeface="Now Bold"/>
+              </a:rPr>
+              <a:t> in </a:t>
+            </a:r>
+            <a:r>
+              <a:rPr lang="en-US" sz="3000" b="1" dirty="0" err="1">
+                <a:solidFill>
+                  <a:srgbClr val="FFFFFF"/>
+                </a:solidFill>
+                <a:latin typeface="Now Bold"/>
+                <a:sym typeface="Now Bold"/>
+              </a:rPr>
+              <a:t>doar</a:t>
+            </a:r>
+            <a:r>
+              <a:rPr lang="en-US" sz="3000" b="1" dirty="0">
+                <a:solidFill>
+                  <a:srgbClr val="FFFFFF"/>
+                </a:solidFill>
+                <a:latin typeface="Now Bold"/>
+                <a:sym typeface="Now Bold"/>
+              </a:rPr>
+              <a:t> 5 </a:t>
+            </a:r>
+            <a:r>
+              <a:rPr lang="en-US" sz="3000" b="1" dirty="0" err="1">
+                <a:solidFill>
+                  <a:srgbClr val="FFFFFF"/>
+                </a:solidFill>
+                <a:latin typeface="Now Bold"/>
+                <a:sym typeface="Now Bold"/>
+              </a:rPr>
+              <a:t>zile</a:t>
+            </a:r>
+            <a:r>
+              <a:rPr lang="en-US" sz="3000" b="1" dirty="0">
+                <a:solidFill>
+                  <a:srgbClr val="FFFFFF"/>
+                </a:solidFill>
+                <a:latin typeface="Now Bold"/>
+                <a:sym typeface="Now Bold"/>
+              </a:rPr>
+              <a:t> de la </a:t>
+            </a:r>
+            <a:r>
+              <a:rPr lang="en-US" sz="3000" b="1" dirty="0" err="1">
+                <a:solidFill>
+                  <a:srgbClr val="FFFFFF"/>
+                </a:solidFill>
+                <a:latin typeface="Now Bold"/>
+                <a:sym typeface="Now Bold"/>
+              </a:rPr>
+              <a:t>lansare</a:t>
+            </a:r>
+            <a:endParaRPr lang="en-US" sz="3000" b="1"/>
+          </a:p>
+        </p:txBody>
+      </p:sp>
+      <p:pic>
+        <p:nvPicPr>
+          <p:cNvPr id="2" name="Picture 1" descr="A graph with blue line&#10;&#10;AI-generated content may be incorrect.">
+            <a:extLst>
+              <a:ext uri="{FF2B5EF4-FFF2-40B4-BE49-F238E27FC236}">
+                <a16:creationId xmlns:a16="http://schemas.microsoft.com/office/drawing/2014/main" id="{BBD1AA32-D5F5-2DF4-8976-0AE23C438AFA}"/>
+              </a:ext>
+            </a:extLst>
+          </p:cNvPr>
+          <p:cNvPicPr>
+            <a:picLocks noChangeAspect="1"/>
+          </p:cNvPicPr>
+          <p:nvPr/>
+        </p:nvPicPr>
+        <p:blipFill>
+          <a:blip r:embed="rId5"/>
+          <a:stretch>
+            <a:fillRect/>
+          </a:stretch>
+        </p:blipFill>
+        <p:spPr>
+          <a:xfrm>
+            <a:off x="4533533" y="734157"/>
+            <a:ext cx="7603148" cy="5542085"/>
+          </a:xfrm>
+          <a:prstGeom prst="rect">
+            <a:avLst/>
+          </a:prstGeom>
+        </p:spPr>
+      </p:pic>
+      <p:sp>
+        <p:nvSpPr>
+          <p:cNvPr id="3" name="TextBox 20">
+            <a:extLst>
+              <a:ext uri="{FF2B5EF4-FFF2-40B4-BE49-F238E27FC236}">
+                <a16:creationId xmlns:a16="http://schemas.microsoft.com/office/drawing/2014/main" id="{B034A919-DE76-9DCF-39F3-82DB898BC5FC}"/>
+              </a:ext>
+            </a:extLst>
+          </p:cNvPr>
+          <p:cNvSpPr txBox="1"/>
+          <p:nvPr/>
+        </p:nvSpPr>
+        <p:spPr>
+          <a:xfrm>
+            <a:off x="452699" y="941040"/>
+            <a:ext cx="3690708" cy="1541640"/>
+          </a:xfrm>
+          <a:prstGeom prst="rect">
+            <a:avLst/>
+          </a:prstGeom>
+        </p:spPr>
+        <p:txBody>
+          <a:bodyPr wrap="square" lIns="0" tIns="0" rIns="0" bIns="0" rtlCol="0" anchor="t">
+            <a:spAutoFit/>
+          </a:bodyPr>
+          <a:lstStyle>
+            <a:defPPr>
+              <a:defRPr lang="en-US"/>
+            </a:defPPr>
+            <a:lvl1pPr marL="0" algn="l" defTabSz="609539" rtl="0" eaLnBrk="1" latinLnBrk="0" hangingPunct="1">
+              <a:defRPr sz="1200" kern="1200">
+                <a:solidFill>
+                  <a:schemeClr val="tx1"/>
+                </a:solidFill>
+                <a:latin typeface="+mn-lt"/>
+                <a:ea typeface="+mn-ea"/>
+                <a:cs typeface="+mn-cs"/>
+              </a:defRPr>
+            </a:lvl1pPr>
+            <a:lvl2pPr marL="304770" algn="l" defTabSz="609539" rtl="0" eaLnBrk="1" latinLnBrk="0" hangingPunct="1">
+              <a:defRPr sz="1200" kern="1200">
+                <a:solidFill>
+                  <a:schemeClr val="tx1"/>
+                </a:solidFill>
+                <a:latin typeface="+mn-lt"/>
+                <a:ea typeface="+mn-ea"/>
+                <a:cs typeface="+mn-cs"/>
+              </a:defRPr>
+            </a:lvl2pPr>
+            <a:lvl3pPr marL="609539" algn="l" defTabSz="609539" rtl="0" eaLnBrk="1" latinLnBrk="0" hangingPunct="1">
+              <a:defRPr sz="1200" kern="1200">
+                <a:solidFill>
+                  <a:schemeClr val="tx1"/>
+                </a:solidFill>
+                <a:latin typeface="+mn-lt"/>
+                <a:ea typeface="+mn-ea"/>
+                <a:cs typeface="+mn-cs"/>
+              </a:defRPr>
+            </a:lvl3pPr>
+            <a:lvl4pPr marL="914309" algn="l" defTabSz="609539" rtl="0" eaLnBrk="1" latinLnBrk="0" hangingPunct="1">
+              <a:defRPr sz="1200" kern="1200">
+                <a:solidFill>
+                  <a:schemeClr val="tx1"/>
+                </a:solidFill>
+                <a:latin typeface="+mn-lt"/>
+                <a:ea typeface="+mn-ea"/>
+                <a:cs typeface="+mn-cs"/>
+              </a:defRPr>
+            </a:lvl4pPr>
+            <a:lvl5pPr marL="1219078" algn="l" defTabSz="609539" rtl="0" eaLnBrk="1" latinLnBrk="0" hangingPunct="1">
+              <a:defRPr sz="1200" kern="1200">
+                <a:solidFill>
+                  <a:schemeClr val="tx1"/>
+                </a:solidFill>
+                <a:latin typeface="+mn-lt"/>
+                <a:ea typeface="+mn-ea"/>
+                <a:cs typeface="+mn-cs"/>
+              </a:defRPr>
+            </a:lvl5pPr>
+            <a:lvl6pPr marL="1523848" algn="l" defTabSz="609539" rtl="0" eaLnBrk="1" latinLnBrk="0" hangingPunct="1">
+              <a:defRPr sz="1200" kern="1200">
+                <a:solidFill>
+                  <a:schemeClr val="tx1"/>
+                </a:solidFill>
+                <a:latin typeface="+mn-lt"/>
+                <a:ea typeface="+mn-ea"/>
+                <a:cs typeface="+mn-cs"/>
+              </a:defRPr>
+            </a:lvl6pPr>
+            <a:lvl7pPr marL="1828617" algn="l" defTabSz="609539" rtl="0" eaLnBrk="1" latinLnBrk="0" hangingPunct="1">
+              <a:defRPr sz="1200" kern="1200">
+                <a:solidFill>
+                  <a:schemeClr val="tx1"/>
+                </a:solidFill>
+                <a:latin typeface="+mn-lt"/>
+                <a:ea typeface="+mn-ea"/>
+                <a:cs typeface="+mn-cs"/>
+              </a:defRPr>
+            </a:lvl7pPr>
+            <a:lvl8pPr marL="2133387" algn="l" defTabSz="609539" rtl="0" eaLnBrk="1" latinLnBrk="0" hangingPunct="1">
+              <a:defRPr sz="1200" kern="1200">
+                <a:solidFill>
+                  <a:schemeClr val="tx1"/>
+                </a:solidFill>
+                <a:latin typeface="+mn-lt"/>
+                <a:ea typeface="+mn-ea"/>
+                <a:cs typeface="+mn-cs"/>
+              </a:defRPr>
+            </a:lvl8pPr>
+            <a:lvl9pPr marL="2438156" algn="l" defTabSz="609539" rtl="0" eaLnBrk="1" latinLnBrk="0" hangingPunct="1">
+              <a:defRPr sz="1200" kern="1200">
+                <a:solidFill>
+                  <a:schemeClr val="tx1"/>
+                </a:solidFill>
+                <a:latin typeface="+mn-lt"/>
+                <a:ea typeface="+mn-ea"/>
+                <a:cs typeface="+mn-cs"/>
+              </a:defRPr>
+            </a:lvl9pPr>
+          </a:lstStyle>
+          <a:p>
+            <a:pPr algn="ctr">
+              <a:lnSpc>
+                <a:spcPts val="6417"/>
+              </a:lnSpc>
+              <a:spcBef>
+                <a:spcPct val="0"/>
+              </a:spcBef>
+            </a:pPr>
+            <a:r>
+              <a:rPr lang="en-US" sz="3000" b="1" dirty="0">
+                <a:latin typeface="Now Bold"/>
+                <a:sym typeface="Now Bold"/>
+              </a:rPr>
+              <a:t>-La </a:t>
+            </a:r>
+            <a:r>
+              <a:rPr lang="en-US" sz="3000" b="1" dirty="0" err="1">
+                <a:latin typeface="Now Bold"/>
+                <a:sym typeface="Now Bold"/>
+              </a:rPr>
+              <a:t>finalul</a:t>
+            </a:r>
+            <a:r>
+              <a:rPr lang="en-US" sz="3000" b="1" dirty="0">
+                <a:latin typeface="Now Bold"/>
+                <a:sym typeface="Now Bold"/>
+              </a:rPr>
+              <a:t> 2023: </a:t>
+            </a:r>
+            <a:endParaRPr lang="en-US" dirty="0" err="1">
+              <a:latin typeface="Aptos" panose="02110004020202020204"/>
+              <a:sym typeface="Now Bold"/>
+            </a:endParaRPr>
+          </a:p>
+          <a:p>
+            <a:pPr algn="ctr">
+              <a:lnSpc>
+                <a:spcPts val="6417"/>
+              </a:lnSpc>
+              <a:spcBef>
+                <a:spcPct val="0"/>
+              </a:spcBef>
+            </a:pPr>
+            <a:r>
+              <a:rPr lang="en-US" sz="3000" b="1" dirty="0">
+                <a:latin typeface="Now Bold"/>
+                <a:sym typeface="Now Bold"/>
+              </a:rPr>
+              <a:t>100 </a:t>
+            </a:r>
+            <a:r>
+              <a:rPr lang="en-US" sz="3000" b="1" dirty="0" err="1">
+                <a:latin typeface="Now Bold"/>
+                <a:sym typeface="Now Bold"/>
+              </a:rPr>
+              <a:t>milioane</a:t>
+            </a:r>
+            <a:endParaRPr lang="en-US" dirty="0"/>
+          </a:p>
+        </p:txBody>
+      </p:sp>
+      <p:sp>
+        <p:nvSpPr>
+          <p:cNvPr id="4" name="TextBox 20">
+            <a:extLst>
+              <a:ext uri="{FF2B5EF4-FFF2-40B4-BE49-F238E27FC236}">
+                <a16:creationId xmlns:a16="http://schemas.microsoft.com/office/drawing/2014/main" id="{572C7343-297B-A704-EF8D-FF262648A06A}"/>
+              </a:ext>
+            </a:extLst>
+          </p:cNvPr>
+          <p:cNvSpPr txBox="1"/>
+          <p:nvPr/>
+        </p:nvSpPr>
+        <p:spPr>
+          <a:xfrm>
+            <a:off x="452698" y="4364177"/>
+            <a:ext cx="3690708" cy="1541640"/>
+          </a:xfrm>
+          <a:prstGeom prst="rect">
+            <a:avLst/>
+          </a:prstGeom>
+        </p:spPr>
+        <p:txBody>
+          <a:bodyPr wrap="square" lIns="0" tIns="0" rIns="0" bIns="0" rtlCol="0" anchor="t">
+            <a:spAutoFit/>
+          </a:bodyPr>
+          <a:lstStyle>
+            <a:defPPr>
+              <a:defRPr lang="en-US"/>
+            </a:defPPr>
+            <a:lvl1pPr marL="0" algn="l" defTabSz="609539" rtl="0" eaLnBrk="1" latinLnBrk="0" hangingPunct="1">
+              <a:defRPr sz="1200" kern="1200">
+                <a:solidFill>
+                  <a:schemeClr val="tx1"/>
+                </a:solidFill>
+                <a:latin typeface="+mn-lt"/>
+                <a:ea typeface="+mn-ea"/>
+                <a:cs typeface="+mn-cs"/>
+              </a:defRPr>
+            </a:lvl1pPr>
+            <a:lvl2pPr marL="304770" algn="l" defTabSz="609539" rtl="0" eaLnBrk="1" latinLnBrk="0" hangingPunct="1">
+              <a:defRPr sz="1200" kern="1200">
+                <a:solidFill>
+                  <a:schemeClr val="tx1"/>
+                </a:solidFill>
+                <a:latin typeface="+mn-lt"/>
+                <a:ea typeface="+mn-ea"/>
+                <a:cs typeface="+mn-cs"/>
+              </a:defRPr>
+            </a:lvl2pPr>
+            <a:lvl3pPr marL="609539" algn="l" defTabSz="609539" rtl="0" eaLnBrk="1" latinLnBrk="0" hangingPunct="1">
+              <a:defRPr sz="1200" kern="1200">
+                <a:solidFill>
+                  <a:schemeClr val="tx1"/>
+                </a:solidFill>
+                <a:latin typeface="+mn-lt"/>
+                <a:ea typeface="+mn-ea"/>
+                <a:cs typeface="+mn-cs"/>
+              </a:defRPr>
+            </a:lvl3pPr>
+            <a:lvl4pPr marL="914309" algn="l" defTabSz="609539" rtl="0" eaLnBrk="1" latinLnBrk="0" hangingPunct="1">
+              <a:defRPr sz="1200" kern="1200">
+                <a:solidFill>
+                  <a:schemeClr val="tx1"/>
+                </a:solidFill>
+                <a:latin typeface="+mn-lt"/>
+                <a:ea typeface="+mn-ea"/>
+                <a:cs typeface="+mn-cs"/>
+              </a:defRPr>
+            </a:lvl4pPr>
+            <a:lvl5pPr marL="1219078" algn="l" defTabSz="609539" rtl="0" eaLnBrk="1" latinLnBrk="0" hangingPunct="1">
+              <a:defRPr sz="1200" kern="1200">
+                <a:solidFill>
+                  <a:schemeClr val="tx1"/>
+                </a:solidFill>
+                <a:latin typeface="+mn-lt"/>
+                <a:ea typeface="+mn-ea"/>
+                <a:cs typeface="+mn-cs"/>
+              </a:defRPr>
+            </a:lvl5pPr>
+            <a:lvl6pPr marL="1523848" algn="l" defTabSz="609539" rtl="0" eaLnBrk="1" latinLnBrk="0" hangingPunct="1">
+              <a:defRPr sz="1200" kern="1200">
+                <a:solidFill>
+                  <a:schemeClr val="tx1"/>
+                </a:solidFill>
+                <a:latin typeface="+mn-lt"/>
+                <a:ea typeface="+mn-ea"/>
+                <a:cs typeface="+mn-cs"/>
+              </a:defRPr>
+            </a:lvl6pPr>
+            <a:lvl7pPr marL="1828617" algn="l" defTabSz="609539" rtl="0" eaLnBrk="1" latinLnBrk="0" hangingPunct="1">
+              <a:defRPr sz="1200" kern="1200">
+                <a:solidFill>
+                  <a:schemeClr val="tx1"/>
+                </a:solidFill>
+                <a:latin typeface="+mn-lt"/>
+                <a:ea typeface="+mn-ea"/>
+                <a:cs typeface="+mn-cs"/>
+              </a:defRPr>
+            </a:lvl7pPr>
+            <a:lvl8pPr marL="2133387" algn="l" defTabSz="609539" rtl="0" eaLnBrk="1" latinLnBrk="0" hangingPunct="1">
+              <a:defRPr sz="1200" kern="1200">
+                <a:solidFill>
+                  <a:schemeClr val="tx1"/>
+                </a:solidFill>
+                <a:latin typeface="+mn-lt"/>
+                <a:ea typeface="+mn-ea"/>
+                <a:cs typeface="+mn-cs"/>
+              </a:defRPr>
+            </a:lvl8pPr>
+            <a:lvl9pPr marL="2438156" algn="l" defTabSz="609539" rtl="0" eaLnBrk="1" latinLnBrk="0" hangingPunct="1">
+              <a:defRPr sz="1200" kern="1200">
+                <a:solidFill>
+                  <a:schemeClr val="tx1"/>
+                </a:solidFill>
+                <a:latin typeface="+mn-lt"/>
+                <a:ea typeface="+mn-ea"/>
+                <a:cs typeface="+mn-cs"/>
+              </a:defRPr>
+            </a:lvl9pPr>
+          </a:lstStyle>
+          <a:p>
+            <a:pPr algn="ctr">
+              <a:lnSpc>
+                <a:spcPts val="6417"/>
+              </a:lnSpc>
+              <a:spcBef>
+                <a:spcPct val="0"/>
+              </a:spcBef>
+            </a:pPr>
+            <a:r>
+              <a:rPr lang="en-US" sz="3000" b="1" dirty="0">
+                <a:latin typeface="Now Bold"/>
+                <a:sym typeface="Now Bold"/>
+              </a:rPr>
+              <a:t>-Feb 2025: </a:t>
+            </a:r>
+            <a:endParaRPr lang="en-US" dirty="0">
+              <a:latin typeface="Aptos" panose="02110004020202020204"/>
+              <a:sym typeface="Now Bold"/>
+            </a:endParaRPr>
+          </a:p>
+          <a:p>
+            <a:pPr algn="ctr">
+              <a:lnSpc>
+                <a:spcPts val="6417"/>
+              </a:lnSpc>
+              <a:spcBef>
+                <a:spcPct val="0"/>
+              </a:spcBef>
+            </a:pPr>
+            <a:r>
+              <a:rPr lang="en-US" sz="3000" b="1" dirty="0">
+                <a:latin typeface="Now Bold"/>
+                <a:sym typeface="Now Bold"/>
+              </a:rPr>
+              <a:t>400 </a:t>
+            </a:r>
+            <a:r>
+              <a:rPr lang="en-US" sz="3000" b="1" dirty="0" err="1">
+                <a:latin typeface="Now Bold"/>
+                <a:sym typeface="Now Bold"/>
+              </a:rPr>
+              <a:t>milioane</a:t>
+            </a:r>
+            <a:endParaRPr lang="en-US" dirty="0"/>
+          </a:p>
+        </p:txBody>
+      </p:sp>
+    </p:spTree>
+    <p:extLst>
+      <p:ext uri="{BB962C8B-B14F-4D97-AF65-F5344CB8AC3E}">
+        <p14:creationId xmlns:p14="http://schemas.microsoft.com/office/powerpoint/2010/main" val="437628894"/>
+      </p:ext>
+    </p:extLst>
+  </p:cSld>
+  <p:clrMapOvr>
+    <a:masterClrMapping/>
+  </p:clrMapOvr>
+</p:sld>
+</file>
+
+<file path=ppt/slides/slide14.xml><?xml version="1.0" encoding="utf-8"?>
 <p:sld xmlns:a="http://schemas.openxmlformats.org/drawingml/2006/main" xmlns:r="http://schemas.openxmlformats.org/officeDocument/2006/relationships" xmlns:p="http://schemas.openxmlformats.org/presentationml/2006/main">
   <p:cSld>
     <p:spTree>
@@ -4222,7 +10122,7 @@
 </p:sld>
 </file>
 
-<file path=ppt/slides/slide12.xml><?xml version="1.0" encoding="utf-8"?>
+<file path=ppt/slides/slide15.xml><?xml version="1.0" encoding="utf-8"?>
 <p:sld xmlns:a="http://schemas.openxmlformats.org/drawingml/2006/main" xmlns:r="http://schemas.openxmlformats.org/officeDocument/2006/relationships" xmlns:p="http://schemas.openxmlformats.org/presentationml/2006/main">
   <p:cSld>
     <p:spTree>
@@ -4527,7 +10427,7 @@
 </p:sld>
 </file>
 
-<file path=ppt/slides/slide13.xml><?xml version="1.0" encoding="utf-8"?>
+<file path=ppt/slides/slide16.xml><?xml version="1.0" encoding="utf-8"?>
 <p:sld xmlns:a="http://schemas.openxmlformats.org/drawingml/2006/main" xmlns:r="http://schemas.openxmlformats.org/officeDocument/2006/relationships" xmlns:p="http://schemas.openxmlformats.org/presentationml/2006/main">
   <p:cSld>
     <p:spTree>
